--- a/sunum_/Birleştirilmiş.pptx
+++ b/sunum_/Birleştirilmiş.pptx
@@ -25,10 +25,10 @@
     <p:sldId id="273" r:id="rId19"/>
     <p:sldId id="274" r:id="rId20"/>
     <p:sldId id="275" r:id="rId21"/>
-    <p:sldId id="276" r:id="rId22"/>
-    <p:sldId id="277" r:id="rId23"/>
-    <p:sldId id="278" r:id="rId24"/>
-    <p:sldId id="279" r:id="rId25"/>
+    <p:sldId id="277" r:id="rId22"/>
+    <p:sldId id="278" r:id="rId23"/>
+    <p:sldId id="279" r:id="rId24"/>
+    <p:sldId id="289" r:id="rId25"/>
     <p:sldId id="280" r:id="rId26"/>
     <p:sldId id="281" r:id="rId27"/>
     <p:sldId id="282" r:id="rId28"/>
@@ -136,7 +136,16 @@
       </a:defRPr>
     </a:lvl9pPr>
   </p:defaultTextStyle>
+  <p:extLst>
+    <p:ext uri="{EFAFB233-063F-42B5-8137-9DF3F51BA10A}">
+      <p15:sldGuideLst xmlns:p15="http://schemas.microsoft.com/office/powerpoint/2012/main"/>
+    </p:ext>
+  </p:extLst>
 </p:presentation>
+</file>
+
+<file path=ppt/revisionInfo.xml><?xml version="1.0" encoding="utf-8"?>
+<p1510:revInfo xmlns:a="http://schemas.openxmlformats.org/drawingml/2006/main" xmlns:r="http://schemas.openxmlformats.org/officeDocument/2006/relationships" xmlns:p1510="http://schemas.microsoft.com/office/powerpoint/2015/10/main"/>
 </file>
 
 <file path=ppt/slideLayouts/slideLayout1.xml><?xml version="1.0" encoding="utf-8"?>
@@ -181,7 +190,7 @@
           </a:lstStyle>
           <a:p>
             <a:r>
-              <a:rPr lang="en-US" smtClean="0"/>
+              <a:rPr lang="en-US"/>
               <a:t>Click to edit Master title style</a:t>
             </a:r>
             <a:endParaRPr lang="tr-TR"/>
@@ -246,7 +255,7 @@
           </a:lstStyle>
           <a:p>
             <a:r>
-              <a:rPr lang="en-US" smtClean="0"/>
+              <a:rPr lang="en-US"/>
               <a:t>Click to edit Master subtitle style</a:t>
             </a:r>
             <a:endParaRPr lang="tr-TR"/>
@@ -270,7 +279,7 @@
           <a:p>
             <a:fld id="{2A2DB008-F9E4-465A-A4A5-8BC7F81149C9}" type="datetimeFigureOut">
               <a:rPr lang="tr-TR" smtClean="0"/>
-              <a:t>2.01.2018</a:t>
+              <a:t>3.01.2018</a:t>
             </a:fld>
             <a:endParaRPr lang="tr-TR"/>
           </a:p>
@@ -364,7 +373,7 @@
           <a:lstStyle/>
           <a:p>
             <a:r>
-              <a:rPr lang="en-US" smtClean="0"/>
+              <a:rPr lang="en-US"/>
               <a:t>Click to edit Master title style</a:t>
             </a:r>
             <a:endParaRPr lang="tr-TR"/>
@@ -388,35 +397,35 @@
           <a:p>
             <a:pPr lvl="0"/>
             <a:r>
-              <a:rPr lang="en-US" smtClean="0"/>
+              <a:rPr lang="en-US"/>
               <a:t>Edit Master text styles</a:t>
             </a:r>
           </a:p>
           <a:p>
             <a:pPr lvl="1"/>
             <a:r>
-              <a:rPr lang="en-US" smtClean="0"/>
+              <a:rPr lang="en-US"/>
               <a:t>Second level</a:t>
             </a:r>
           </a:p>
           <a:p>
             <a:pPr lvl="2"/>
             <a:r>
-              <a:rPr lang="en-US" smtClean="0"/>
+              <a:rPr lang="en-US"/>
               <a:t>Third level</a:t>
             </a:r>
           </a:p>
           <a:p>
             <a:pPr lvl="3"/>
             <a:r>
-              <a:rPr lang="en-US" smtClean="0"/>
+              <a:rPr lang="en-US"/>
               <a:t>Fourth level</a:t>
             </a:r>
           </a:p>
           <a:p>
             <a:pPr lvl="4"/>
             <a:r>
-              <a:rPr lang="en-US" smtClean="0"/>
+              <a:rPr lang="en-US"/>
               <a:t>Fifth level</a:t>
             </a:r>
             <a:endParaRPr lang="tr-TR"/>
@@ -440,7 +449,7 @@
           <a:p>
             <a:fld id="{2A2DB008-F9E4-465A-A4A5-8BC7F81149C9}" type="datetimeFigureOut">
               <a:rPr lang="tr-TR" smtClean="0"/>
-              <a:t>2.01.2018</a:t>
+              <a:t>3.01.2018</a:t>
             </a:fld>
             <a:endParaRPr lang="tr-TR"/>
           </a:p>
@@ -539,7 +548,7 @@
           <a:lstStyle/>
           <a:p>
             <a:r>
-              <a:rPr lang="en-US" smtClean="0"/>
+              <a:rPr lang="en-US"/>
               <a:t>Click to edit Master title style</a:t>
             </a:r>
             <a:endParaRPr lang="tr-TR"/>
@@ -568,35 +577,35 @@
           <a:p>
             <a:pPr lvl="0"/>
             <a:r>
-              <a:rPr lang="en-US" smtClean="0"/>
+              <a:rPr lang="en-US"/>
               <a:t>Edit Master text styles</a:t>
             </a:r>
           </a:p>
           <a:p>
             <a:pPr lvl="1"/>
             <a:r>
-              <a:rPr lang="en-US" smtClean="0"/>
+              <a:rPr lang="en-US"/>
               <a:t>Second level</a:t>
             </a:r>
           </a:p>
           <a:p>
             <a:pPr lvl="2"/>
             <a:r>
-              <a:rPr lang="en-US" smtClean="0"/>
+              <a:rPr lang="en-US"/>
               <a:t>Third level</a:t>
             </a:r>
           </a:p>
           <a:p>
             <a:pPr lvl="3"/>
             <a:r>
-              <a:rPr lang="en-US" smtClean="0"/>
+              <a:rPr lang="en-US"/>
               <a:t>Fourth level</a:t>
             </a:r>
           </a:p>
           <a:p>
             <a:pPr lvl="4"/>
             <a:r>
-              <a:rPr lang="en-US" smtClean="0"/>
+              <a:rPr lang="en-US"/>
               <a:t>Fifth level</a:t>
             </a:r>
             <a:endParaRPr lang="tr-TR"/>
@@ -620,7 +629,7 @@
           <a:p>
             <a:fld id="{2A2DB008-F9E4-465A-A4A5-8BC7F81149C9}" type="datetimeFigureOut">
               <a:rPr lang="tr-TR" smtClean="0"/>
-              <a:t>2.01.2018</a:t>
+              <a:t>3.01.2018</a:t>
             </a:fld>
             <a:endParaRPr lang="tr-TR"/>
           </a:p>
@@ -714,7 +723,7 @@
           <a:lstStyle/>
           <a:p>
             <a:r>
-              <a:rPr lang="en-US" smtClean="0"/>
+              <a:rPr lang="en-US"/>
               <a:t>Click to edit Master title style</a:t>
             </a:r>
             <a:endParaRPr lang="tr-TR"/>
@@ -738,35 +747,35 @@
           <a:p>
             <a:pPr lvl="0"/>
             <a:r>
-              <a:rPr lang="en-US" smtClean="0"/>
+              <a:rPr lang="en-US"/>
               <a:t>Edit Master text styles</a:t>
             </a:r>
           </a:p>
           <a:p>
             <a:pPr lvl="1"/>
             <a:r>
-              <a:rPr lang="en-US" smtClean="0"/>
+              <a:rPr lang="en-US"/>
               <a:t>Second level</a:t>
             </a:r>
           </a:p>
           <a:p>
             <a:pPr lvl="2"/>
             <a:r>
-              <a:rPr lang="en-US" smtClean="0"/>
+              <a:rPr lang="en-US"/>
               <a:t>Third level</a:t>
             </a:r>
           </a:p>
           <a:p>
             <a:pPr lvl="3"/>
             <a:r>
-              <a:rPr lang="en-US" smtClean="0"/>
+              <a:rPr lang="en-US"/>
               <a:t>Fourth level</a:t>
             </a:r>
           </a:p>
           <a:p>
             <a:pPr lvl="4"/>
             <a:r>
-              <a:rPr lang="en-US" smtClean="0"/>
+              <a:rPr lang="en-US"/>
               <a:t>Fifth level</a:t>
             </a:r>
             <a:endParaRPr lang="tr-TR"/>
@@ -790,7 +799,7 @@
           <a:p>
             <a:fld id="{2A2DB008-F9E4-465A-A4A5-8BC7F81149C9}" type="datetimeFigureOut">
               <a:rPr lang="tr-TR" smtClean="0"/>
-              <a:t>2.01.2018</a:t>
+              <a:t>3.01.2018</a:t>
             </a:fld>
             <a:endParaRPr lang="tr-TR"/>
           </a:p>
@@ -893,7 +902,7 @@
           </a:lstStyle>
           <a:p>
             <a:r>
-              <a:rPr lang="en-US" smtClean="0"/>
+              <a:rPr lang="en-US"/>
               <a:t>Click to edit Master title style</a:t>
             </a:r>
             <a:endParaRPr lang="tr-TR"/>
@@ -1013,7 +1022,7 @@
           <a:p>
             <a:pPr lvl="0"/>
             <a:r>
-              <a:rPr lang="en-US" smtClean="0"/>
+              <a:rPr lang="en-US"/>
               <a:t>Edit Master text styles</a:t>
             </a:r>
           </a:p>
@@ -1036,7 +1045,7 @@
           <a:p>
             <a:fld id="{2A2DB008-F9E4-465A-A4A5-8BC7F81149C9}" type="datetimeFigureOut">
               <a:rPr lang="tr-TR" smtClean="0"/>
-              <a:t>2.01.2018</a:t>
+              <a:t>3.01.2018</a:t>
             </a:fld>
             <a:endParaRPr lang="tr-TR"/>
           </a:p>
@@ -1130,7 +1139,7 @@
           <a:lstStyle/>
           <a:p>
             <a:r>
-              <a:rPr lang="en-US" smtClean="0"/>
+              <a:rPr lang="en-US"/>
               <a:t>Click to edit Master title style</a:t>
             </a:r>
             <a:endParaRPr lang="tr-TR"/>
@@ -1159,35 +1168,35 @@
           <a:p>
             <a:pPr lvl="0"/>
             <a:r>
-              <a:rPr lang="en-US" smtClean="0"/>
+              <a:rPr lang="en-US"/>
               <a:t>Edit Master text styles</a:t>
             </a:r>
           </a:p>
           <a:p>
             <a:pPr lvl="1"/>
             <a:r>
-              <a:rPr lang="en-US" smtClean="0"/>
+              <a:rPr lang="en-US"/>
               <a:t>Second level</a:t>
             </a:r>
           </a:p>
           <a:p>
             <a:pPr lvl="2"/>
             <a:r>
-              <a:rPr lang="en-US" smtClean="0"/>
+              <a:rPr lang="en-US"/>
               <a:t>Third level</a:t>
             </a:r>
           </a:p>
           <a:p>
             <a:pPr lvl="3"/>
             <a:r>
-              <a:rPr lang="en-US" smtClean="0"/>
+              <a:rPr lang="en-US"/>
               <a:t>Fourth level</a:t>
             </a:r>
           </a:p>
           <a:p>
             <a:pPr lvl="4"/>
             <a:r>
-              <a:rPr lang="en-US" smtClean="0"/>
+              <a:rPr lang="en-US"/>
               <a:t>Fifth level</a:t>
             </a:r>
             <a:endParaRPr lang="tr-TR"/>
@@ -1216,35 +1225,35 @@
           <a:p>
             <a:pPr lvl="0"/>
             <a:r>
-              <a:rPr lang="en-US" smtClean="0"/>
+              <a:rPr lang="en-US"/>
               <a:t>Edit Master text styles</a:t>
             </a:r>
           </a:p>
           <a:p>
             <a:pPr lvl="1"/>
             <a:r>
-              <a:rPr lang="en-US" smtClean="0"/>
+              <a:rPr lang="en-US"/>
               <a:t>Second level</a:t>
             </a:r>
           </a:p>
           <a:p>
             <a:pPr lvl="2"/>
             <a:r>
-              <a:rPr lang="en-US" smtClean="0"/>
+              <a:rPr lang="en-US"/>
               <a:t>Third level</a:t>
             </a:r>
           </a:p>
           <a:p>
             <a:pPr lvl="3"/>
             <a:r>
-              <a:rPr lang="en-US" smtClean="0"/>
+              <a:rPr lang="en-US"/>
               <a:t>Fourth level</a:t>
             </a:r>
           </a:p>
           <a:p>
             <a:pPr lvl="4"/>
             <a:r>
-              <a:rPr lang="en-US" smtClean="0"/>
+              <a:rPr lang="en-US"/>
               <a:t>Fifth level</a:t>
             </a:r>
             <a:endParaRPr lang="tr-TR"/>
@@ -1268,7 +1277,7 @@
           <a:p>
             <a:fld id="{2A2DB008-F9E4-465A-A4A5-8BC7F81149C9}" type="datetimeFigureOut">
               <a:rPr lang="tr-TR" smtClean="0"/>
-              <a:t>2.01.2018</a:t>
+              <a:t>3.01.2018</a:t>
             </a:fld>
             <a:endParaRPr lang="tr-TR"/>
           </a:p>
@@ -1367,7 +1376,7 @@
           <a:lstStyle/>
           <a:p>
             <a:r>
-              <a:rPr lang="en-US" smtClean="0"/>
+              <a:rPr lang="en-US"/>
               <a:t>Click to edit Master title style</a:t>
             </a:r>
             <a:endParaRPr lang="tr-TR"/>
@@ -1433,7 +1442,7 @@
           <a:p>
             <a:pPr lvl="0"/>
             <a:r>
-              <a:rPr lang="en-US" smtClean="0"/>
+              <a:rPr lang="en-US"/>
               <a:t>Edit Master text styles</a:t>
             </a:r>
           </a:p>
@@ -1461,35 +1470,35 @@
           <a:p>
             <a:pPr lvl="0"/>
             <a:r>
-              <a:rPr lang="en-US" smtClean="0"/>
+              <a:rPr lang="en-US"/>
               <a:t>Edit Master text styles</a:t>
             </a:r>
           </a:p>
           <a:p>
             <a:pPr lvl="1"/>
             <a:r>
-              <a:rPr lang="en-US" smtClean="0"/>
+              <a:rPr lang="en-US"/>
               <a:t>Second level</a:t>
             </a:r>
           </a:p>
           <a:p>
             <a:pPr lvl="2"/>
             <a:r>
-              <a:rPr lang="en-US" smtClean="0"/>
+              <a:rPr lang="en-US"/>
               <a:t>Third level</a:t>
             </a:r>
           </a:p>
           <a:p>
             <a:pPr lvl="3"/>
             <a:r>
-              <a:rPr lang="en-US" smtClean="0"/>
+              <a:rPr lang="en-US"/>
               <a:t>Fourth level</a:t>
             </a:r>
           </a:p>
           <a:p>
             <a:pPr lvl="4"/>
             <a:r>
-              <a:rPr lang="en-US" smtClean="0"/>
+              <a:rPr lang="en-US"/>
               <a:t>Fifth level</a:t>
             </a:r>
             <a:endParaRPr lang="tr-TR"/>
@@ -1555,7 +1564,7 @@
           <a:p>
             <a:pPr lvl="0"/>
             <a:r>
-              <a:rPr lang="en-US" smtClean="0"/>
+              <a:rPr lang="en-US"/>
               <a:t>Edit Master text styles</a:t>
             </a:r>
           </a:p>
@@ -1583,35 +1592,35 @@
           <a:p>
             <a:pPr lvl="0"/>
             <a:r>
-              <a:rPr lang="en-US" smtClean="0"/>
+              <a:rPr lang="en-US"/>
               <a:t>Edit Master text styles</a:t>
             </a:r>
           </a:p>
           <a:p>
             <a:pPr lvl="1"/>
             <a:r>
-              <a:rPr lang="en-US" smtClean="0"/>
+              <a:rPr lang="en-US"/>
               <a:t>Second level</a:t>
             </a:r>
           </a:p>
           <a:p>
             <a:pPr lvl="2"/>
             <a:r>
-              <a:rPr lang="en-US" smtClean="0"/>
+              <a:rPr lang="en-US"/>
               <a:t>Third level</a:t>
             </a:r>
           </a:p>
           <a:p>
             <a:pPr lvl="3"/>
             <a:r>
-              <a:rPr lang="en-US" smtClean="0"/>
+              <a:rPr lang="en-US"/>
               <a:t>Fourth level</a:t>
             </a:r>
           </a:p>
           <a:p>
             <a:pPr lvl="4"/>
             <a:r>
-              <a:rPr lang="en-US" smtClean="0"/>
+              <a:rPr lang="en-US"/>
               <a:t>Fifth level</a:t>
             </a:r>
             <a:endParaRPr lang="tr-TR"/>
@@ -1635,7 +1644,7 @@
           <a:p>
             <a:fld id="{2A2DB008-F9E4-465A-A4A5-8BC7F81149C9}" type="datetimeFigureOut">
               <a:rPr lang="tr-TR" smtClean="0"/>
-              <a:t>2.01.2018</a:t>
+              <a:t>3.01.2018</a:t>
             </a:fld>
             <a:endParaRPr lang="tr-TR"/>
           </a:p>
@@ -1729,7 +1738,7 @@
           <a:lstStyle/>
           <a:p>
             <a:r>
-              <a:rPr lang="en-US" smtClean="0"/>
+              <a:rPr lang="en-US"/>
               <a:t>Click to edit Master title style</a:t>
             </a:r>
             <a:endParaRPr lang="tr-TR"/>
@@ -1753,7 +1762,7 @@
           <a:p>
             <a:fld id="{2A2DB008-F9E4-465A-A4A5-8BC7F81149C9}" type="datetimeFigureOut">
               <a:rPr lang="tr-TR" smtClean="0"/>
-              <a:t>2.01.2018</a:t>
+              <a:t>3.01.2018</a:t>
             </a:fld>
             <a:endParaRPr lang="tr-TR"/>
           </a:p>
@@ -1848,7 +1857,7 @@
           <a:p>
             <a:fld id="{2A2DB008-F9E4-465A-A4A5-8BC7F81149C9}" type="datetimeFigureOut">
               <a:rPr lang="tr-TR" smtClean="0"/>
-              <a:t>2.01.2018</a:t>
+              <a:t>3.01.2018</a:t>
             </a:fld>
             <a:endParaRPr lang="tr-TR"/>
           </a:p>
@@ -1951,7 +1960,7 @@
           </a:lstStyle>
           <a:p>
             <a:r>
-              <a:rPr lang="en-US" smtClean="0"/>
+              <a:rPr lang="en-US"/>
               <a:t>Click to edit Master title style</a:t>
             </a:r>
             <a:endParaRPr lang="tr-TR"/>
@@ -2008,35 +2017,35 @@
           <a:p>
             <a:pPr lvl="0"/>
             <a:r>
-              <a:rPr lang="en-US" smtClean="0"/>
+              <a:rPr lang="en-US"/>
               <a:t>Edit Master text styles</a:t>
             </a:r>
           </a:p>
           <a:p>
             <a:pPr lvl="1"/>
             <a:r>
-              <a:rPr lang="en-US" smtClean="0"/>
+              <a:rPr lang="en-US"/>
               <a:t>Second level</a:t>
             </a:r>
           </a:p>
           <a:p>
             <a:pPr lvl="2"/>
             <a:r>
-              <a:rPr lang="en-US" smtClean="0"/>
+              <a:rPr lang="en-US"/>
               <a:t>Third level</a:t>
             </a:r>
           </a:p>
           <a:p>
             <a:pPr lvl="3"/>
             <a:r>
-              <a:rPr lang="en-US" smtClean="0"/>
+              <a:rPr lang="en-US"/>
               <a:t>Fourth level</a:t>
             </a:r>
           </a:p>
           <a:p>
             <a:pPr lvl="4"/>
             <a:r>
-              <a:rPr lang="en-US" smtClean="0"/>
+              <a:rPr lang="en-US"/>
               <a:t>Fifth level</a:t>
             </a:r>
             <a:endParaRPr lang="tr-TR"/>
@@ -2102,7 +2111,7 @@
           <a:p>
             <a:pPr lvl="0"/>
             <a:r>
-              <a:rPr lang="en-US" smtClean="0"/>
+              <a:rPr lang="en-US"/>
               <a:t>Edit Master text styles</a:t>
             </a:r>
           </a:p>
@@ -2125,7 +2134,7 @@
           <a:p>
             <a:fld id="{2A2DB008-F9E4-465A-A4A5-8BC7F81149C9}" type="datetimeFigureOut">
               <a:rPr lang="tr-TR" smtClean="0"/>
-              <a:t>2.01.2018</a:t>
+              <a:t>3.01.2018</a:t>
             </a:fld>
             <a:endParaRPr lang="tr-TR"/>
           </a:p>
@@ -2228,7 +2237,7 @@
           </a:lstStyle>
           <a:p>
             <a:r>
-              <a:rPr lang="en-US" smtClean="0"/>
+              <a:rPr lang="en-US"/>
               <a:t>Click to edit Master title style</a:t>
             </a:r>
             <a:endParaRPr lang="tr-TR"/>
@@ -2355,7 +2364,7 @@
           <a:p>
             <a:pPr lvl="0"/>
             <a:r>
-              <a:rPr lang="en-US" smtClean="0"/>
+              <a:rPr lang="en-US"/>
               <a:t>Edit Master text styles</a:t>
             </a:r>
           </a:p>
@@ -2378,7 +2387,7 @@
           <a:p>
             <a:fld id="{2A2DB008-F9E4-465A-A4A5-8BC7F81149C9}" type="datetimeFigureOut">
               <a:rPr lang="tr-TR" smtClean="0"/>
-              <a:t>2.01.2018</a:t>
+              <a:t>3.01.2018</a:t>
             </a:fld>
             <a:endParaRPr lang="tr-TR"/>
           </a:p>
@@ -2487,7 +2496,7 @@
           <a:lstStyle/>
           <a:p>
             <a:r>
-              <a:rPr lang="en-US" smtClean="0"/>
+              <a:rPr lang="en-US"/>
               <a:t>Click to edit Master title style</a:t>
             </a:r>
             <a:endParaRPr lang="tr-TR"/>
@@ -2521,35 +2530,35 @@
           <a:p>
             <a:pPr lvl="0"/>
             <a:r>
-              <a:rPr lang="en-US" smtClean="0"/>
+              <a:rPr lang="en-US"/>
               <a:t>Edit Master text styles</a:t>
             </a:r>
           </a:p>
           <a:p>
             <a:pPr lvl="1"/>
             <a:r>
-              <a:rPr lang="en-US" smtClean="0"/>
+              <a:rPr lang="en-US"/>
               <a:t>Second level</a:t>
             </a:r>
           </a:p>
           <a:p>
             <a:pPr lvl="2"/>
             <a:r>
-              <a:rPr lang="en-US" smtClean="0"/>
+              <a:rPr lang="en-US"/>
               <a:t>Third level</a:t>
             </a:r>
           </a:p>
           <a:p>
             <a:pPr lvl="3"/>
             <a:r>
-              <a:rPr lang="en-US" smtClean="0"/>
+              <a:rPr lang="en-US"/>
               <a:t>Fourth level</a:t>
             </a:r>
           </a:p>
           <a:p>
             <a:pPr lvl="4"/>
             <a:r>
-              <a:rPr lang="en-US" smtClean="0"/>
+              <a:rPr lang="en-US"/>
               <a:t>Fifth level</a:t>
             </a:r>
             <a:endParaRPr lang="tr-TR"/>
@@ -2591,7 +2600,7 @@
           <a:p>
             <a:fld id="{2A2DB008-F9E4-465A-A4A5-8BC7F81149C9}" type="datetimeFigureOut">
               <a:rPr lang="tr-TR" smtClean="0"/>
-              <a:t>2.01.2018</a:t>
+              <a:t>3.01.2018</a:t>
             </a:fld>
             <a:endParaRPr lang="tr-TR"/>
           </a:p>
@@ -3090,41 +3099,41 @@
           <a:p>
             <a:pPr algn="r"/>
             <a:r>
-              <a:rPr lang="tr-TR" dirty="0" smtClean="0"/>
+              <a:rPr lang="tr-TR" dirty="0"/>
               <a:t>Burak Sezgin - 2094456</a:t>
             </a:r>
           </a:p>
           <a:p>
             <a:pPr algn="r"/>
             <a:r>
-              <a:rPr lang="tr-TR" dirty="0" smtClean="0"/>
+              <a:rPr lang="tr-TR" dirty="0"/>
               <a:t>Taha Doğan - 2093672</a:t>
             </a:r>
           </a:p>
           <a:p>
             <a:pPr algn="r"/>
             <a:r>
-              <a:rPr lang="tr-TR" dirty="0" smtClean="0"/>
+              <a:rPr lang="tr-TR" dirty="0"/>
               <a:t>Göksenin Hande Bayazıt - 2093441</a:t>
             </a:r>
           </a:p>
           <a:p>
             <a:pPr algn="r"/>
             <a:r>
-              <a:rPr lang="tr-TR" dirty="0" smtClean="0"/>
+              <a:rPr lang="tr-TR" dirty="0"/>
               <a:t>Emre Doğan - 2093656</a:t>
             </a:r>
           </a:p>
           <a:p>
             <a:pPr algn="r"/>
             <a:r>
-              <a:rPr lang="tr-TR" dirty="0" smtClean="0"/>
+              <a:rPr lang="tr-TR" dirty="0"/>
               <a:t>Oytun Akpulat - 2093201</a:t>
             </a:r>
           </a:p>
           <a:p>
             <a:pPr algn="r"/>
-            <a:endParaRPr lang="tr-TR" dirty="0" smtClean="0"/>
+            <a:endParaRPr lang="tr-TR" dirty="0"/>
           </a:p>
         </p:txBody>
       </p:sp>
@@ -3138,13 +3147,6 @@
   <p:clrMapOvr>
     <a:masterClrMapping/>
   </p:clrMapOvr>
-  <p:timing>
-    <p:tnLst>
-      <p:par>
-        <p:cTn id="1" dur="indefinite" restart="never" nodeType="tmRoot"/>
-      </p:par>
-    </p:tnLst>
-  </p:timing>
 </p:sld>
 </file>
 
@@ -3330,13 +3332,6 @@
   <p:clrMapOvr>
     <a:masterClrMapping/>
   </p:clrMapOvr>
-  <p:timing>
-    <p:tnLst>
-      <p:par>
-        <p:cTn id="1" dur="indefinite" restart="never" nodeType="tmRoot"/>
-      </p:par>
-    </p:tnLst>
-  </p:timing>
 </p:sld>
 </file>
 
@@ -3522,13 +3517,6 @@
   <p:clrMapOvr>
     <a:masterClrMapping/>
   </p:clrMapOvr>
-  <p:timing>
-    <p:tnLst>
-      <p:par>
-        <p:cTn id="1" dur="indefinite" restart="never" nodeType="tmRoot"/>
-      </p:par>
-    </p:tnLst>
-  </p:timing>
 </p:sld>
 </file>
 
@@ -3714,13 +3702,6 @@
   <p:clrMapOvr>
     <a:masterClrMapping/>
   </p:clrMapOvr>
-  <p:timing>
-    <p:tnLst>
-      <p:par>
-        <p:cTn id="1" dur="indefinite" restart="never" nodeType="tmRoot"/>
-      </p:par>
-    </p:tnLst>
-  </p:timing>
 </p:sld>
 </file>
 
@@ -3814,13 +3795,6 @@
   <p:clrMapOvr>
     <a:masterClrMapping/>
   </p:clrMapOvr>
-  <p:timing>
-    <p:tnLst>
-      <p:par>
-        <p:cTn id="1" dur="indefinite" restart="never" nodeType="tmRoot"/>
-      </p:par>
-    </p:tnLst>
-  </p:timing>
 </p:sld>
 </file>
 
@@ -3857,19 +3831,19 @@
           <a:lstStyle/>
           <a:p>
             <a:r>
-              <a:rPr lang="tr-TR" dirty="0" smtClean="0"/>
+              <a:rPr lang="tr-TR" dirty="0"/>
               <a:t>Design </a:t>
             </a:r>
             <a:r>
-              <a:rPr lang="tr-TR" dirty="0" err="1" smtClean="0"/>
+              <a:rPr lang="tr-TR" dirty="0" err="1"/>
               <a:t>Process</a:t>
             </a:r>
             <a:r>
-              <a:rPr lang="tr-TR" dirty="0" smtClean="0"/>
+              <a:rPr lang="tr-TR" dirty="0"/>
               <a:t> &amp; Solution </a:t>
             </a:r>
             <a:r>
-              <a:rPr lang="tr-TR" dirty="0" err="1" smtClean="0"/>
+              <a:rPr lang="tr-TR" dirty="0" err="1"/>
               <a:t>Approach</a:t>
             </a:r>
             <a:endParaRPr lang="de-DE" dirty="0"/>
@@ -3892,76 +3866,76 @@
           <a:lstStyle/>
           <a:p>
             <a:r>
-              <a:rPr lang="en-US" dirty="0" smtClean="0"/>
+              <a:rPr lang="en-US" dirty="0"/>
               <a:t>Subsystems</a:t>
             </a:r>
           </a:p>
           <a:p>
             <a:pPr lvl="1"/>
             <a:r>
-              <a:rPr lang="en-US" dirty="0" smtClean="0"/>
+              <a:rPr lang="en-US" dirty="0"/>
               <a:t>Movement</a:t>
             </a:r>
           </a:p>
           <a:p>
             <a:pPr lvl="2"/>
             <a:r>
-              <a:rPr lang="en-US" dirty="0" smtClean="0"/>
+              <a:rPr lang="en-US" dirty="0"/>
               <a:t>DC Motors</a:t>
             </a:r>
           </a:p>
           <a:p>
             <a:pPr lvl="2"/>
             <a:r>
-              <a:rPr lang="en-US" dirty="0" smtClean="0"/>
+              <a:rPr lang="en-US" dirty="0"/>
               <a:t>Wheels</a:t>
             </a:r>
           </a:p>
           <a:p>
             <a:pPr lvl="1"/>
             <a:r>
-              <a:rPr lang="en-US" dirty="0" smtClean="0"/>
+              <a:rPr lang="en-US" dirty="0"/>
               <a:t>Sensors</a:t>
             </a:r>
           </a:p>
           <a:p>
             <a:pPr lvl="2"/>
             <a:r>
-              <a:rPr lang="en-US" dirty="0" smtClean="0"/>
+              <a:rPr lang="en-US" dirty="0"/>
               <a:t>Active sensors</a:t>
             </a:r>
           </a:p>
           <a:p>
             <a:pPr lvl="2"/>
             <a:r>
-              <a:rPr lang="en-US" dirty="0" smtClean="0"/>
+              <a:rPr lang="en-US" dirty="0"/>
               <a:t>Passive Sensor: Camera</a:t>
             </a:r>
           </a:p>
           <a:p>
             <a:pPr lvl="1"/>
             <a:r>
-              <a:rPr lang="en-US" dirty="0" smtClean="0"/>
+              <a:rPr lang="en-US" dirty="0"/>
               <a:t>Decision and Control</a:t>
             </a:r>
           </a:p>
           <a:p>
             <a:r>
-              <a:rPr lang="en-US" dirty="0" smtClean="0"/>
+              <a:rPr lang="en-US" dirty="0"/>
               <a:t>Solution Approaches</a:t>
             </a:r>
           </a:p>
           <a:p>
             <a:pPr lvl="1"/>
             <a:r>
-              <a:rPr lang="en-US" dirty="0" smtClean="0"/>
+              <a:rPr lang="en-US" dirty="0"/>
               <a:t>Image Processing</a:t>
             </a:r>
           </a:p>
           <a:p>
             <a:pPr lvl="1"/>
             <a:r>
-              <a:rPr lang="en-US" dirty="0" smtClean="0"/>
+              <a:rPr lang="en-US" dirty="0"/>
               <a:t>Advancing Hall Effect</a:t>
             </a:r>
           </a:p>
@@ -3977,13 +3951,6 @@
   <p:clrMapOvr>
     <a:masterClrMapping/>
   </p:clrMapOvr>
-  <p:timing>
-    <p:tnLst>
-      <p:par>
-        <p:cTn id="1" dur="indefinite" restart="never" nodeType="tmRoot"/>
-      </p:par>
-    </p:tnLst>
-  </p:timing>
 </p:sld>
 </file>
 
@@ -4020,18 +3987,17 @@
           <a:lstStyle/>
           <a:p>
             <a:r>
-              <a:rPr lang="en-US" dirty="0" smtClean="0"/>
+              <a:rPr lang="en-US" dirty="0"/>
               <a:t>Subsystem</a:t>
             </a:r>
             <a:r>
-              <a:rPr lang="tr-TR" dirty="0" smtClean="0"/>
+              <a:rPr lang="tr-TR" dirty="0"/>
               <a:t>s</a:t>
             </a:r>
             <a:r>
-              <a:rPr lang="en-US" dirty="0" smtClean="0"/>
+              <a:rPr lang="en-US" dirty="0"/>
               <a:t> – Movement</a:t>
             </a:r>
-            <a:endParaRPr lang="en-US" dirty="0"/>
           </a:p>
         </p:txBody>
       </p:sp>
@@ -4056,49 +4022,40 @@
           <a:lstStyle/>
           <a:p>
             <a:r>
-              <a:rPr lang="en-US" noProof="1" smtClean="0"/>
+              <a:rPr lang="en-US" noProof="1"/>
               <a:t>Motor</a:t>
             </a:r>
             <a:r>
-              <a:rPr lang="en-US" dirty="0" smtClean="0"/>
+              <a:rPr lang="en-US" dirty="0"/>
               <a:t> </a:t>
             </a:r>
             <a:r>
-              <a:rPr lang="tr-TR" dirty="0" smtClean="0"/>
-              <a:t>		</a:t>
-            </a:r>
-            <a:r>
               <a:rPr lang="tr-TR" dirty="0"/>
-              <a:t>	</a:t>
-            </a:r>
-            <a:r>
-              <a:rPr lang="tr-TR" dirty="0" smtClean="0"/>
-              <a:t>	</a:t>
-            </a:r>
-            <a:r>
-              <a:rPr lang="en-US" dirty="0" smtClean="0"/>
+              <a:t>				</a:t>
+            </a:r>
+            <a:r>
+              <a:rPr lang="en-US" dirty="0"/>
               <a:t>and </a:t>
             </a:r>
             <a:r>
-              <a:rPr lang="tr-TR" dirty="0" smtClean="0"/>
+              <a:rPr lang="tr-TR" dirty="0"/>
               <a:t>				</a:t>
             </a:r>
             <a:r>
-              <a:rPr lang="en-US" dirty="0" err="1" smtClean="0"/>
+              <a:rPr lang="en-US" dirty="0" err="1"/>
               <a:t>Whee</a:t>
             </a:r>
             <a:r>
-              <a:rPr lang="tr-TR" dirty="0" smtClean="0"/>
+              <a:rPr lang="tr-TR" dirty="0"/>
               <a:t>l</a:t>
             </a:r>
           </a:p>
           <a:p>
             <a:pPr lvl="1"/>
             <a:r>
-              <a:rPr lang="tr-TR" dirty="0" smtClean="0"/>
+              <a:rPr lang="tr-TR" dirty="0"/>
               <a:t>DC motor</a:t>
             </a:r>
-            <a:endParaRPr lang="tr-TR" dirty="0"/>
           </a:p>
         </p:txBody>
       </p:sp>
@@ -4289,24 +4246,24 @@
           </a:lstStyle>
           <a:p>
             <a:pPr lvl="1"/>
-            <a:endParaRPr lang="tr-TR" dirty="0" smtClean="0"/>
+            <a:endParaRPr lang="tr-TR" dirty="0"/>
           </a:p>
           <a:p>
             <a:pPr lvl="1"/>
             <a:r>
-              <a:rPr lang="tr-TR" dirty="0" smtClean="0"/>
+              <a:rPr lang="tr-TR" dirty="0"/>
               <a:t>Normal </a:t>
             </a:r>
             <a:r>
-              <a:rPr lang="tr-TR" dirty="0" err="1" smtClean="0"/>
+              <a:rPr lang="tr-TR" dirty="0" err="1"/>
               <a:t>wheel</a:t>
             </a:r>
-            <a:endParaRPr lang="tr-TR" dirty="0" smtClean="0"/>
+            <a:endParaRPr lang="tr-TR" dirty="0"/>
           </a:p>
           <a:p>
             <a:pPr lvl="1"/>
             <a:r>
-              <a:rPr lang="tr-TR" dirty="0" smtClean="0"/>
+              <a:rPr lang="tr-TR" dirty="0"/>
               <a:t>Mad Wheel </a:t>
             </a:r>
           </a:p>
@@ -4325,13 +4282,6 @@
   <p:clrMapOvr>
     <a:masterClrMapping/>
   </p:clrMapOvr>
-  <p:timing>
-    <p:tnLst>
-      <p:par>
-        <p:cTn id="1" dur="indefinite" restart="never" nodeType="tmRoot"/>
-      </p:par>
-    </p:tnLst>
-  </p:timing>
 </p:sld>
 </file>
 
@@ -4368,19 +4318,19 @@
           <a:lstStyle/>
           <a:p>
             <a:r>
-              <a:rPr lang="en-US" dirty="0" smtClean="0"/>
+              <a:rPr lang="en-US" dirty="0"/>
               <a:t>Subsystem</a:t>
             </a:r>
             <a:r>
-              <a:rPr lang="tr-TR" dirty="0" smtClean="0"/>
+              <a:rPr lang="tr-TR" dirty="0"/>
               <a:t>s</a:t>
             </a:r>
             <a:r>
-              <a:rPr lang="en-US" dirty="0" smtClean="0"/>
+              <a:rPr lang="en-US" dirty="0"/>
               <a:t> – </a:t>
             </a:r>
             <a:r>
-              <a:rPr lang="tr-TR" dirty="0" err="1" smtClean="0"/>
+              <a:rPr lang="tr-TR" dirty="0" err="1"/>
               <a:t>Sensors</a:t>
             </a:r>
             <a:endParaRPr lang="de-DE" dirty="0"/>
@@ -4408,19 +4358,19 @@
           <a:lstStyle/>
           <a:p>
             <a:r>
-              <a:rPr lang="tr-TR" dirty="0" smtClean="0"/>
+              <a:rPr lang="tr-TR" dirty="0"/>
               <a:t>Active </a:t>
             </a:r>
             <a:r>
-              <a:rPr lang="tr-TR" dirty="0" err="1" smtClean="0"/>
+              <a:rPr lang="tr-TR" dirty="0" err="1"/>
               <a:t>Sensors</a:t>
             </a:r>
             <a:r>
-              <a:rPr lang="tr-TR" dirty="0" smtClean="0"/>
+              <a:rPr lang="tr-TR" dirty="0"/>
               <a:t>: </a:t>
             </a:r>
             <a:r>
-              <a:rPr lang="tr-TR" dirty="0" err="1" smtClean="0"/>
+              <a:rPr lang="tr-TR" dirty="0" err="1"/>
               <a:t>Proximity</a:t>
             </a:r>
             <a:endParaRPr lang="tr-TR" dirty="0"/>
@@ -4428,41 +4378,41 @@
           <a:p>
             <a:pPr lvl="1"/>
             <a:r>
-              <a:rPr lang="tr-TR" dirty="0" smtClean="0"/>
+              <a:rPr lang="tr-TR" dirty="0"/>
               <a:t>IR </a:t>
             </a:r>
             <a:r>
-              <a:rPr lang="tr-TR" dirty="0" err="1" smtClean="0"/>
+              <a:rPr lang="tr-TR" dirty="0" err="1"/>
               <a:t>sensors</a:t>
             </a:r>
-            <a:endParaRPr lang="tr-TR" dirty="0" smtClean="0"/>
+            <a:endParaRPr lang="tr-TR" dirty="0"/>
           </a:p>
           <a:p>
             <a:pPr lvl="1"/>
             <a:r>
-              <a:rPr lang="tr-TR" dirty="0" smtClean="0"/>
+              <a:rPr lang="tr-TR" dirty="0"/>
               <a:t>Sonar </a:t>
             </a:r>
             <a:r>
-              <a:rPr lang="tr-TR" dirty="0" err="1" smtClean="0"/>
+              <a:rPr lang="tr-TR" dirty="0" err="1"/>
               <a:t>Sensors</a:t>
             </a:r>
-            <a:endParaRPr lang="tr-TR" dirty="0" smtClean="0"/>
-          </a:p>
-          <a:p>
-            <a:r>
-              <a:rPr lang="tr-TR" dirty="0" err="1" smtClean="0"/>
+            <a:endParaRPr lang="tr-TR" dirty="0"/>
+          </a:p>
+          <a:p>
+            <a:r>
+              <a:rPr lang="tr-TR" dirty="0" err="1"/>
               <a:t>Passive</a:t>
             </a:r>
             <a:r>
-              <a:rPr lang="tr-TR" dirty="0" smtClean="0"/>
+              <a:rPr lang="tr-TR" dirty="0"/>
               <a:t> Sensor: </a:t>
             </a:r>
             <a:r>
-              <a:rPr lang="tr-TR" dirty="0" err="1" smtClean="0"/>
+              <a:rPr lang="tr-TR" dirty="0" err="1"/>
               <a:t>Camera</a:t>
             </a:r>
-            <a:endParaRPr lang="tr-TR" dirty="0" smtClean="0"/>
+            <a:endParaRPr lang="tr-TR" dirty="0"/>
           </a:p>
           <a:p>
             <a:pPr marL="0" indent="0">
@@ -4511,13 +4461,6 @@
   <p:clrMapOvr>
     <a:masterClrMapping/>
   </p:clrMapOvr>
-  <p:timing>
-    <p:tnLst>
-      <p:par>
-        <p:cTn id="1" dur="indefinite" restart="never" nodeType="tmRoot"/>
-      </p:par>
-    </p:tnLst>
-  </p:timing>
 </p:sld>
 </file>
 
@@ -4585,31 +4528,31 @@
           <a:lstStyle/>
           <a:p>
             <a:r>
-              <a:rPr lang="en-US" dirty="0" smtClean="0"/>
+              <a:rPr lang="en-US" dirty="0"/>
               <a:t>Subsystem</a:t>
             </a:r>
             <a:r>
-              <a:rPr lang="tr-TR" dirty="0" smtClean="0"/>
+              <a:rPr lang="tr-TR" dirty="0"/>
               <a:t>s</a:t>
             </a:r>
             <a:r>
-              <a:rPr lang="en-US" dirty="0" smtClean="0"/>
+              <a:rPr lang="en-US" dirty="0"/>
               <a:t> – </a:t>
             </a:r>
             <a:r>
-              <a:rPr lang="tr-TR" dirty="0" err="1" smtClean="0"/>
+              <a:rPr lang="tr-TR" dirty="0" err="1"/>
               <a:t>Decision</a:t>
             </a:r>
             <a:r>
-              <a:rPr lang="tr-TR" dirty="0" smtClean="0"/>
+              <a:rPr lang="tr-TR" dirty="0"/>
               <a:t> </a:t>
             </a:r>
             <a:r>
-              <a:rPr lang="tr-TR" dirty="0" err="1" smtClean="0"/>
+              <a:rPr lang="tr-TR" dirty="0" err="1"/>
               <a:t>and</a:t>
             </a:r>
             <a:r>
-              <a:rPr lang="tr-TR" dirty="0" smtClean="0"/>
+              <a:rPr lang="tr-TR" dirty="0"/>
               <a:t> Control</a:t>
             </a:r>
             <a:endParaRPr lang="en-US" dirty="0"/>
@@ -4632,130 +4575,130 @@
           <a:lstStyle/>
           <a:p>
             <a:r>
-              <a:rPr lang="en-US" dirty="0" smtClean="0"/>
+              <a:rPr lang="en-US" dirty="0"/>
               <a:t>Microprocessor Select: Raspberry</a:t>
             </a:r>
             <a:r>
-              <a:rPr lang="tr-TR" dirty="0" smtClean="0"/>
+              <a:rPr lang="tr-TR" dirty="0"/>
               <a:t>P</a:t>
             </a:r>
             <a:r>
-              <a:rPr lang="en-US" dirty="0" smtClean="0"/>
+              <a:rPr lang="en-US" dirty="0"/>
               <a:t>i3</a:t>
             </a:r>
           </a:p>
           <a:p>
             <a:pPr lvl="1"/>
             <a:r>
-              <a:rPr lang="en-US" dirty="0" smtClean="0"/>
+              <a:rPr lang="en-US" dirty="0"/>
               <a:t>Fast computational skills</a:t>
             </a:r>
           </a:p>
           <a:p>
             <a:pPr lvl="1"/>
             <a:r>
-              <a:rPr lang="en-US" dirty="0" smtClean="0"/>
+              <a:rPr lang="en-US" dirty="0"/>
               <a:t>Wi-Fi Connection</a:t>
             </a:r>
           </a:p>
           <a:p>
             <a:pPr lvl="1"/>
             <a:r>
-              <a:rPr lang="en-US" strike="sngStrike" dirty="0" smtClean="0"/>
+              <a:rPr lang="en-US" strike="sngStrike" dirty="0"/>
               <a:t>4 USB + SDCARD ports</a:t>
             </a:r>
           </a:p>
           <a:p>
             <a:pPr lvl="1"/>
             <a:r>
-              <a:rPr lang="en-US" dirty="0" smtClean="0"/>
+              <a:rPr lang="en-US" dirty="0"/>
               <a:t>Versatility on different applications: Image Processing</a:t>
             </a:r>
           </a:p>
           <a:p>
-            <a:endParaRPr lang="en-US" dirty="0" smtClean="0"/>
-          </a:p>
-          <a:p>
-            <a:r>
-              <a:rPr lang="en-US" dirty="0" smtClean="0"/>
+            <a:endParaRPr lang="en-US" dirty="0"/>
+          </a:p>
+          <a:p>
+            <a:r>
+              <a:rPr lang="en-US" dirty="0"/>
               <a:t>DC Motor Driver: L298</a:t>
             </a:r>
             <a:r>
-              <a:rPr lang="tr-TR" dirty="0" smtClean="0"/>
+              <a:rPr lang="tr-TR" dirty="0"/>
               <a:t>P</a:t>
             </a:r>
           </a:p>
           <a:p>
             <a:pPr lvl="1"/>
             <a:r>
-              <a:rPr lang="tr-TR" dirty="0" err="1" smtClean="0"/>
+              <a:rPr lang="tr-TR" dirty="0" err="1"/>
               <a:t>Back</a:t>
             </a:r>
             <a:r>
-              <a:rPr lang="tr-TR" dirty="0" smtClean="0"/>
+              <a:rPr lang="tr-TR" dirty="0"/>
               <a:t> EMF </a:t>
             </a:r>
             <a:r>
-              <a:rPr lang="tr-TR" dirty="0" err="1" smtClean="0"/>
+              <a:rPr lang="tr-TR" dirty="0" err="1"/>
               <a:t>protection</a:t>
             </a:r>
-            <a:endParaRPr lang="tr-TR" dirty="0" smtClean="0"/>
+            <a:endParaRPr lang="tr-TR" dirty="0"/>
           </a:p>
           <a:p>
             <a:pPr lvl="1"/>
             <a:r>
-              <a:rPr lang="tr-TR" dirty="0" err="1" smtClean="0"/>
+              <a:rPr lang="tr-TR" dirty="0" err="1"/>
               <a:t>Easy-to-use</a:t>
             </a:r>
             <a:r>
-              <a:rPr lang="tr-TR" dirty="0" smtClean="0"/>
+              <a:rPr lang="tr-TR" dirty="0"/>
               <a:t> </a:t>
             </a:r>
             <a:r>
-              <a:rPr lang="tr-TR" dirty="0" err="1" smtClean="0"/>
+              <a:rPr lang="tr-TR" dirty="0" err="1"/>
               <a:t>ports</a:t>
             </a:r>
-            <a:endParaRPr lang="tr-TR" dirty="0" smtClean="0"/>
+            <a:endParaRPr lang="tr-TR" dirty="0"/>
           </a:p>
           <a:p>
             <a:pPr lvl="1"/>
             <a:r>
-              <a:rPr lang="tr-TR" dirty="0" err="1" smtClean="0"/>
+              <a:rPr lang="tr-TR" dirty="0" err="1"/>
               <a:t>Frequently</a:t>
             </a:r>
             <a:r>
-              <a:rPr lang="tr-TR" dirty="0" smtClean="0"/>
+              <a:rPr lang="tr-TR" dirty="0"/>
               <a:t> </a:t>
             </a:r>
             <a:r>
-              <a:rPr lang="tr-TR" dirty="0" err="1" smtClean="0"/>
+              <a:rPr lang="tr-TR" dirty="0" err="1"/>
               <a:t>used</a:t>
             </a:r>
             <a:r>
-              <a:rPr lang="tr-TR" dirty="0" smtClean="0"/>
+              <a:rPr lang="tr-TR" dirty="0"/>
               <a:t>, </a:t>
             </a:r>
             <a:r>
-              <a:rPr lang="tr-TR" dirty="0" err="1" smtClean="0"/>
+              <a:rPr lang="tr-TR" dirty="0" err="1"/>
               <a:t>many</a:t>
             </a:r>
             <a:r>
-              <a:rPr lang="tr-TR" dirty="0" smtClean="0"/>
+              <a:rPr lang="tr-TR" dirty="0"/>
               <a:t> </a:t>
             </a:r>
             <a:r>
-              <a:rPr lang="tr-TR" dirty="0" err="1" smtClean="0"/>
+              <a:rPr lang="tr-TR" dirty="0" err="1"/>
               <a:t>instructive</a:t>
             </a:r>
             <a:r>
-              <a:rPr lang="tr-TR" dirty="0" smtClean="0"/>
+              <a:rPr lang="tr-TR" dirty="0"/>
               <a:t> </a:t>
             </a:r>
             <a:r>
-              <a:rPr lang="tr-TR" dirty="0" err="1" smtClean="0"/>
+              <a:rPr lang="tr-TR" dirty="0" err="1"/>
               <a:t>videos</a:t>
             </a:r>
-            <a:endParaRPr lang="en-US" dirty="0" smtClean="0"/>
+            <a:endParaRPr lang="en-US" dirty="0"/>
           </a:p>
         </p:txBody>
       </p:sp>
@@ -4769,13 +4712,6 @@
   <p:clrMapOvr>
     <a:masterClrMapping/>
   </p:clrMapOvr>
-  <p:timing>
-    <p:tnLst>
-      <p:par>
-        <p:cTn id="1" dur="indefinite" restart="never" nodeType="tmRoot"/>
-      </p:par>
-    </p:tnLst>
-  </p:timing>
 </p:sld>
 </file>
 
@@ -4812,19 +4748,19 @@
           <a:lstStyle/>
           <a:p>
             <a:r>
-              <a:rPr lang="tr-TR" dirty="0" smtClean="0"/>
+              <a:rPr lang="tr-TR" dirty="0"/>
               <a:t>Solution </a:t>
             </a:r>
             <a:r>
-              <a:rPr lang="tr-TR" dirty="0" err="1" smtClean="0"/>
+              <a:rPr lang="tr-TR" dirty="0" err="1"/>
               <a:t>Approach</a:t>
             </a:r>
             <a:r>
-              <a:rPr lang="tr-TR" dirty="0" smtClean="0"/>
+              <a:rPr lang="tr-TR" dirty="0"/>
               <a:t> – I: Image </a:t>
             </a:r>
             <a:r>
-              <a:rPr lang="tr-TR" dirty="0" err="1" smtClean="0"/>
+              <a:rPr lang="tr-TR" dirty="0" err="1"/>
               <a:t>Processing</a:t>
             </a:r>
             <a:endParaRPr lang="en-US" dirty="0"/>
@@ -4870,13 +4806,6 @@
   <p:clrMapOvr>
     <a:masterClrMapping/>
   </p:clrMapOvr>
-  <p:timing>
-    <p:tnLst>
-      <p:par>
-        <p:cTn id="1" dur="indefinite" restart="never" nodeType="tmRoot"/>
-      </p:par>
-    </p:tnLst>
-  </p:timing>
 </p:sld>
 </file>
 
@@ -4932,45 +4861,45 @@
           <a:lstStyle/>
           <a:p>
             <a:r>
-              <a:rPr lang="tr-TR" strike="sngStrike" dirty="0" err="1" smtClean="0"/>
+              <a:rPr lang="tr-TR" strike="sngStrike" dirty="0" err="1"/>
               <a:t>Plank</a:t>
             </a:r>
             <a:r>
-              <a:rPr lang="tr-TR" strike="sngStrike" dirty="0" smtClean="0"/>
+              <a:rPr lang="tr-TR" strike="sngStrike" dirty="0"/>
               <a:t> </a:t>
             </a:r>
             <a:r>
-              <a:rPr lang="tr-TR" strike="sngStrike" dirty="0" err="1" smtClean="0"/>
+              <a:rPr lang="tr-TR" strike="sngStrike" dirty="0" err="1"/>
               <a:t>Detection</a:t>
             </a:r>
-            <a:endParaRPr lang="tr-TR" strike="sngStrike" dirty="0" smtClean="0"/>
-          </a:p>
-          <a:p>
-            <a:r>
-              <a:rPr lang="tr-TR" strike="sngStrike" dirty="0" err="1" smtClean="0"/>
+            <a:endParaRPr lang="tr-TR" strike="sngStrike" dirty="0"/>
+          </a:p>
+          <a:p>
+            <a:r>
+              <a:rPr lang="tr-TR" strike="sngStrike" dirty="0" err="1"/>
               <a:t>Binary</a:t>
             </a:r>
             <a:r>
-              <a:rPr lang="tr-TR" strike="sngStrike" dirty="0" smtClean="0"/>
+              <a:rPr lang="tr-TR" strike="sngStrike" dirty="0"/>
               <a:t> </a:t>
             </a:r>
             <a:r>
-              <a:rPr lang="tr-TR" strike="sngStrike" dirty="0" err="1" smtClean="0"/>
+              <a:rPr lang="tr-TR" strike="sngStrike" dirty="0" err="1"/>
               <a:t>Masking</a:t>
             </a:r>
-            <a:endParaRPr lang="tr-TR" strike="sngStrike" dirty="0" smtClean="0"/>
-          </a:p>
-          <a:p>
-            <a:r>
-              <a:rPr lang="tr-TR" strike="sngStrike" dirty="0" err="1" smtClean="0"/>
+            <a:endParaRPr lang="tr-TR" strike="sngStrike" dirty="0"/>
+          </a:p>
+          <a:p>
+            <a:r>
+              <a:rPr lang="tr-TR" strike="sngStrike" dirty="0" err="1"/>
               <a:t>Angle</a:t>
             </a:r>
             <a:r>
-              <a:rPr lang="tr-TR" strike="sngStrike" dirty="0" smtClean="0"/>
+              <a:rPr lang="tr-TR" strike="sngStrike" dirty="0"/>
               <a:t> </a:t>
             </a:r>
             <a:r>
-              <a:rPr lang="tr-TR" strike="sngStrike" dirty="0" err="1" smtClean="0"/>
+              <a:rPr lang="tr-TR" strike="sngStrike" dirty="0" err="1"/>
               <a:t>Detection</a:t>
             </a:r>
             <a:endParaRPr lang="tr-TR" strike="sngStrike" dirty="0"/>
@@ -4987,13 +4916,6 @@
   <p:clrMapOvr>
     <a:masterClrMapping/>
   </p:clrMapOvr>
-  <p:timing>
-    <p:tnLst>
-      <p:par>
-        <p:cTn id="1" dur="indefinite" restart="never" nodeType="tmRoot"/>
-      </p:par>
-    </p:tnLst>
-  </p:timing>
 </p:sld>
 </file>
 
@@ -5060,13 +4982,6 @@
   <p:clrMapOvr>
     <a:masterClrMapping/>
   </p:clrMapOvr>
-  <p:timing>
-    <p:tnLst>
-      <p:par>
-        <p:cTn id="1" dur="indefinite" restart="never" nodeType="tmRoot"/>
-      </p:par>
-    </p:tnLst>
-  </p:timing>
 </p:sld>
 </file>
 
@@ -5108,35 +5023,35 @@
           <a:lstStyle/>
           <a:p>
             <a:r>
-              <a:rPr lang="tr-TR" dirty="0" smtClean="0"/>
+              <a:rPr lang="tr-TR" dirty="0"/>
               <a:t>Solution </a:t>
             </a:r>
             <a:r>
-              <a:rPr lang="tr-TR" dirty="0" err="1" smtClean="0"/>
+              <a:rPr lang="tr-TR" dirty="0" err="1"/>
               <a:t>Approach</a:t>
             </a:r>
             <a:r>
-              <a:rPr lang="tr-TR" dirty="0" smtClean="0"/>
+              <a:rPr lang="tr-TR" dirty="0"/>
               <a:t> – II: </a:t>
             </a:r>
             <a:r>
-              <a:rPr lang="tr-TR" dirty="0" err="1" smtClean="0"/>
+              <a:rPr lang="tr-TR" dirty="0" err="1"/>
               <a:t>Advancing</a:t>
             </a:r>
             <a:r>
-              <a:rPr lang="tr-TR" dirty="0" smtClean="0"/>
+              <a:rPr lang="tr-TR" dirty="0"/>
               <a:t> </a:t>
             </a:r>
             <a:r>
-              <a:rPr lang="tr-TR" dirty="0" err="1" smtClean="0"/>
+              <a:rPr lang="tr-TR" dirty="0" err="1"/>
               <a:t>Hall</a:t>
             </a:r>
             <a:r>
-              <a:rPr lang="tr-TR" dirty="0" smtClean="0"/>
+              <a:rPr lang="tr-TR" dirty="0"/>
               <a:t> </a:t>
             </a:r>
             <a:r>
-              <a:rPr lang="tr-TR" dirty="0" err="1" smtClean="0"/>
+              <a:rPr lang="tr-TR" dirty="0" err="1"/>
               <a:t>Effect</a:t>
             </a:r>
             <a:endParaRPr lang="en-US" dirty="0"/>
@@ -5182,13 +5097,6 @@
   <p:clrMapOvr>
     <a:masterClrMapping/>
   </p:clrMapOvr>
-  <p:timing>
-    <p:tnLst>
-      <p:par>
-        <p:cTn id="1" dur="indefinite" restart="never" nodeType="tmRoot"/>
-      </p:par>
-    </p:tnLst>
-  </p:timing>
 </p:sld>
 </file>
 
@@ -5214,7 +5122,7 @@
           <p:cNvPr id="2" name="Title 1">
             <a:extLst>
               <a:ext uri="{FF2B5EF4-FFF2-40B4-BE49-F238E27FC236}">
-                <a16:creationId xmlns:a16="http://schemas.microsoft.com/office/drawing/2014/main" id="{9EFDCA90-A70D-4641-98C1-C13B703EB861}"/>
+                <a16:creationId xmlns:a16="http://schemas.microsoft.com/office/drawing/2014/main" id="{4503BFD1-67E9-44AA-BEB3-CE2D4D3FF7BD}"/>
               </a:ext>
             </a:extLst>
           </p:cNvPr>
@@ -5222,7 +5130,7 @@
             <a:spLocks noGrp="1"/>
           </p:cNvSpPr>
           <p:nvPr>
-            <p:ph type="ctrTitle"/>
+            <p:ph type="title"/>
           </p:nvPr>
         </p:nvSpPr>
         <p:spPr/>
@@ -5231,25 +5139,18 @@
           <a:lstStyle/>
           <a:p>
             <a:r>
-              <a:rPr lang="en-US" dirty="0"/>
-              <a:t>SOLUTION APPROACH</a:t>
-            </a:r>
-            <a:br>
-              <a:rPr lang="en-US" dirty="0"/>
-            </a:br>
-            <a:r>
-              <a:rPr lang="en-US" dirty="0"/>
-              <a:t>(TECHNICAL DETAILS)</a:t>
-            </a:r>
-          </a:p>
-        </p:txBody>
-      </p:sp>
-      <p:sp>
-        <p:nvSpPr>
-          <p:cNvPr id="3" name="Subtitle 2">
+              <a:rPr lang="en-US" b="1" dirty="0"/>
+              <a:t>Solution Approaches (Technical Details)</a:t>
+            </a:r>
+          </a:p>
+        </p:txBody>
+      </p:sp>
+      <p:sp>
+        <p:nvSpPr>
+          <p:cNvPr id="3" name="Content Placeholder 2">
             <a:extLst>
               <a:ext uri="{FF2B5EF4-FFF2-40B4-BE49-F238E27FC236}">
-                <a16:creationId xmlns:a16="http://schemas.microsoft.com/office/drawing/2014/main" id="{E28C43EE-758C-4622-BA14-E29AA2E031BB}"/>
+                <a16:creationId xmlns:a16="http://schemas.microsoft.com/office/drawing/2014/main" id="{7EDADA9A-C8CE-4456-AFC1-A2D506083EC4}"/>
               </a:ext>
             </a:extLst>
           </p:cNvPr>
@@ -5257,17 +5158,57 @@
             <a:spLocks noGrp="1"/>
           </p:cNvSpPr>
           <p:nvPr>
-            <p:ph type="subTitle" idx="1"/>
+            <p:ph idx="1"/>
           </p:nvPr>
         </p:nvSpPr>
         <p:spPr/>
         <p:txBody>
-          <a:bodyPr/>
-          <a:lstStyle/>
-          <a:p>
-            <a:r>
-              <a:rPr lang="en-US" dirty="0"/>
-              <a:t>Göksenin Hande Bayazıt</a:t>
+          <a:bodyPr>
+            <a:normAutofit/>
+          </a:bodyPr>
+          <a:lstStyle/>
+          <a:p>
+            <a:pPr>
+              <a:lnSpc>
+                <a:spcPct val="150000"/>
+              </a:lnSpc>
+            </a:pPr>
+            <a:r>
+              <a:rPr lang="en-US" sz="4000" dirty="0"/>
+              <a:t>Indirect communication between the robots</a:t>
+            </a:r>
+          </a:p>
+          <a:p>
+            <a:pPr>
+              <a:lnSpc>
+                <a:spcPct val="150000"/>
+              </a:lnSpc>
+            </a:pPr>
+            <a:r>
+              <a:rPr lang="en-US" sz="4000" dirty="0"/>
+              <a:t>Angle of holding point</a:t>
+            </a:r>
+          </a:p>
+          <a:p>
+            <a:pPr lvl="1">
+              <a:lnSpc>
+                <a:spcPct val="150000"/>
+              </a:lnSpc>
+            </a:pPr>
+            <a:r>
+              <a:rPr lang="en-US" sz="3600" dirty="0"/>
+              <a:t>Image processing based</a:t>
+            </a:r>
+          </a:p>
+          <a:p>
+            <a:pPr lvl="1">
+              <a:lnSpc>
+                <a:spcPct val="150000"/>
+              </a:lnSpc>
+            </a:pPr>
+            <a:r>
+              <a:rPr lang="en-US" sz="3600" dirty="0"/>
+              <a:t>Motion-sensing based</a:t>
             </a:r>
           </a:p>
         </p:txBody>
@@ -5275,7 +5216,7 @@
     </p:spTree>
     <p:extLst>
       <p:ext uri="{BB962C8B-B14F-4D97-AF65-F5344CB8AC3E}">
-        <p14:creationId xmlns:p14="http://schemas.microsoft.com/office/powerpoint/2010/main" val="838155645"/>
+        <p14:creationId xmlns:p14="http://schemas.microsoft.com/office/powerpoint/2010/main" val="3353187565"/>
       </p:ext>
     </p:extLst>
   </p:cSld>
@@ -5285,9 +5226,231 @@
   <p:timing>
     <p:tnLst>
       <p:par>
-        <p:cTn id="1" dur="indefinite" restart="never" nodeType="tmRoot"/>
+        <p:cTn id="1" dur="indefinite" restart="never" nodeType="tmRoot">
+          <p:childTnLst>
+            <p:seq concurrent="1" nextAc="seek">
+              <p:cTn id="2" dur="indefinite" nodeType="mainSeq">
+                <p:childTnLst>
+                  <p:par>
+                    <p:cTn id="3" fill="hold">
+                      <p:stCondLst>
+                        <p:cond delay="indefinite"/>
+                      </p:stCondLst>
+                      <p:childTnLst>
+                        <p:par>
+                          <p:cTn id="4" fill="hold">
+                            <p:stCondLst>
+                              <p:cond delay="0"/>
+                            </p:stCondLst>
+                            <p:childTnLst>
+                              <p:par>
+                                <p:cTn id="5" presetID="1" presetClass="entr" presetSubtype="0" fill="hold" grpId="0" nodeType="clickEffect">
+                                  <p:stCondLst>
+                                    <p:cond delay="0"/>
+                                  </p:stCondLst>
+                                  <p:childTnLst>
+                                    <p:set>
+                                      <p:cBhvr>
+                                        <p:cTn id="6" dur="1" fill="hold">
+                                          <p:stCondLst>
+                                            <p:cond delay="0"/>
+                                          </p:stCondLst>
+                                        </p:cTn>
+                                        <p:tgtEl>
+                                          <p:spTgt spid="3">
+                                            <p:txEl>
+                                              <p:pRg st="0" end="0"/>
+                                            </p:txEl>
+                                          </p:spTgt>
+                                        </p:tgtEl>
+                                        <p:attrNameLst>
+                                          <p:attrName>style.visibility</p:attrName>
+                                        </p:attrNameLst>
+                                      </p:cBhvr>
+                                      <p:to>
+                                        <p:strVal val="visible"/>
+                                      </p:to>
+                                    </p:set>
+                                  </p:childTnLst>
+                                </p:cTn>
+                              </p:par>
+                            </p:childTnLst>
+                          </p:cTn>
+                        </p:par>
+                      </p:childTnLst>
+                    </p:cTn>
+                  </p:par>
+                  <p:par>
+                    <p:cTn id="7" fill="hold">
+                      <p:stCondLst>
+                        <p:cond delay="indefinite"/>
+                      </p:stCondLst>
+                      <p:childTnLst>
+                        <p:par>
+                          <p:cTn id="8" fill="hold">
+                            <p:stCondLst>
+                              <p:cond delay="0"/>
+                            </p:stCondLst>
+                            <p:childTnLst>
+                              <p:par>
+                                <p:cTn id="9" presetID="1" presetClass="entr" presetSubtype="0" fill="hold" grpId="0" nodeType="clickEffect">
+                                  <p:stCondLst>
+                                    <p:cond delay="0"/>
+                                  </p:stCondLst>
+                                  <p:childTnLst>
+                                    <p:set>
+                                      <p:cBhvr>
+                                        <p:cTn id="10" dur="1" fill="hold">
+                                          <p:stCondLst>
+                                            <p:cond delay="0"/>
+                                          </p:stCondLst>
+                                        </p:cTn>
+                                        <p:tgtEl>
+                                          <p:spTgt spid="3">
+                                            <p:txEl>
+                                              <p:pRg st="1" end="1"/>
+                                            </p:txEl>
+                                          </p:spTgt>
+                                        </p:tgtEl>
+                                        <p:attrNameLst>
+                                          <p:attrName>style.visibility</p:attrName>
+                                        </p:attrNameLst>
+                                      </p:cBhvr>
+                                      <p:to>
+                                        <p:strVal val="visible"/>
+                                      </p:to>
+                                    </p:set>
+                                  </p:childTnLst>
+                                </p:cTn>
+                              </p:par>
+                            </p:childTnLst>
+                          </p:cTn>
+                        </p:par>
+                      </p:childTnLst>
+                    </p:cTn>
+                  </p:par>
+                  <p:par>
+                    <p:cTn id="11" fill="hold">
+                      <p:stCondLst>
+                        <p:cond delay="indefinite"/>
+                      </p:stCondLst>
+                      <p:childTnLst>
+                        <p:par>
+                          <p:cTn id="12" fill="hold">
+                            <p:stCondLst>
+                              <p:cond delay="0"/>
+                            </p:stCondLst>
+                            <p:childTnLst>
+                              <p:par>
+                                <p:cTn id="13" presetID="1" presetClass="entr" presetSubtype="0" fill="hold" grpId="0" nodeType="clickEffect">
+                                  <p:stCondLst>
+                                    <p:cond delay="0"/>
+                                  </p:stCondLst>
+                                  <p:childTnLst>
+                                    <p:set>
+                                      <p:cBhvr>
+                                        <p:cTn id="14" dur="1" fill="hold">
+                                          <p:stCondLst>
+                                            <p:cond delay="0"/>
+                                          </p:stCondLst>
+                                        </p:cTn>
+                                        <p:tgtEl>
+                                          <p:spTgt spid="3">
+                                            <p:txEl>
+                                              <p:pRg st="2" end="2"/>
+                                            </p:txEl>
+                                          </p:spTgt>
+                                        </p:tgtEl>
+                                        <p:attrNameLst>
+                                          <p:attrName>style.visibility</p:attrName>
+                                        </p:attrNameLst>
+                                      </p:cBhvr>
+                                      <p:to>
+                                        <p:strVal val="visible"/>
+                                      </p:to>
+                                    </p:set>
+                                  </p:childTnLst>
+                                </p:cTn>
+                              </p:par>
+                            </p:childTnLst>
+                          </p:cTn>
+                        </p:par>
+                      </p:childTnLst>
+                    </p:cTn>
+                  </p:par>
+                  <p:par>
+                    <p:cTn id="15" fill="hold">
+                      <p:stCondLst>
+                        <p:cond delay="indefinite"/>
+                      </p:stCondLst>
+                      <p:childTnLst>
+                        <p:par>
+                          <p:cTn id="16" fill="hold">
+                            <p:stCondLst>
+                              <p:cond delay="0"/>
+                            </p:stCondLst>
+                            <p:childTnLst>
+                              <p:par>
+                                <p:cTn id="17" presetID="1" presetClass="entr" presetSubtype="0" fill="hold" grpId="0" nodeType="clickEffect">
+                                  <p:stCondLst>
+                                    <p:cond delay="0"/>
+                                  </p:stCondLst>
+                                  <p:childTnLst>
+                                    <p:set>
+                                      <p:cBhvr>
+                                        <p:cTn id="18" dur="1" fill="hold">
+                                          <p:stCondLst>
+                                            <p:cond delay="0"/>
+                                          </p:stCondLst>
+                                        </p:cTn>
+                                        <p:tgtEl>
+                                          <p:spTgt spid="3">
+                                            <p:txEl>
+                                              <p:pRg st="3" end="3"/>
+                                            </p:txEl>
+                                          </p:spTgt>
+                                        </p:tgtEl>
+                                        <p:attrNameLst>
+                                          <p:attrName>style.visibility</p:attrName>
+                                        </p:attrNameLst>
+                                      </p:cBhvr>
+                                      <p:to>
+                                        <p:strVal val="visible"/>
+                                      </p:to>
+                                    </p:set>
+                                  </p:childTnLst>
+                                </p:cTn>
+                              </p:par>
+                            </p:childTnLst>
+                          </p:cTn>
+                        </p:par>
+                      </p:childTnLst>
+                    </p:cTn>
+                  </p:par>
+                </p:childTnLst>
+              </p:cTn>
+              <p:prevCondLst>
+                <p:cond evt="onPrev" delay="0">
+                  <p:tgtEl>
+                    <p:sldTgt/>
+                  </p:tgtEl>
+                </p:cond>
+              </p:prevCondLst>
+              <p:nextCondLst>
+                <p:cond evt="onNext" delay="0">
+                  <p:tgtEl>
+                    <p:sldTgt/>
+                  </p:tgtEl>
+                </p:cond>
+              </p:nextCondLst>
+            </p:seq>
+          </p:childTnLst>
+        </p:cTn>
       </p:par>
     </p:tnLst>
+    <p:bldLst>
+      <p:bldP spid="3" grpId="0" uiExpand="1" build="p"/>
+    </p:bldLst>
   </p:timing>
 </p:sld>
 </file>
@@ -5311,107 +5474,6 @@
       </p:grpSpPr>
       <p:sp>
         <p:nvSpPr>
-          <p:cNvPr id="2" name="Title 1">
-            <a:extLst>
-              <a:ext uri="{FF2B5EF4-FFF2-40B4-BE49-F238E27FC236}">
-                <a16:creationId xmlns:a16="http://schemas.microsoft.com/office/drawing/2014/main" id="{4503BFD1-67E9-44AA-BEB3-CE2D4D3FF7BD}"/>
-              </a:ext>
-            </a:extLst>
-          </p:cNvPr>
-          <p:cNvSpPr>
-            <a:spLocks noGrp="1"/>
-          </p:cNvSpPr>
-          <p:nvPr>
-            <p:ph type="title"/>
-          </p:nvPr>
-        </p:nvSpPr>
-        <p:spPr/>
-        <p:txBody>
-          <a:bodyPr/>
-          <a:lstStyle/>
-          <a:p>
-            <a:r>
-              <a:rPr lang="en-US" dirty="0"/>
-              <a:t>Solutions</a:t>
-            </a:r>
-          </a:p>
-        </p:txBody>
-      </p:sp>
-      <p:sp>
-        <p:nvSpPr>
-          <p:cNvPr id="3" name="Content Placeholder 2">
-            <a:extLst>
-              <a:ext uri="{FF2B5EF4-FFF2-40B4-BE49-F238E27FC236}">
-                <a16:creationId xmlns:a16="http://schemas.microsoft.com/office/drawing/2014/main" id="{7EDADA9A-C8CE-4456-AFC1-A2D506083EC4}"/>
-              </a:ext>
-            </a:extLst>
-          </p:cNvPr>
-          <p:cNvSpPr>
-            <a:spLocks noGrp="1"/>
-          </p:cNvSpPr>
-          <p:nvPr>
-            <p:ph idx="1"/>
-          </p:nvPr>
-        </p:nvSpPr>
-        <p:spPr/>
-        <p:txBody>
-          <a:bodyPr>
-            <a:normAutofit/>
-          </a:bodyPr>
-          <a:lstStyle/>
-          <a:p>
-            <a:r>
-              <a:rPr lang="en-US" sz="4000" dirty="0"/>
-              <a:t>Image processing based</a:t>
-            </a:r>
-          </a:p>
-          <a:p>
-            <a:r>
-              <a:rPr lang="en-US" sz="4000" dirty="0"/>
-              <a:t>Motion-sensing based</a:t>
-            </a:r>
-          </a:p>
-        </p:txBody>
-      </p:sp>
-    </p:spTree>
-    <p:extLst>
-      <p:ext uri="{BB962C8B-B14F-4D97-AF65-F5344CB8AC3E}">
-        <p14:creationId xmlns:p14="http://schemas.microsoft.com/office/powerpoint/2010/main" val="3353187565"/>
-      </p:ext>
-    </p:extLst>
-  </p:cSld>
-  <p:clrMapOvr>
-    <a:masterClrMapping/>
-  </p:clrMapOvr>
-  <p:timing>
-    <p:tnLst>
-      <p:par>
-        <p:cTn id="1" dur="indefinite" restart="never" nodeType="tmRoot"/>
-      </p:par>
-    </p:tnLst>
-  </p:timing>
-</p:sld>
-</file>
-
-<file path=ppt/slides/slide23.xml><?xml version="1.0" encoding="utf-8"?>
-<p:sld xmlns:a="http://schemas.openxmlformats.org/drawingml/2006/main" xmlns:r="http://schemas.openxmlformats.org/officeDocument/2006/relationships" xmlns:p="http://schemas.openxmlformats.org/presentationml/2006/main">
-  <p:cSld>
-    <p:spTree>
-      <p:nvGrpSpPr>
-        <p:cNvPr id="1" name=""/>
-        <p:cNvGrpSpPr/>
-        <p:nvPr/>
-      </p:nvGrpSpPr>
-      <p:grpSpPr>
-        <a:xfrm>
-          <a:off x="0" y="0"/>
-          <a:ext cx="0" cy="0"/>
-          <a:chOff x="0" y="0"/>
-          <a:chExt cx="0" cy="0"/>
-        </a:xfrm>
-      </p:grpSpPr>
-      <p:sp>
-        <p:nvSpPr>
           <p:cNvPr id="4" name="Title 3">
             <a:extLst>
               <a:ext uri="{FF2B5EF4-FFF2-40B4-BE49-F238E27FC236}">
@@ -5431,7 +5493,10 @@
           <a:bodyPr/>
           <a:lstStyle/>
           <a:p>
-            <a:endParaRPr lang="en-US"/>
+            <a:r>
+              <a:rPr lang="en-US" b="1" dirty="0"/>
+              <a:t>Solution I: Image Processing</a:t>
+            </a:r>
           </a:p>
         </p:txBody>
       </p:sp>
@@ -5515,13 +5580,99 @@
   <p:clrMapOvr>
     <a:masterClrMapping/>
   </p:clrMapOvr>
-  <p:timing>
-    <p:tnLst>
-      <p:par>
-        <p:cTn id="1" dur="indefinite" restart="never" nodeType="tmRoot"/>
-      </p:par>
-    </p:tnLst>
-  </p:timing>
+</p:sld>
+</file>
+
+<file path=ppt/slides/slide23.xml><?xml version="1.0" encoding="utf-8"?>
+<p:sld xmlns:a="http://schemas.openxmlformats.org/drawingml/2006/main" xmlns:r="http://schemas.openxmlformats.org/officeDocument/2006/relationships" xmlns:p="http://schemas.openxmlformats.org/presentationml/2006/main">
+  <p:cSld>
+    <p:spTree>
+      <p:nvGrpSpPr>
+        <p:cNvPr id="1" name=""/>
+        <p:cNvGrpSpPr/>
+        <p:nvPr/>
+      </p:nvGrpSpPr>
+      <p:grpSpPr>
+        <a:xfrm>
+          <a:off x="0" y="0"/>
+          <a:ext cx="0" cy="0"/>
+          <a:chOff x="0" y="0"/>
+          <a:chExt cx="0" cy="0"/>
+        </a:xfrm>
+      </p:grpSpPr>
+      <p:pic>
+        <p:nvPicPr>
+          <p:cNvPr id="8" name="Content Placeholder 7">
+            <a:extLst>
+              <a:ext uri="{FF2B5EF4-FFF2-40B4-BE49-F238E27FC236}">
+                <a16:creationId xmlns:a16="http://schemas.microsoft.com/office/drawing/2014/main" id="{9257545E-B74A-4019-B452-C908E738003D}"/>
+              </a:ext>
+            </a:extLst>
+          </p:cNvPr>
+          <p:cNvPicPr>
+            <a:picLocks noGrp="1" noChangeAspect="1"/>
+          </p:cNvPicPr>
+          <p:nvPr>
+            <p:ph idx="1"/>
+          </p:nvPr>
+        </p:nvPicPr>
+        <p:blipFill>
+          <a:blip r:embed="rId2">
+            <a:extLst>
+              <a:ext uri="{28A0092B-C50C-407E-A947-70E740481C1C}">
+                <a14:useLocalDpi xmlns:a14="http://schemas.microsoft.com/office/drawing/2010/main" val="0"/>
+              </a:ext>
+            </a:extLst>
+          </a:blip>
+          <a:stretch>
+            <a:fillRect/>
+          </a:stretch>
+        </p:blipFill>
+        <p:spPr>
+          <a:xfrm>
+            <a:off x="4420703" y="1825625"/>
+            <a:ext cx="3350593" cy="4351338"/>
+          </a:xfrm>
+        </p:spPr>
+      </p:pic>
+      <p:sp>
+        <p:nvSpPr>
+          <p:cNvPr id="4" name="Title 3">
+            <a:extLst>
+              <a:ext uri="{FF2B5EF4-FFF2-40B4-BE49-F238E27FC236}">
+                <a16:creationId xmlns:a16="http://schemas.microsoft.com/office/drawing/2014/main" id="{C4476D5B-F747-4224-910B-C456501274CA}"/>
+              </a:ext>
+            </a:extLst>
+          </p:cNvPr>
+          <p:cNvSpPr>
+            <a:spLocks noGrp="1"/>
+          </p:cNvSpPr>
+          <p:nvPr>
+            <p:ph type="title"/>
+          </p:nvPr>
+        </p:nvSpPr>
+        <p:spPr/>
+        <p:txBody>
+          <a:bodyPr/>
+          <a:lstStyle/>
+          <a:p>
+            <a:r>
+              <a:rPr lang="en-US" b="1" dirty="0"/>
+              <a:t>Solution I: Image Processing</a:t>
+            </a:r>
+          </a:p>
+        </p:txBody>
+      </p:sp>
+    </p:spTree>
+    <p:extLst>
+      <p:ext uri="{BB962C8B-B14F-4D97-AF65-F5344CB8AC3E}">
+        <p14:creationId xmlns:p14="http://schemas.microsoft.com/office/powerpoint/2010/main" val="2695461029"/>
+      </p:ext>
+    </p:extLst>
+  </p:cSld>
+  <p:clrMapOvr>
+    <a:masterClrMapping/>
+  </p:clrMapOvr>
 </p:sld>
 </file>
 
@@ -5544,10 +5695,10 @@
       </p:grpSpPr>
       <p:sp>
         <p:nvSpPr>
-          <p:cNvPr id="5" name="Title 4">
+          <p:cNvPr id="3" name="Content Placeholder 2">
             <a:extLst>
               <a:ext uri="{FF2B5EF4-FFF2-40B4-BE49-F238E27FC236}">
-                <a16:creationId xmlns:a16="http://schemas.microsoft.com/office/drawing/2014/main" id="{72054009-B366-46E6-B852-3385741CC883}"/>
+                <a16:creationId xmlns:a16="http://schemas.microsoft.com/office/drawing/2014/main" id="{C4B311C1-4FB2-41EA-9E5A-D4DF14320757}"/>
               </a:ext>
             </a:extLst>
           </p:cNvPr>
@@ -5555,57 +5706,82 @@
             <a:spLocks noGrp="1"/>
           </p:cNvSpPr>
           <p:nvPr>
-            <p:ph type="title"/>
+            <p:ph idx="1"/>
           </p:nvPr>
         </p:nvSpPr>
         <p:spPr/>
         <p:txBody>
-          <a:bodyPr/>
-          <a:lstStyle/>
-          <a:p>
-            <a:endParaRPr lang="en-US"/>
-          </a:p>
-        </p:txBody>
-      </p:sp>
-      <p:pic>
-        <p:nvPicPr>
-          <p:cNvPr id="8" name="Content Placeholder 7">
+          <a:bodyPr>
+            <a:normAutofit/>
+          </a:bodyPr>
+          <a:lstStyle/>
+          <a:p>
+            <a:pPr>
+              <a:lnSpc>
+                <a:spcPct val="200000"/>
+              </a:lnSpc>
+            </a:pPr>
+            <a:r>
+              <a:rPr lang="en-US" sz="3600" dirty="0"/>
+              <a:t>Feasible</a:t>
+            </a:r>
+          </a:p>
+          <a:p>
+            <a:pPr>
+              <a:lnSpc>
+                <a:spcPct val="200000"/>
+              </a:lnSpc>
+            </a:pPr>
+            <a:r>
+              <a:rPr lang="en-US" sz="3600" dirty="0"/>
+              <a:t>Environment dependent</a:t>
+            </a:r>
+          </a:p>
+          <a:p>
+            <a:pPr>
+              <a:lnSpc>
+                <a:spcPct val="200000"/>
+              </a:lnSpc>
+            </a:pPr>
+            <a:r>
+              <a:rPr lang="en-US" sz="3600" dirty="0"/>
+              <a:t>Reliability problems</a:t>
+            </a:r>
+          </a:p>
+        </p:txBody>
+      </p:sp>
+      <p:sp>
+        <p:nvSpPr>
+          <p:cNvPr id="4" name="Title 3">
             <a:extLst>
               <a:ext uri="{FF2B5EF4-FFF2-40B4-BE49-F238E27FC236}">
-                <a16:creationId xmlns:a16="http://schemas.microsoft.com/office/drawing/2014/main" id="{9257545E-B74A-4019-B452-C908E738003D}"/>
+                <a16:creationId xmlns:a16="http://schemas.microsoft.com/office/drawing/2014/main" id="{804DBD47-6866-444A-846A-CEEB9BC56536}"/>
               </a:ext>
             </a:extLst>
           </p:cNvPr>
-          <p:cNvPicPr>
-            <a:picLocks noGrp="1" noChangeAspect="1"/>
-          </p:cNvPicPr>
-          <p:nvPr>
-            <p:ph idx="1"/>
-          </p:nvPr>
-        </p:nvPicPr>
-        <p:blipFill>
-          <a:blip r:embed="rId2">
-            <a:extLst>
-              <a:ext uri="{28A0092B-C50C-407E-A947-70E740481C1C}">
-                <a14:useLocalDpi xmlns:a14="http://schemas.microsoft.com/office/drawing/2010/main" val="0"/>
-              </a:ext>
-            </a:extLst>
-          </a:blip>
-          <a:stretch>
-            <a:fillRect/>
-          </a:stretch>
-        </p:blipFill>
-        <p:spPr>
-          <a:xfrm>
-            <a:off x="4420703" y="1825625"/>
-            <a:ext cx="3350593" cy="4351338"/>
-          </a:xfrm>
-        </p:spPr>
-      </p:pic>
+          <p:cNvSpPr>
+            <a:spLocks noGrp="1"/>
+          </p:cNvSpPr>
+          <p:nvPr>
+            <p:ph type="title"/>
+          </p:nvPr>
+        </p:nvSpPr>
+        <p:spPr/>
+        <p:txBody>
+          <a:bodyPr/>
+          <a:lstStyle/>
+          <a:p>
+            <a:r>
+              <a:rPr lang="en-US" b="1" dirty="0"/>
+              <a:t>Solution I: Image Processing</a:t>
+            </a:r>
+          </a:p>
+        </p:txBody>
+      </p:sp>
     </p:spTree>
     <p:extLst>
       <p:ext uri="{BB962C8B-B14F-4D97-AF65-F5344CB8AC3E}">
-        <p14:creationId xmlns:p14="http://schemas.microsoft.com/office/powerpoint/2010/main" val="2695461029"/>
+        <p14:creationId xmlns:p14="http://schemas.microsoft.com/office/powerpoint/2010/main" val="193420015"/>
       </p:ext>
     </p:extLst>
   </p:cSld>
@@ -5615,9 +5791,182 @@
   <p:timing>
     <p:tnLst>
       <p:par>
-        <p:cTn id="1" dur="indefinite" restart="never" nodeType="tmRoot"/>
+        <p:cTn id="1" dur="indefinite" restart="never" nodeType="tmRoot">
+          <p:childTnLst>
+            <p:seq concurrent="1" nextAc="seek">
+              <p:cTn id="2" dur="indefinite" nodeType="mainSeq">
+                <p:childTnLst>
+                  <p:par>
+                    <p:cTn id="3" fill="hold">
+                      <p:stCondLst>
+                        <p:cond delay="indefinite"/>
+                      </p:stCondLst>
+                      <p:childTnLst>
+                        <p:par>
+                          <p:cTn id="4" fill="hold">
+                            <p:stCondLst>
+                              <p:cond delay="0"/>
+                            </p:stCondLst>
+                            <p:childTnLst>
+                              <p:par>
+                                <p:cTn id="5" presetID="1" presetClass="entr" presetSubtype="0" fill="hold" grpId="0" nodeType="clickEffect">
+                                  <p:stCondLst>
+                                    <p:cond delay="0"/>
+                                  </p:stCondLst>
+                                  <p:childTnLst>
+                                    <p:set>
+                                      <p:cBhvr>
+                                        <p:cTn id="6" dur="1" fill="hold">
+                                          <p:stCondLst>
+                                            <p:cond delay="0"/>
+                                          </p:stCondLst>
+                                        </p:cTn>
+                                        <p:tgtEl>
+                                          <p:spTgt spid="3">
+                                            <p:txEl>
+                                              <p:pRg st="0" end="0"/>
+                                            </p:txEl>
+                                          </p:spTgt>
+                                        </p:tgtEl>
+                                        <p:attrNameLst>
+                                          <p:attrName>style.visibility</p:attrName>
+                                        </p:attrNameLst>
+                                      </p:cBhvr>
+                                      <p:to>
+                                        <p:strVal val="visible"/>
+                                      </p:to>
+                                    </p:set>
+                                  </p:childTnLst>
+                                </p:cTn>
+                              </p:par>
+                            </p:childTnLst>
+                          </p:cTn>
+                        </p:par>
+                      </p:childTnLst>
+                    </p:cTn>
+                  </p:par>
+                  <p:par>
+                    <p:cTn id="7" fill="hold">
+                      <p:stCondLst>
+                        <p:cond delay="indefinite"/>
+                      </p:stCondLst>
+                      <p:childTnLst>
+                        <p:par>
+                          <p:cTn id="8" fill="hold">
+                            <p:stCondLst>
+                              <p:cond delay="0"/>
+                            </p:stCondLst>
+                            <p:childTnLst>
+                              <p:par>
+                                <p:cTn id="9" presetID="1" presetClass="entr" presetSubtype="0" fill="hold" grpId="0" nodeType="clickEffect">
+                                  <p:stCondLst>
+                                    <p:cond delay="0"/>
+                                  </p:stCondLst>
+                                  <p:childTnLst>
+                                    <p:set>
+                                      <p:cBhvr>
+                                        <p:cTn id="10" dur="1" fill="hold">
+                                          <p:stCondLst>
+                                            <p:cond delay="0"/>
+                                          </p:stCondLst>
+                                        </p:cTn>
+                                        <p:tgtEl>
+                                          <p:spTgt spid="3">
+                                            <p:txEl>
+                                              <p:pRg st="1" end="1"/>
+                                            </p:txEl>
+                                          </p:spTgt>
+                                        </p:tgtEl>
+                                        <p:attrNameLst>
+                                          <p:attrName>style.visibility</p:attrName>
+                                        </p:attrNameLst>
+                                      </p:cBhvr>
+                                      <p:to>
+                                        <p:strVal val="visible"/>
+                                      </p:to>
+                                    </p:set>
+                                  </p:childTnLst>
+                                </p:cTn>
+                              </p:par>
+                            </p:childTnLst>
+                          </p:cTn>
+                        </p:par>
+                      </p:childTnLst>
+                    </p:cTn>
+                  </p:par>
+                  <p:par>
+                    <p:cTn id="11" fill="hold">
+                      <p:stCondLst>
+                        <p:cond delay="indefinite"/>
+                      </p:stCondLst>
+                      <p:childTnLst>
+                        <p:par>
+                          <p:cTn id="12" fill="hold">
+                            <p:stCondLst>
+                              <p:cond delay="0"/>
+                            </p:stCondLst>
+                            <p:childTnLst>
+                              <p:par>
+                                <p:cTn id="13" presetID="1" presetClass="entr" presetSubtype="0" fill="hold" grpId="0" nodeType="clickEffect">
+                                  <p:stCondLst>
+                                    <p:cond delay="0"/>
+                                  </p:stCondLst>
+                                  <p:childTnLst>
+                                    <p:set>
+                                      <p:cBhvr>
+                                        <p:cTn id="14" dur="1" fill="hold">
+                                          <p:stCondLst>
+                                            <p:cond delay="0"/>
+                                          </p:stCondLst>
+                                        </p:cTn>
+                                        <p:tgtEl>
+                                          <p:spTgt spid="3">
+                                            <p:txEl>
+                                              <p:pRg st="2" end="2"/>
+                                            </p:txEl>
+                                          </p:spTgt>
+                                        </p:tgtEl>
+                                        <p:attrNameLst>
+                                          <p:attrName>style.visibility</p:attrName>
+                                        </p:attrNameLst>
+                                      </p:cBhvr>
+                                      <p:to>
+                                        <p:strVal val="visible"/>
+                                      </p:to>
+                                    </p:set>
+                                  </p:childTnLst>
+                                </p:cTn>
+                              </p:par>
+                            </p:childTnLst>
+                          </p:cTn>
+                        </p:par>
+                      </p:childTnLst>
+                    </p:cTn>
+                  </p:par>
+                </p:childTnLst>
+              </p:cTn>
+              <p:prevCondLst>
+                <p:cond evt="onPrev" delay="0">
+                  <p:tgtEl>
+                    <p:sldTgt/>
+                  </p:tgtEl>
+                </p:cond>
+              </p:prevCondLst>
+              <p:nextCondLst>
+                <p:cond evt="onNext" delay="0">
+                  <p:tgtEl>
+                    <p:sldTgt/>
+                  </p:tgtEl>
+                </p:cond>
+              </p:nextCondLst>
+            </p:seq>
+          </p:childTnLst>
+        </p:cTn>
       </p:par>
     </p:tnLst>
+    <p:bldLst>
+      <p:bldP spid="3" grpId="0" build="p"/>
+    </p:bldLst>
   </p:timing>
 </p:sld>
 </file>
@@ -5639,31 +5988,6 @@
           <a:chExt cx="0" cy="0"/>
         </a:xfrm>
       </p:grpSpPr>
-      <p:sp>
-        <p:nvSpPr>
-          <p:cNvPr id="2" name="Title 1">
-            <a:extLst>
-              <a:ext uri="{FF2B5EF4-FFF2-40B4-BE49-F238E27FC236}">
-                <a16:creationId xmlns:a16="http://schemas.microsoft.com/office/drawing/2014/main" id="{A5E7F90D-181B-451F-BBA9-0E95D3AE3F41}"/>
-              </a:ext>
-            </a:extLst>
-          </p:cNvPr>
-          <p:cNvSpPr>
-            <a:spLocks noGrp="1"/>
-          </p:cNvSpPr>
-          <p:nvPr>
-            <p:ph type="title"/>
-          </p:nvPr>
-        </p:nvSpPr>
-        <p:spPr/>
-        <p:txBody>
-          <a:bodyPr/>
-          <a:lstStyle/>
-          <a:p>
-            <a:endParaRPr lang="en-US"/>
-          </a:p>
-        </p:txBody>
-      </p:sp>
       <p:pic>
         <p:nvPicPr>
           <p:cNvPr id="5" name="Content Placeholder 4">
@@ -5694,11 +6018,39 @@
         </p:blipFill>
         <p:spPr>
           <a:xfrm>
-            <a:off x="2611548" y="1690688"/>
+            <a:off x="2611548" y="1973493"/>
             <a:ext cx="6968903" cy="3920008"/>
           </a:xfrm>
         </p:spPr>
       </p:pic>
+      <p:sp>
+        <p:nvSpPr>
+          <p:cNvPr id="4" name="Title 3">
+            <a:extLst>
+              <a:ext uri="{FF2B5EF4-FFF2-40B4-BE49-F238E27FC236}">
+                <a16:creationId xmlns:a16="http://schemas.microsoft.com/office/drawing/2014/main" id="{778F74D9-5899-4002-BFF1-FE1152619F30}"/>
+              </a:ext>
+            </a:extLst>
+          </p:cNvPr>
+          <p:cNvSpPr>
+            <a:spLocks noGrp="1"/>
+          </p:cNvSpPr>
+          <p:nvPr>
+            <p:ph type="title"/>
+          </p:nvPr>
+        </p:nvSpPr>
+        <p:spPr/>
+        <p:txBody>
+          <a:bodyPr/>
+          <a:lstStyle/>
+          <a:p>
+            <a:r>
+              <a:rPr lang="en-US" b="1" dirty="0"/>
+              <a:t>Solution II: Motion-Sensing</a:t>
+            </a:r>
+          </a:p>
+        </p:txBody>
+      </p:sp>
     </p:spTree>
     <p:extLst>
       <p:ext uri="{BB962C8B-B14F-4D97-AF65-F5344CB8AC3E}">
@@ -5709,13 +6061,6 @@
   <p:clrMapOvr>
     <a:masterClrMapping/>
   </p:clrMapOvr>
-  <p:timing>
-    <p:tnLst>
-      <p:par>
-        <p:cTn id="1" dur="indefinite" restart="never" nodeType="tmRoot"/>
-      </p:par>
-    </p:tnLst>
-  </p:timing>
 </p:sld>
 </file>
 
@@ -5763,7 +6108,7 @@
               <a:buChar char="•"/>
             </a:pPr>
             <a:r>
-              <a:rPr lang="tr-TR" dirty="0" smtClean="0">
+              <a:rPr lang="tr-TR" dirty="0">
                 <a:latin typeface="Arial" charset="0"/>
                 <a:ea typeface="Arial" charset="0"/>
                 <a:cs typeface="Arial" charset="0"/>
@@ -5771,7 +6116,7 @@
               <a:t>Test </a:t>
             </a:r>
             <a:r>
-              <a:rPr lang="tr-TR" dirty="0" err="1" smtClean="0">
+              <a:rPr lang="tr-TR" dirty="0" err="1">
                 <a:latin typeface="Arial" charset="0"/>
                 <a:ea typeface="Arial" charset="0"/>
                 <a:cs typeface="Arial" charset="0"/>
@@ -5786,16 +6131,8 @@
               </a:rPr>
               <a:t>	</a:t>
             </a:r>
-            <a:r>
-              <a:rPr lang="tr-TR" dirty="0" smtClean="0">
-                <a:latin typeface="Arial" charset="0"/>
-                <a:ea typeface="Arial" charset="0"/>
-                <a:cs typeface="Arial" charset="0"/>
-              </a:rPr>
-              <a:t/>
-            </a:r>
             <a:br>
-              <a:rPr lang="tr-TR" dirty="0" smtClean="0">
+              <a:rPr lang="tr-TR" dirty="0">
                 <a:latin typeface="Arial" charset="0"/>
                 <a:ea typeface="Arial" charset="0"/>
                 <a:cs typeface="Arial" charset="0"/>
@@ -5807,33 +6144,17 @@
                 <a:ea typeface="Arial" charset="0"/>
                 <a:cs typeface="Arial" charset="0"/>
               </a:rPr>
-              <a:t>	</a:t>
-            </a:r>
-            <a:r>
-              <a:rPr lang="tr-TR" dirty="0" smtClean="0">
-                <a:latin typeface="Arial" charset="0"/>
-                <a:ea typeface="Arial" charset="0"/>
-                <a:cs typeface="Arial" charset="0"/>
-              </a:rPr>
-              <a:t>			</a:t>
+              <a:t>				</a:t>
             </a:r>
             <a:br>
-              <a:rPr lang="tr-TR" dirty="0" smtClean="0">
+              <a:rPr lang="tr-TR" dirty="0">
                 <a:latin typeface="Arial" charset="0"/>
                 <a:ea typeface="Arial" charset="0"/>
                 <a:cs typeface="Arial" charset="0"/>
               </a:rPr>
             </a:br>
-            <a:r>
-              <a:rPr lang="tr-TR" dirty="0" smtClean="0">
-                <a:latin typeface="Arial" charset="0"/>
-                <a:ea typeface="Arial" charset="0"/>
-                <a:cs typeface="Arial" charset="0"/>
-              </a:rPr>
-              <a:t/>
-            </a:r>
             <a:br>
-              <a:rPr lang="tr-TR" dirty="0" smtClean="0">
+              <a:rPr lang="tr-TR" dirty="0">
                 <a:latin typeface="Arial" charset="0"/>
                 <a:ea typeface="Arial" charset="0"/>
                 <a:cs typeface="Arial" charset="0"/>
@@ -5874,11 +6195,11 @@
               <a:buChar char="•"/>
             </a:pPr>
             <a:r>
-              <a:rPr lang="tr-TR" sz="5400" dirty="0" smtClean="0"/>
+              <a:rPr lang="tr-TR" sz="5400" dirty="0"/>
               <a:t> </a:t>
             </a:r>
             <a:r>
-              <a:rPr lang="tr-TR" sz="5400" dirty="0" err="1" smtClean="0">
+              <a:rPr lang="tr-TR" sz="5400" dirty="0" err="1">
                 <a:latin typeface="Arial" charset="0"/>
                 <a:ea typeface="Arial" charset="0"/>
                 <a:cs typeface="Arial" charset="0"/>
@@ -5920,7 +6241,7 @@
               <a:buChar char="•"/>
             </a:pPr>
             <a:r>
-              <a:rPr lang="tr-TR" sz="5400" dirty="0" smtClean="0">
+              <a:rPr lang="tr-TR" sz="5400" dirty="0">
                 <a:latin typeface="Arial" charset="0"/>
                 <a:ea typeface="Arial" charset="0"/>
                 <a:cs typeface="Arial" charset="0"/>
@@ -5928,7 +6249,7 @@
               <a:t>   Integration </a:t>
             </a:r>
             <a:r>
-              <a:rPr lang="tr-TR" sz="5400" dirty="0" err="1" smtClean="0">
+              <a:rPr lang="tr-TR" sz="5400" dirty="0" err="1">
                 <a:latin typeface="Arial" charset="0"/>
                 <a:ea typeface="Arial" charset="0"/>
                 <a:cs typeface="Arial" charset="0"/>
@@ -5953,13 +6274,6 @@
   <p:clrMapOvr>
     <a:masterClrMapping/>
   </p:clrMapOvr>
-  <p:timing>
-    <p:tnLst>
-      <p:par>
-        <p:cTn id="1" dur="indefinite" restart="never" nodeType="tmRoot"/>
-      </p:par>
-    </p:tnLst>
-  </p:timing>
 </p:sld>
 </file>
 
@@ -5998,7 +6312,7 @@
           <a:lstStyle/>
           <a:p>
             <a:r>
-              <a:rPr lang="tr-TR" sz="5400" dirty="0" smtClean="0">
+              <a:rPr lang="tr-TR" sz="5400" dirty="0">
                 <a:latin typeface="Arial" charset="0"/>
                 <a:ea typeface="Arial" charset="0"/>
                 <a:cs typeface="Arial" charset="0"/>
@@ -6006,7 +6320,7 @@
               <a:t>Test </a:t>
             </a:r>
             <a:r>
-              <a:rPr lang="tr-TR" sz="5400" dirty="0" err="1" smtClean="0">
+              <a:rPr lang="tr-TR" sz="5400" dirty="0" err="1">
                 <a:latin typeface="Arial" charset="0"/>
                 <a:ea typeface="Arial" charset="0"/>
                 <a:cs typeface="Arial" charset="0"/>
@@ -6079,22 +6393,6 @@
               </a:rPr>
               <a:t> </a:t>
             </a:r>
-            <a:endParaRPr lang="tr-TR" sz="2400" dirty="0" smtClean="0">
-              <a:latin typeface="Arial" charset="0"/>
-              <a:ea typeface="Arial" charset="0"/>
-              <a:cs typeface="Arial" charset="0"/>
-            </a:endParaRPr>
-          </a:p>
-          <a:p>
-            <a:pPr marL="285750" indent="-285750">
-              <a:buFont typeface="Arial" charset="0"/>
-              <a:buChar char="•"/>
-            </a:pPr>
-            <a:endParaRPr lang="tr-TR" sz="2400" dirty="0" smtClean="0">
-              <a:latin typeface="Arial" charset="0"/>
-              <a:ea typeface="Arial" charset="0"/>
-              <a:cs typeface="Arial" charset="0"/>
-            </a:endParaRPr>
           </a:p>
           <a:p>
             <a:pPr marL="285750" indent="-285750">
@@ -6112,53 +6410,64 @@
               <a:buFont typeface="Arial" charset="0"/>
               <a:buChar char="•"/>
             </a:pPr>
-            <a:r>
-              <a:rPr lang="tr-TR" sz="2400" dirty="0">
-                <a:latin typeface="Arial" charset="0"/>
-                <a:ea typeface="Arial" charset="0"/>
-                <a:cs typeface="Arial" charset="0"/>
-              </a:rPr>
-              <a:t>DC Motor </a:t>
-            </a:r>
-            <a:r>
-              <a:rPr lang="tr-TR" sz="2400" dirty="0" err="1">
-                <a:latin typeface="Arial" charset="0"/>
-                <a:ea typeface="Arial" charset="0"/>
-                <a:cs typeface="Arial" charset="0"/>
-              </a:rPr>
-              <a:t>Starting</a:t>
-            </a:r>
-            <a:r>
-              <a:rPr lang="tr-TR" sz="2400" dirty="0">
-                <a:latin typeface="Arial" charset="0"/>
-                <a:ea typeface="Arial" charset="0"/>
-                <a:cs typeface="Arial" charset="0"/>
-              </a:rPr>
-              <a:t> </a:t>
-            </a:r>
-            <a:r>
-              <a:rPr lang="tr-TR" sz="2400" dirty="0" err="1">
-                <a:latin typeface="Arial" charset="0"/>
-                <a:ea typeface="Arial" charset="0"/>
-                <a:cs typeface="Arial" charset="0"/>
-              </a:rPr>
-              <a:t>Current</a:t>
-            </a:r>
-            <a:r>
-              <a:rPr lang="tr-TR" sz="2400" dirty="0">
-                <a:latin typeface="Arial" charset="0"/>
-                <a:ea typeface="Arial" charset="0"/>
-                <a:cs typeface="Arial" charset="0"/>
-              </a:rPr>
-              <a:t> Test </a:t>
-            </a:r>
+            <a:endParaRPr lang="tr-TR" sz="2400" dirty="0">
+              <a:latin typeface="Arial" charset="0"/>
+              <a:ea typeface="Arial" charset="0"/>
+              <a:cs typeface="Arial" charset="0"/>
+            </a:endParaRPr>
           </a:p>
           <a:p>
             <a:pPr marL="285750" indent="-285750">
               <a:buFont typeface="Arial" charset="0"/>
               <a:buChar char="•"/>
             </a:pPr>
-            <a:endParaRPr lang="tr-TR" sz="2400" dirty="0" smtClean="0">
+            <a:r>
+              <a:rPr lang="tr-TR" sz="2400" dirty="0">
+                <a:latin typeface="Arial" charset="0"/>
+                <a:ea typeface="Arial" charset="0"/>
+                <a:cs typeface="Arial" charset="0"/>
+              </a:rPr>
+              <a:t>DC Motor </a:t>
+            </a:r>
+            <a:r>
+              <a:rPr lang="tr-TR" sz="2400" dirty="0" err="1">
+                <a:latin typeface="Arial" charset="0"/>
+                <a:ea typeface="Arial" charset="0"/>
+                <a:cs typeface="Arial" charset="0"/>
+              </a:rPr>
+              <a:t>Starting</a:t>
+            </a:r>
+            <a:r>
+              <a:rPr lang="tr-TR" sz="2400" dirty="0">
+                <a:latin typeface="Arial" charset="0"/>
+                <a:ea typeface="Arial" charset="0"/>
+                <a:cs typeface="Arial" charset="0"/>
+              </a:rPr>
+              <a:t> </a:t>
+            </a:r>
+            <a:r>
+              <a:rPr lang="tr-TR" sz="2400" dirty="0" err="1">
+                <a:latin typeface="Arial" charset="0"/>
+                <a:ea typeface="Arial" charset="0"/>
+                <a:cs typeface="Arial" charset="0"/>
+              </a:rPr>
+              <a:t>Current</a:t>
+            </a:r>
+            <a:r>
+              <a:rPr lang="tr-TR" sz="2400" dirty="0">
+                <a:latin typeface="Arial" charset="0"/>
+                <a:ea typeface="Arial" charset="0"/>
+                <a:cs typeface="Arial" charset="0"/>
+              </a:rPr>
+              <a:t> Test </a:t>
+            </a:r>
+          </a:p>
+          <a:p>
+            <a:pPr marL="285750" indent="-285750">
+              <a:buFont typeface="Arial" charset="0"/>
+              <a:buChar char="•"/>
+            </a:pPr>
+            <a:endParaRPr lang="tr-TR" sz="2400" dirty="0">
               <a:latin typeface="Arial" charset="0"/>
               <a:ea typeface="Arial" charset="0"/>
               <a:cs typeface="Arial" charset="0"/>
@@ -6264,13 +6573,6 @@
   <p:clrMapOvr>
     <a:masterClrMapping/>
   </p:clrMapOvr>
-  <p:timing>
-    <p:tnLst>
-      <p:par>
-        <p:cTn id="1" dur="indefinite" restart="never" nodeType="tmRoot"/>
-      </p:par>
-    </p:tnLst>
-  </p:timing>
 </p:sld>
 </file>
 
@@ -6307,7 +6609,7 @@
           <a:lstStyle/>
           <a:p>
             <a:r>
-              <a:rPr lang="tr-TR" dirty="0" smtClean="0">
+              <a:rPr lang="tr-TR" dirty="0">
                 <a:latin typeface="Arial" charset="0"/>
                 <a:ea typeface="Arial" charset="0"/>
                 <a:cs typeface="Arial" charset="0"/>
@@ -6315,7 +6617,7 @@
               <a:t>Integration </a:t>
             </a:r>
             <a:r>
-              <a:rPr lang="tr-TR" dirty="0" err="1" smtClean="0">
+              <a:rPr lang="tr-TR" dirty="0" err="1">
                 <a:latin typeface="Arial" charset="0"/>
                 <a:ea typeface="Arial" charset="0"/>
                 <a:cs typeface="Arial" charset="0"/>
@@ -6355,12 +6657,8 @@
               <a:buChar char="Ø"/>
             </a:pPr>
             <a:r>
-              <a:rPr lang="tr-TR" dirty="0" smtClean="0"/>
-              <a:t> </a:t>
-            </a:r>
-            <a:r>
               <a:rPr lang="tr-TR" dirty="0"/>
-              <a:t>Test </a:t>
+              <a:t> Test </a:t>
             </a:r>
             <a:r>
               <a:rPr lang="tr-TR" dirty="0" err="1"/>
@@ -6392,18 +6690,14 @@
             </a:r>
             <a:r>
               <a:rPr lang="tr-TR" dirty="0"/>
-              <a:t> </a:t>
-            </a:r>
-            <a:r>
-              <a:rPr lang="tr-TR" dirty="0" smtClean="0"/>
-              <a:t>be </a:t>
-            </a:r>
-            <a:r>
-              <a:rPr lang="tr-TR" dirty="0" err="1" smtClean="0"/>
+              <a:t> be </a:t>
+            </a:r>
+            <a:r>
+              <a:rPr lang="tr-TR" dirty="0" err="1"/>
               <a:t>composed</a:t>
             </a:r>
             <a:r>
-              <a:rPr lang="tr-TR" dirty="0" smtClean="0"/>
+              <a:rPr lang="tr-TR" dirty="0"/>
               <a:t> of </a:t>
             </a:r>
             <a:r>
@@ -6422,7 +6716,7 @@
               <a:rPr lang="tr-TR" dirty="0"/>
               <a:t>. </a:t>
             </a:r>
-            <a:endParaRPr lang="tr-TR" dirty="0" smtClean="0">
+            <a:endParaRPr lang="tr-TR" dirty="0">
               <a:effectLst/>
             </a:endParaRPr>
           </a:p>
@@ -6455,7 +6749,7 @@
               <a:buChar char="•"/>
             </a:pPr>
             <a:r>
-              <a:rPr lang="tr-TR" sz="2400" dirty="0" err="1" smtClean="0">
+              <a:rPr lang="tr-TR" sz="2400" dirty="0" err="1">
                 <a:latin typeface="Arial" charset="0"/>
                 <a:ea typeface="Arial" charset="0"/>
                 <a:cs typeface="Arial" charset="0"/>
@@ -6463,7 +6757,7 @@
               <a:t>Detailed</a:t>
             </a:r>
             <a:r>
-              <a:rPr lang="tr-TR" sz="2400" dirty="0" smtClean="0">
+              <a:rPr lang="tr-TR" sz="2400" dirty="0">
                 <a:latin typeface="Arial" charset="0"/>
                 <a:ea typeface="Arial" charset="0"/>
                 <a:cs typeface="Arial" charset="0"/>
@@ -6471,7 +6765,7 @@
               <a:t> </a:t>
             </a:r>
             <a:r>
-              <a:rPr lang="tr-TR" sz="2400" dirty="0" err="1" smtClean="0">
+              <a:rPr lang="tr-TR" sz="2400" dirty="0" err="1">
                 <a:latin typeface="Arial" charset="0"/>
                 <a:ea typeface="Arial" charset="0"/>
                 <a:cs typeface="Arial" charset="0"/>
@@ -6479,7 +6773,7 @@
               <a:t>Documentation</a:t>
             </a:r>
             <a:r>
-              <a:rPr lang="tr-TR" sz="2400" dirty="0" smtClean="0">
+              <a:rPr lang="tr-TR" sz="2400" dirty="0">
                 <a:latin typeface="Arial" charset="0"/>
                 <a:ea typeface="Arial" charset="0"/>
                 <a:cs typeface="Arial" charset="0"/>
@@ -6487,7 +6781,7 @@
               <a:t> of </a:t>
             </a:r>
             <a:r>
-              <a:rPr lang="tr-TR" sz="2400" dirty="0" err="1" smtClean="0">
+              <a:rPr lang="tr-TR" sz="2400" dirty="0" err="1">
                 <a:latin typeface="Arial" charset="0"/>
                 <a:ea typeface="Arial" charset="0"/>
                 <a:cs typeface="Arial" charset="0"/>
@@ -6495,7 +6789,7 @@
               <a:t>the</a:t>
             </a:r>
             <a:r>
-              <a:rPr lang="tr-TR" sz="2400" dirty="0" smtClean="0">
+              <a:rPr lang="tr-TR" sz="2400" dirty="0">
                 <a:latin typeface="Arial" charset="0"/>
                 <a:ea typeface="Arial" charset="0"/>
                 <a:cs typeface="Arial" charset="0"/>
@@ -6519,7 +6813,7 @@
               <a:buFont typeface="Arial" charset="0"/>
               <a:buChar char="•"/>
             </a:pPr>
-            <a:endParaRPr lang="tr-TR" sz="2400" dirty="0" smtClean="0">
+            <a:endParaRPr lang="tr-TR" sz="2400" dirty="0">
               <a:latin typeface="Arial" charset="0"/>
               <a:ea typeface="Arial" charset="0"/>
               <a:cs typeface="Arial" charset="0"/>
@@ -6531,7 +6825,7 @@
               <a:buChar char="•"/>
             </a:pPr>
             <a:r>
-              <a:rPr lang="tr-TR" sz="2400" dirty="0" smtClean="0">
+              <a:rPr lang="tr-TR" sz="2400" dirty="0">
                 <a:latin typeface="Arial" charset="0"/>
                 <a:ea typeface="Arial" charset="0"/>
                 <a:cs typeface="Arial" charset="0"/>
@@ -6539,7 +6833,7 @@
               <a:t>Debugging </a:t>
             </a:r>
             <a:r>
-              <a:rPr lang="tr-TR" sz="2400" dirty="0" err="1" smtClean="0">
+              <a:rPr lang="tr-TR" sz="2400" dirty="0" err="1">
                 <a:latin typeface="Arial" charset="0"/>
                 <a:ea typeface="Arial" charset="0"/>
                 <a:cs typeface="Arial" charset="0"/>
@@ -6564,13 +6858,6 @@
   <p:clrMapOvr>
     <a:masterClrMapping/>
   </p:clrMapOvr>
-  <p:timing>
-    <p:tnLst>
-      <p:par>
-        <p:cTn id="1" dur="indefinite" restart="never" nodeType="tmRoot"/>
-      </p:par>
-    </p:tnLst>
-  </p:timing>
 </p:sld>
 </file>
 
@@ -6614,7 +6901,7 @@
           <a:lstStyle/>
           <a:p>
             <a:r>
-              <a:rPr lang="tr-TR" sz="5400" dirty="0" err="1" smtClean="0">
+              <a:rPr lang="tr-TR" sz="5400" dirty="0" err="1">
                 <a:latin typeface="Arial" charset="0"/>
                 <a:ea typeface="Arial" charset="0"/>
                 <a:cs typeface="Arial" charset="0"/>
@@ -6652,34 +6939,12 @@
           <a:lstStyle/>
           <a:p>
             <a:r>
-              <a:rPr lang="tr-TR" sz="3200" dirty="0" err="1" smtClean="0">
+              <a:rPr lang="tr-TR" sz="3200" dirty="0" err="1">
                 <a:latin typeface="Arial" charset="0"/>
                 <a:ea typeface="Arial" charset="0"/>
                 <a:cs typeface="Arial" charset="0"/>
               </a:rPr>
               <a:t>Movement</a:t>
-            </a:r>
-            <a:endParaRPr lang="tr-TR" sz="3200" dirty="0" smtClean="0">
-              <a:latin typeface="Arial" charset="0"/>
-              <a:ea typeface="Arial" charset="0"/>
-              <a:cs typeface="Arial" charset="0"/>
-            </a:endParaRPr>
-          </a:p>
-          <a:p>
-            <a:endParaRPr lang="tr-TR" sz="3200" dirty="0" smtClean="0">
-              <a:latin typeface="Arial" charset="0"/>
-              <a:ea typeface="Arial" charset="0"/>
-              <a:cs typeface="Arial" charset="0"/>
-            </a:endParaRPr>
-          </a:p>
-          <a:p>
-            <a:r>
-              <a:rPr lang="tr-TR" sz="3200" dirty="0" err="1" smtClean="0">
-                <a:latin typeface="Arial" charset="0"/>
-                <a:ea typeface="Arial" charset="0"/>
-                <a:cs typeface="Arial" charset="0"/>
-              </a:rPr>
-              <a:t>Sensors</a:t>
             </a:r>
             <a:endParaRPr lang="tr-TR" sz="3200" dirty="0">
               <a:latin typeface="Arial" charset="0"/>
@@ -6688,7 +6953,7 @@
             </a:endParaRPr>
           </a:p>
           <a:p>
-            <a:endParaRPr lang="tr-TR" sz="3200" dirty="0" smtClean="0">
+            <a:endParaRPr lang="tr-TR" sz="3200" dirty="0">
               <a:latin typeface="Arial" charset="0"/>
               <a:ea typeface="Arial" charset="0"/>
               <a:cs typeface="Arial" charset="0"/>
@@ -6696,7 +6961,29 @@
           </a:p>
           <a:p>
             <a:r>
-              <a:rPr lang="tr-TR" sz="3200" dirty="0" smtClean="0">
+              <a:rPr lang="tr-TR" sz="3200" dirty="0" err="1">
+                <a:latin typeface="Arial" charset="0"/>
+                <a:ea typeface="Arial" charset="0"/>
+                <a:cs typeface="Arial" charset="0"/>
+              </a:rPr>
+              <a:t>Sensors</a:t>
+            </a:r>
+            <a:endParaRPr lang="tr-TR" sz="3200" dirty="0">
+              <a:latin typeface="Arial" charset="0"/>
+              <a:ea typeface="Arial" charset="0"/>
+              <a:cs typeface="Arial" charset="0"/>
+            </a:endParaRPr>
+          </a:p>
+          <a:p>
+            <a:endParaRPr lang="tr-TR" sz="3200" dirty="0">
+              <a:latin typeface="Arial" charset="0"/>
+              <a:ea typeface="Arial" charset="0"/>
+              <a:cs typeface="Arial" charset="0"/>
+            </a:endParaRPr>
+          </a:p>
+          <a:p>
+            <a:r>
+              <a:rPr lang="tr-TR" sz="3200" dirty="0">
                 <a:latin typeface="Arial" charset="0"/>
                 <a:ea typeface="Arial" charset="0"/>
                 <a:cs typeface="Arial" charset="0"/>
@@ -6704,7 +6991,7 @@
               <a:t>Control &amp; </a:t>
             </a:r>
             <a:r>
-              <a:rPr lang="tr-TR" sz="3200" dirty="0" err="1" smtClean="0">
+              <a:rPr lang="tr-TR" sz="3200" dirty="0" err="1">
                 <a:latin typeface="Arial" charset="0"/>
                 <a:ea typeface="Arial" charset="0"/>
                 <a:cs typeface="Arial" charset="0"/>
@@ -6729,13 +7016,6 @@
   <p:clrMapOvr>
     <a:masterClrMapping/>
   </p:clrMapOvr>
-  <p:timing>
-    <p:tnLst>
-      <p:par>
-        <p:cTn id="1" dur="indefinite" restart="never" nodeType="tmRoot"/>
-      </p:par>
-    </p:tnLst>
-  </p:timing>
 </p:sld>
 </file>
 
@@ -6800,13 +7080,6 @@
   <p:clrMapOvr>
     <a:masterClrMapping/>
   </p:clrMapOvr>
-  <p:timing>
-    <p:tnLst>
-      <p:par>
-        <p:cTn id="1" dur="indefinite" restart="never" nodeType="tmRoot"/>
-      </p:par>
-    </p:tnLst>
-  </p:timing>
 </p:sld>
 </file>
 
@@ -6843,7 +7116,7 @@
           <a:lstStyle/>
           <a:p>
             <a:r>
-              <a:rPr lang="tr-TR" dirty="0" err="1" smtClean="0"/>
+              <a:rPr lang="tr-TR" dirty="0" err="1"/>
               <a:t>Movement</a:t>
             </a:r>
             <a:endParaRPr lang="tr-TR" dirty="0"/>
@@ -6883,84 +7156,80 @@
               <a:defRPr/>
             </a:pPr>
             <a:r>
-              <a:rPr lang="tr-TR" dirty="0" smtClean="0"/>
+              <a:rPr lang="tr-TR" dirty="0"/>
               <a:t>	DC motor </a:t>
             </a:r>
             <a:r>
-              <a:rPr lang="tr-TR" dirty="0" err="1" smtClean="0"/>
+              <a:rPr lang="tr-TR" dirty="0" err="1"/>
               <a:t>was</a:t>
             </a:r>
             <a:r>
-              <a:rPr lang="tr-TR" dirty="0" smtClean="0"/>
+              <a:rPr lang="tr-TR" dirty="0"/>
               <a:t> </a:t>
             </a:r>
             <a:r>
-              <a:rPr lang="tr-TR" dirty="0" err="1" smtClean="0"/>
+              <a:rPr lang="tr-TR" dirty="0" err="1"/>
               <a:t>preferred</a:t>
             </a:r>
             <a:r>
-              <a:rPr lang="tr-TR" dirty="0" smtClean="0"/>
+              <a:rPr lang="tr-TR" dirty="0"/>
               <a:t> </a:t>
             </a:r>
             <a:r>
-              <a:rPr lang="tr-TR" dirty="0" err="1" smtClean="0"/>
+              <a:rPr lang="tr-TR" dirty="0" err="1"/>
               <a:t>because</a:t>
             </a:r>
             <a:r>
-              <a:rPr lang="tr-TR" dirty="0" smtClean="0"/>
+              <a:rPr lang="tr-TR" dirty="0"/>
               <a:t> it </a:t>
             </a:r>
             <a:r>
-              <a:rPr lang="tr-TR" dirty="0" err="1" smtClean="0"/>
+              <a:rPr lang="tr-TR" dirty="0" err="1"/>
               <a:t>provides</a:t>
             </a:r>
             <a:r>
-              <a:rPr lang="tr-TR" dirty="0" smtClean="0"/>
+              <a:rPr lang="tr-TR" dirty="0"/>
               <a:t> </a:t>
             </a:r>
             <a:r>
-              <a:rPr lang="tr-TR" dirty="0" err="1" smtClean="0"/>
+              <a:rPr lang="tr-TR" dirty="0" err="1"/>
               <a:t>two</a:t>
             </a:r>
             <a:r>
-              <a:rPr lang="tr-TR" dirty="0" smtClean="0"/>
+              <a:rPr lang="tr-TR" dirty="0"/>
               <a:t> </a:t>
             </a:r>
             <a:r>
-              <a:rPr lang="tr-TR" dirty="0" err="1" smtClean="0"/>
+              <a:rPr lang="tr-TR" dirty="0" err="1"/>
               <a:t>possible</a:t>
             </a:r>
             <a:r>
-              <a:rPr lang="tr-TR" dirty="0" smtClean="0"/>
+              <a:rPr lang="tr-TR" dirty="0"/>
               <a:t> </a:t>
             </a:r>
             <a:r>
-              <a:rPr lang="tr-TR" dirty="0" err="1" smtClean="0"/>
+              <a:rPr lang="tr-TR" dirty="0" err="1"/>
               <a:t>speed</a:t>
             </a:r>
             <a:r>
-              <a:rPr lang="tr-TR" dirty="0" smtClean="0"/>
+              <a:rPr lang="tr-TR" dirty="0"/>
               <a:t> </a:t>
             </a:r>
             <a:r>
-              <a:rPr lang="tr-TR" dirty="0" err="1" smtClean="0"/>
+              <a:rPr lang="tr-TR" dirty="0" err="1"/>
               <a:t>control</a:t>
             </a:r>
             <a:r>
-              <a:rPr lang="tr-TR" dirty="0" smtClean="0"/>
+              <a:rPr lang="tr-TR" dirty="0"/>
               <a:t> </a:t>
             </a:r>
             <a:r>
-              <a:rPr lang="tr-TR" dirty="0" err="1" smtClean="0"/>
+              <a:rPr lang="tr-TR" dirty="0" err="1"/>
               <a:t>methods</a:t>
             </a:r>
             <a:r>
-              <a:rPr lang="tr-TR" dirty="0" smtClean="0"/>
-              <a:t>:						</a:t>
-            </a:r>
-            <a:r>
               <a:rPr lang="tr-TR" dirty="0"/>
-              <a:t>	</a:t>
+              <a:t>:							</a:t>
             </a:r>
           </a:p>
         </p:txBody>
@@ -6992,31 +7261,31 @@
               <a:buChar char="•"/>
             </a:pPr>
             <a:r>
-              <a:rPr lang="tr-TR" dirty="0" smtClean="0"/>
+              <a:rPr lang="tr-TR" dirty="0"/>
               <a:t>PWM (</a:t>
             </a:r>
             <a:r>
-              <a:rPr lang="tr-TR" dirty="0" err="1" smtClean="0"/>
+              <a:rPr lang="tr-TR" dirty="0" err="1"/>
               <a:t>Pulse</a:t>
             </a:r>
             <a:r>
-              <a:rPr lang="tr-TR" dirty="0" smtClean="0"/>
+              <a:rPr lang="tr-TR" dirty="0"/>
               <a:t> </a:t>
             </a:r>
             <a:r>
-              <a:rPr lang="tr-TR" dirty="0" err="1" smtClean="0"/>
+              <a:rPr lang="tr-TR" dirty="0" err="1"/>
               <a:t>Width</a:t>
             </a:r>
             <a:r>
-              <a:rPr lang="tr-TR" dirty="0" smtClean="0"/>
+              <a:rPr lang="tr-TR" dirty="0"/>
               <a:t> </a:t>
             </a:r>
             <a:r>
-              <a:rPr lang="tr-TR" dirty="0" err="1" smtClean="0"/>
+              <a:rPr lang="tr-TR" dirty="0" err="1"/>
               <a:t>Modulation</a:t>
             </a:r>
             <a:r>
-              <a:rPr lang="tr-TR" dirty="0" smtClean="0"/>
+              <a:rPr lang="tr-TR" dirty="0"/>
               <a:t>)</a:t>
             </a:r>
           </a:p>
@@ -7032,7 +7301,7 @@
               <a:buFont typeface="Arial" charset="0"/>
               <a:buChar char="•"/>
             </a:pPr>
-            <a:endParaRPr lang="tr-TR" dirty="0" smtClean="0"/>
+            <a:endParaRPr lang="tr-TR" dirty="0"/>
           </a:p>
           <a:p>
             <a:pPr marL="285750" indent="-285750">
@@ -7046,7 +7315,7 @@
               <a:buFont typeface="Arial" charset="0"/>
               <a:buChar char="•"/>
             </a:pPr>
-            <a:endParaRPr lang="tr-TR" dirty="0" smtClean="0"/>
+            <a:endParaRPr lang="tr-TR" dirty="0"/>
           </a:p>
           <a:p>
             <a:pPr marL="285750" indent="-285750">
@@ -7067,14 +7336,14 @@
               <a:buFont typeface="Arial" charset="0"/>
               <a:buChar char="•"/>
             </a:pPr>
-            <a:endParaRPr lang="tr-TR" dirty="0" smtClean="0"/>
+            <a:endParaRPr lang="tr-TR" dirty="0"/>
           </a:p>
           <a:p>
             <a:pPr marL="285750" indent="-285750">
               <a:buFont typeface="Arial" charset="0"/>
               <a:buChar char="•"/>
             </a:pPr>
-            <a:endParaRPr lang="tr-TR" dirty="0" smtClean="0"/>
+            <a:endParaRPr lang="tr-TR" dirty="0"/>
           </a:p>
           <a:p>
             <a:pPr marL="285750" indent="-285750">
@@ -7082,14 +7351,13 @@
               <a:buChar char="•"/>
             </a:pPr>
             <a:r>
-              <a:rPr lang="tr-TR" dirty="0" err="1" smtClean="0"/>
+              <a:rPr lang="tr-TR" dirty="0" err="1"/>
               <a:t>Voltage</a:t>
             </a:r>
             <a:r>
-              <a:rPr lang="tr-TR" dirty="0" smtClean="0"/>
+              <a:rPr lang="tr-TR" dirty="0"/>
               <a:t> Control</a:t>
             </a:r>
-            <a:endParaRPr lang="tr-TR" dirty="0"/>
           </a:p>
         </p:txBody>
       </p:sp>
@@ -7133,13 +7401,6 @@
   <p:clrMapOvr>
     <a:masterClrMapping/>
   </p:clrMapOvr>
-  <p:timing>
-    <p:tnLst>
-      <p:par>
-        <p:cTn id="1" dur="indefinite" restart="never" nodeType="tmRoot"/>
-      </p:par>
-    </p:tnLst>
-  </p:timing>
 </p:sld>
 </file>
 
@@ -7178,7 +7439,7 @@
           <a:lstStyle/>
           <a:p>
             <a:r>
-              <a:rPr lang="tr-TR" sz="5400" dirty="0" err="1" smtClean="0">
+              <a:rPr lang="tr-TR" sz="5400" dirty="0" err="1">
                 <a:latin typeface="Arial" charset="0"/>
                 <a:ea typeface="Arial" charset="0"/>
                 <a:cs typeface="Arial" charset="0"/>
@@ -7186,18 +7447,13 @@
               <a:t>Sensors</a:t>
             </a:r>
             <a:r>
-              <a:rPr lang="tr-TR" sz="5400" dirty="0" smtClean="0">
+              <a:rPr lang="tr-TR" sz="5400" dirty="0">
                 <a:latin typeface="Arial" charset="0"/>
                 <a:ea typeface="Arial" charset="0"/>
                 <a:cs typeface="Arial" charset="0"/>
               </a:rPr>
               <a:t> </a:t>
             </a:r>
-            <a:endParaRPr lang="tr-TR" sz="5400" dirty="0">
-              <a:latin typeface="Arial" charset="0"/>
-              <a:ea typeface="Arial" charset="0"/>
-              <a:cs typeface="Arial" charset="0"/>
-            </a:endParaRPr>
           </a:p>
         </p:txBody>
       </p:sp>
@@ -7222,7 +7478,7 @@
           <a:lstStyle/>
           <a:p>
             <a:r>
-              <a:rPr lang="tr-TR" dirty="0" err="1" smtClean="0">
+              <a:rPr lang="tr-TR" dirty="0" err="1">
                 <a:latin typeface="Arial" charset="0"/>
                 <a:ea typeface="Arial" charset="0"/>
                 <a:cs typeface="Arial" charset="0"/>
@@ -7230,7 +7486,7 @@
               <a:t>Ultrasonic</a:t>
             </a:r>
             <a:r>
-              <a:rPr lang="tr-TR" dirty="0" smtClean="0">
+              <a:rPr lang="tr-TR" dirty="0">
                 <a:latin typeface="Arial" charset="0"/>
                 <a:ea typeface="Arial" charset="0"/>
                 <a:cs typeface="Arial" charset="0"/>
@@ -7247,7 +7503,7 @@
           </a:p>
           <a:p>
             <a:r>
-              <a:rPr lang="tr-TR" dirty="0" err="1" smtClean="0">
+              <a:rPr lang="tr-TR" dirty="0" err="1">
                 <a:latin typeface="Arial" charset="0"/>
                 <a:ea typeface="Arial" charset="0"/>
                 <a:cs typeface="Arial" charset="0"/>
@@ -7255,7 +7511,7 @@
               <a:t>Infrared</a:t>
             </a:r>
             <a:r>
-              <a:rPr lang="tr-TR" dirty="0" smtClean="0">
+              <a:rPr lang="tr-TR" dirty="0">
                 <a:latin typeface="Arial" charset="0"/>
                 <a:ea typeface="Arial" charset="0"/>
                 <a:cs typeface="Arial" charset="0"/>
@@ -7272,7 +7528,7 @@
           </a:p>
           <a:p>
             <a:r>
-              <a:rPr lang="tr-TR" dirty="0" err="1" smtClean="0">
+              <a:rPr lang="tr-TR" dirty="0" err="1">
                 <a:latin typeface="Arial" charset="0"/>
                 <a:ea typeface="Arial" charset="0"/>
                 <a:cs typeface="Arial" charset="0"/>
@@ -7297,13 +7553,6 @@
   <p:clrMapOvr>
     <a:masterClrMapping/>
   </p:clrMapOvr>
-  <p:timing>
-    <p:tnLst>
-      <p:par>
-        <p:cTn id="1" dur="indefinite" restart="never" nodeType="tmRoot"/>
-      </p:par>
-    </p:tnLst>
-  </p:timing>
 </p:sld>
 </file>
 
@@ -7342,7 +7591,7 @@
           <a:lstStyle/>
           <a:p>
             <a:r>
-              <a:rPr lang="tr-TR" sz="5400" dirty="0" err="1" smtClean="0">
+              <a:rPr lang="tr-TR" sz="5400" dirty="0" err="1">
                 <a:latin typeface="Arial" charset="0"/>
                 <a:ea typeface="Arial" charset="0"/>
                 <a:cs typeface="Arial" charset="0"/>
@@ -7350,18 +7599,13 @@
               <a:t>Decision</a:t>
             </a:r>
             <a:r>
-              <a:rPr lang="tr-TR" sz="5400" dirty="0" smtClean="0">
+              <a:rPr lang="tr-TR" sz="5400" dirty="0">
                 <a:latin typeface="Arial" charset="0"/>
                 <a:ea typeface="Arial" charset="0"/>
                 <a:cs typeface="Arial" charset="0"/>
               </a:rPr>
               <a:t> &amp; Control</a:t>
             </a:r>
-            <a:endParaRPr lang="tr-TR" sz="5400" dirty="0">
-              <a:latin typeface="Arial" charset="0"/>
-              <a:ea typeface="Arial" charset="0"/>
-              <a:cs typeface="Arial" charset="0"/>
-            </a:endParaRPr>
           </a:p>
         </p:txBody>
       </p:sp>
@@ -7386,7 +7630,7 @@
           <a:lstStyle/>
           <a:p>
             <a:r>
-              <a:rPr lang="tr-TR" dirty="0" smtClean="0">
+              <a:rPr lang="tr-TR" dirty="0">
                 <a:latin typeface="Arial" charset="0"/>
                 <a:ea typeface="Arial" charset="0"/>
                 <a:cs typeface="Arial" charset="0"/>
@@ -7394,7 +7638,7 @@
               <a:t>Image </a:t>
             </a:r>
             <a:r>
-              <a:rPr lang="tr-TR" dirty="0" err="1" smtClean="0">
+              <a:rPr lang="tr-TR" dirty="0" err="1">
                 <a:latin typeface="Arial" charset="0"/>
                 <a:ea typeface="Arial" charset="0"/>
                 <a:cs typeface="Arial" charset="0"/>
@@ -7402,7 +7646,7 @@
               <a:t>processing</a:t>
             </a:r>
             <a:r>
-              <a:rPr lang="tr-TR" dirty="0" smtClean="0">
+              <a:rPr lang="tr-TR" dirty="0">
                 <a:latin typeface="Arial" charset="0"/>
                 <a:ea typeface="Arial" charset="0"/>
                 <a:cs typeface="Arial" charset="0"/>
@@ -7419,7 +7663,7 @@
           </a:p>
           <a:p>
             <a:r>
-              <a:rPr lang="tr-TR" dirty="0" err="1" smtClean="0">
+              <a:rPr lang="tr-TR" dirty="0" err="1">
                 <a:latin typeface="Arial" charset="0"/>
                 <a:ea typeface="Arial" charset="0"/>
                 <a:cs typeface="Arial" charset="0"/>
@@ -7427,7 +7671,7 @@
               <a:t>Hall</a:t>
             </a:r>
             <a:r>
-              <a:rPr lang="tr-TR" dirty="0" smtClean="0">
+              <a:rPr lang="tr-TR" dirty="0">
                 <a:latin typeface="Arial" charset="0"/>
                 <a:ea typeface="Arial" charset="0"/>
                 <a:cs typeface="Arial" charset="0"/>
@@ -7435,7 +7679,7 @@
               <a:t> </a:t>
             </a:r>
             <a:r>
-              <a:rPr lang="tr-TR" dirty="0" err="1" smtClean="0">
+              <a:rPr lang="tr-TR" dirty="0" err="1">
                 <a:latin typeface="Arial" charset="0"/>
                 <a:ea typeface="Arial" charset="0"/>
                 <a:cs typeface="Arial" charset="0"/>
@@ -7443,18 +7687,13 @@
               <a:t>Effect</a:t>
             </a:r>
             <a:r>
-              <a:rPr lang="tr-TR" dirty="0" smtClean="0">
+              <a:rPr lang="tr-TR" dirty="0">
                 <a:latin typeface="Arial" charset="0"/>
                 <a:ea typeface="Arial" charset="0"/>
                 <a:cs typeface="Arial" charset="0"/>
               </a:rPr>
               <a:t> Sensor</a:t>
             </a:r>
-            <a:endParaRPr lang="tr-TR" dirty="0">
-              <a:latin typeface="Arial" charset="0"/>
-              <a:ea typeface="Arial" charset="0"/>
-              <a:cs typeface="Arial" charset="0"/>
-            </a:endParaRPr>
           </a:p>
         </p:txBody>
       </p:sp>
@@ -7468,13 +7707,6 @@
   <p:clrMapOvr>
     <a:masterClrMapping/>
   </p:clrMapOvr>
-  <p:timing>
-    <p:tnLst>
-      <p:par>
-        <p:cTn id="1" dur="indefinite" restart="never" nodeType="tmRoot"/>
-      </p:par>
-    </p:tnLst>
-  </p:timing>
 </p:sld>
 </file>
 
@@ -7518,7 +7750,7 @@
           <a:lstStyle/>
           <a:p>
             <a:r>
-              <a:rPr lang="tr-TR" sz="5400" dirty="0" err="1" smtClean="0">
+              <a:rPr lang="tr-TR" sz="5400" dirty="0" err="1">
                 <a:latin typeface="Arial" charset="0"/>
                 <a:ea typeface="Arial" charset="0"/>
                 <a:cs typeface="Arial" charset="0"/>
@@ -7565,22 +7797,50 @@
             </a:pPr>
             <a:r>
               <a:rPr lang="tr-TR" dirty="0"/>
+              <a:t>  </a:t>
+            </a:r>
+            <a:r>
+              <a:rPr lang="tr-TR" dirty="0" err="1">
+                <a:latin typeface="Arial" charset="0"/>
+                <a:ea typeface="Arial" charset="0"/>
+                <a:cs typeface="Arial" charset="0"/>
+              </a:rPr>
+              <a:t>We</a:t>
+            </a:r>
+            <a:r>
+              <a:rPr lang="tr-TR" dirty="0">
+                <a:latin typeface="Arial" charset="0"/>
+                <a:ea typeface="Arial" charset="0"/>
+                <a:cs typeface="Arial" charset="0"/>
+              </a:rPr>
               <a:t> </a:t>
             </a:r>
             <a:r>
-              <a:rPr lang="tr-TR" dirty="0" smtClean="0"/>
+              <a:rPr lang="tr-TR" dirty="0" err="1">
+                <a:latin typeface="Arial" charset="0"/>
+                <a:ea typeface="Arial" charset="0"/>
+                <a:cs typeface="Arial" charset="0"/>
+              </a:rPr>
+              <a:t>hope</a:t>
+            </a:r>
+            <a:r>
+              <a:rPr lang="tr-TR" dirty="0">
+                <a:latin typeface="Arial" charset="0"/>
+                <a:ea typeface="Arial" charset="0"/>
+                <a:cs typeface="Arial" charset="0"/>
+              </a:rPr>
               <a:t> </a:t>
             </a:r>
             <a:r>
-              <a:rPr lang="tr-TR" dirty="0" err="1" smtClean="0">
-                <a:latin typeface="Arial" charset="0"/>
-                <a:ea typeface="Arial" charset="0"/>
-                <a:cs typeface="Arial" charset="0"/>
-              </a:rPr>
-              <a:t>We</a:t>
-            </a:r>
-            <a:r>
-              <a:rPr lang="tr-TR" dirty="0" smtClean="0">
+              <a:rPr lang="tr-TR" dirty="0" err="1">
+                <a:latin typeface="Arial" charset="0"/>
+                <a:ea typeface="Arial" charset="0"/>
+                <a:cs typeface="Arial" charset="0"/>
+              </a:rPr>
+              <a:t>that</a:t>
+            </a:r>
+            <a:r>
+              <a:rPr lang="tr-TR" dirty="0">
                 <a:latin typeface="Arial" charset="0"/>
                 <a:ea typeface="Arial" charset="0"/>
                 <a:cs typeface="Arial" charset="0"/>
@@ -7588,15 +7848,31 @@
               <a:t> </a:t>
             </a:r>
             <a:r>
-              <a:rPr lang="tr-TR" dirty="0" err="1" smtClean="0">
-                <a:latin typeface="Arial" charset="0"/>
-                <a:ea typeface="Arial" charset="0"/>
-                <a:cs typeface="Arial" charset="0"/>
-              </a:rPr>
-              <a:t>hope</a:t>
-            </a:r>
-            <a:r>
-              <a:rPr lang="tr-TR" dirty="0" smtClean="0">
+              <a:rPr lang="tr-TR" dirty="0" err="1">
+                <a:latin typeface="Arial" charset="0"/>
+                <a:ea typeface="Arial" charset="0"/>
+                <a:cs typeface="Arial" charset="0"/>
+              </a:rPr>
+              <a:t>the</a:t>
+            </a:r>
+            <a:r>
+              <a:rPr lang="tr-TR" dirty="0">
+                <a:latin typeface="Arial" charset="0"/>
+                <a:ea typeface="Arial" charset="0"/>
+                <a:cs typeface="Arial" charset="0"/>
+              </a:rPr>
+              <a:t> X-</a:t>
+            </a:r>
+            <a:r>
+              <a:rPr lang="tr-TR" dirty="0" err="1">
+                <a:latin typeface="Arial" charset="0"/>
+                <a:ea typeface="Arial" charset="0"/>
+                <a:cs typeface="Arial" charset="0"/>
+              </a:rPr>
+              <a:t>Cali</a:t>
+            </a:r>
+            <a:r>
+              <a:rPr lang="tr-TR" dirty="0">
                 <a:latin typeface="Arial" charset="0"/>
                 <a:ea typeface="Arial" charset="0"/>
                 <a:cs typeface="Arial" charset="0"/>
@@ -7604,15 +7880,15 @@
               <a:t> </a:t>
             </a:r>
             <a:r>
-              <a:rPr lang="tr-TR" dirty="0" err="1" smtClean="0">
-                <a:latin typeface="Arial" charset="0"/>
-                <a:ea typeface="Arial" charset="0"/>
-                <a:cs typeface="Arial" charset="0"/>
-              </a:rPr>
-              <a:t>that</a:t>
-            </a:r>
-            <a:r>
-              <a:rPr lang="tr-TR" dirty="0" smtClean="0">
+              <a:rPr lang="tr-TR" dirty="0" err="1">
+                <a:latin typeface="Arial" charset="0"/>
+                <a:ea typeface="Arial" charset="0"/>
+                <a:cs typeface="Arial" charset="0"/>
+              </a:rPr>
+              <a:t>Company</a:t>
+            </a:r>
+            <a:r>
+              <a:rPr lang="tr-TR" dirty="0">
                 <a:latin typeface="Arial" charset="0"/>
                 <a:ea typeface="Arial" charset="0"/>
                 <a:cs typeface="Arial" charset="0"/>
@@ -7625,6 +7901,134 @@
                 <a:ea typeface="Arial" charset="0"/>
                 <a:cs typeface="Arial" charset="0"/>
               </a:rPr>
+              <a:t>will</a:t>
+            </a:r>
+            <a:r>
+              <a:rPr lang="tr-TR" dirty="0">
+                <a:latin typeface="Arial" charset="0"/>
+                <a:ea typeface="Arial" charset="0"/>
+                <a:cs typeface="Arial" charset="0"/>
+              </a:rPr>
+              <a:t> be a </a:t>
+            </a:r>
+            <a:r>
+              <a:rPr lang="tr-TR" dirty="0" err="1">
+                <a:latin typeface="Arial" charset="0"/>
+                <a:ea typeface="Arial" charset="0"/>
+                <a:cs typeface="Arial" charset="0"/>
+              </a:rPr>
+              <a:t>brand</a:t>
+            </a:r>
+            <a:r>
+              <a:rPr lang="tr-TR" dirty="0">
+                <a:latin typeface="Arial" charset="0"/>
+                <a:ea typeface="Arial" charset="0"/>
+                <a:cs typeface="Arial" charset="0"/>
+              </a:rPr>
+              <a:t> </a:t>
+            </a:r>
+            <a:r>
+              <a:rPr lang="tr-TR" dirty="0" err="1">
+                <a:latin typeface="Arial" charset="0"/>
+                <a:ea typeface="Arial" charset="0"/>
+                <a:cs typeface="Arial" charset="0"/>
+              </a:rPr>
+              <a:t>new</a:t>
+            </a:r>
+            <a:r>
+              <a:rPr lang="tr-TR" dirty="0">
+                <a:latin typeface="Arial" charset="0"/>
+                <a:ea typeface="Arial" charset="0"/>
+                <a:cs typeface="Arial" charset="0"/>
+              </a:rPr>
+              <a:t> </a:t>
+            </a:r>
+            <a:r>
+              <a:rPr lang="tr-TR" dirty="0" err="1">
+                <a:latin typeface="Arial" charset="0"/>
+                <a:ea typeface="Arial" charset="0"/>
+                <a:cs typeface="Arial" charset="0"/>
+              </a:rPr>
+              <a:t>and</a:t>
+            </a:r>
+            <a:r>
+              <a:rPr lang="tr-TR" dirty="0">
+                <a:latin typeface="Arial" charset="0"/>
+                <a:ea typeface="Arial" charset="0"/>
+                <a:cs typeface="Arial" charset="0"/>
+              </a:rPr>
+              <a:t> </a:t>
+            </a:r>
+            <a:r>
+              <a:rPr lang="tr-TR" dirty="0" err="1">
+                <a:latin typeface="Arial" charset="0"/>
+                <a:ea typeface="Arial" charset="0"/>
+                <a:cs typeface="Arial" charset="0"/>
+              </a:rPr>
+              <a:t>rapidly</a:t>
+            </a:r>
+            <a:r>
+              <a:rPr lang="tr-TR" dirty="0">
+                <a:latin typeface="Arial" charset="0"/>
+                <a:ea typeface="Arial" charset="0"/>
+                <a:cs typeface="Arial" charset="0"/>
+              </a:rPr>
+              <a:t> </a:t>
+            </a:r>
+            <a:r>
+              <a:rPr lang="tr-TR" dirty="0" err="1">
+                <a:latin typeface="Arial" charset="0"/>
+                <a:ea typeface="Arial" charset="0"/>
+                <a:cs typeface="Arial" charset="0"/>
+              </a:rPr>
+              <a:t>rising</a:t>
+            </a:r>
+            <a:r>
+              <a:rPr lang="tr-TR" dirty="0">
+                <a:latin typeface="Arial" charset="0"/>
+                <a:ea typeface="Arial" charset="0"/>
+                <a:cs typeface="Arial" charset="0"/>
+              </a:rPr>
+              <a:t> </a:t>
+            </a:r>
+            <a:r>
+              <a:rPr lang="tr-TR" dirty="0" err="1">
+                <a:latin typeface="Arial" charset="0"/>
+                <a:ea typeface="Arial" charset="0"/>
+                <a:cs typeface="Arial" charset="0"/>
+              </a:rPr>
+              <a:t>brand</a:t>
+            </a:r>
+            <a:r>
+              <a:rPr lang="tr-TR" dirty="0">
+                <a:latin typeface="Arial" charset="0"/>
+                <a:ea typeface="Arial" charset="0"/>
+                <a:cs typeface="Arial" charset="0"/>
+              </a:rPr>
+              <a:t> in </a:t>
+            </a:r>
+            <a:r>
+              <a:rPr lang="tr-TR" dirty="0" err="1">
+                <a:latin typeface="Arial" charset="0"/>
+                <a:ea typeface="Arial" charset="0"/>
+                <a:cs typeface="Arial" charset="0"/>
+              </a:rPr>
+              <a:t>this</a:t>
+            </a:r>
+            <a:r>
+              <a:rPr lang="tr-TR" dirty="0">
+                <a:latin typeface="Arial" charset="0"/>
+                <a:ea typeface="Arial" charset="0"/>
+                <a:cs typeface="Arial" charset="0"/>
+              </a:rPr>
+              <a:t> market at </a:t>
+            </a:r>
+            <a:r>
+              <a:rPr lang="tr-TR" dirty="0" err="1">
+                <a:latin typeface="Arial" charset="0"/>
+                <a:ea typeface="Arial" charset="0"/>
+                <a:cs typeface="Arial" charset="0"/>
+              </a:rPr>
               <a:t>the</a:t>
             </a:r>
             <a:r>
@@ -7633,7 +8037,7 @@
                 <a:ea typeface="Arial" charset="0"/>
                 <a:cs typeface="Arial" charset="0"/>
               </a:rPr>
-              <a:t> X-</a:t>
+              <a:t> </a:t>
             </a:r>
             <a:r>
               <a:rPr lang="tr-TR" dirty="0" err="1">
@@ -7641,7 +8045,7 @@
                 <a:ea typeface="Arial" charset="0"/>
                 <a:cs typeface="Arial" charset="0"/>
               </a:rPr>
-              <a:t>Cali</a:t>
+              <a:t>end</a:t>
             </a:r>
             <a:r>
               <a:rPr lang="tr-TR" dirty="0">
@@ -7649,6 +8053,22 @@
                 <a:ea typeface="Arial" charset="0"/>
                 <a:cs typeface="Arial" charset="0"/>
               </a:rPr>
+              <a:t> of </a:t>
+            </a:r>
+            <a:r>
+              <a:rPr lang="tr-TR" dirty="0" err="1">
+                <a:latin typeface="Arial" charset="0"/>
+                <a:ea typeface="Arial" charset="0"/>
+                <a:cs typeface="Arial" charset="0"/>
+              </a:rPr>
+              <a:t>this</a:t>
+            </a:r>
+            <a:r>
+              <a:rPr lang="tr-TR" dirty="0">
+                <a:latin typeface="Arial" charset="0"/>
+                <a:ea typeface="Arial" charset="0"/>
+                <a:cs typeface="Arial" charset="0"/>
+              </a:rPr>
               <a:t> </a:t>
             </a:r>
             <a:r>
@@ -7657,7 +8077,7 @@
                 <a:ea typeface="Arial" charset="0"/>
                 <a:cs typeface="Arial" charset="0"/>
               </a:rPr>
-              <a:t>Company</a:t>
+              <a:t>project</a:t>
             </a:r>
             <a:r>
               <a:rPr lang="tr-TR" dirty="0">
@@ -7665,205 +8085,8 @@
                 <a:ea typeface="Arial" charset="0"/>
                 <a:cs typeface="Arial" charset="0"/>
               </a:rPr>
-              <a:t> </a:t>
-            </a:r>
-            <a:r>
-              <a:rPr lang="tr-TR" dirty="0" err="1">
-                <a:latin typeface="Arial" charset="0"/>
-                <a:ea typeface="Arial" charset="0"/>
-                <a:cs typeface="Arial" charset="0"/>
-              </a:rPr>
-              <a:t>will</a:t>
-            </a:r>
-            <a:r>
-              <a:rPr lang="tr-TR" dirty="0">
-                <a:latin typeface="Arial" charset="0"/>
-                <a:ea typeface="Arial" charset="0"/>
-                <a:cs typeface="Arial" charset="0"/>
-              </a:rPr>
-              <a:t> be a </a:t>
-            </a:r>
-            <a:r>
-              <a:rPr lang="tr-TR" dirty="0" err="1">
-                <a:latin typeface="Arial" charset="0"/>
-                <a:ea typeface="Arial" charset="0"/>
-                <a:cs typeface="Arial" charset="0"/>
-              </a:rPr>
-              <a:t>brand</a:t>
-            </a:r>
-            <a:r>
-              <a:rPr lang="tr-TR" dirty="0">
-                <a:latin typeface="Arial" charset="0"/>
-                <a:ea typeface="Arial" charset="0"/>
-                <a:cs typeface="Arial" charset="0"/>
-              </a:rPr>
-              <a:t> </a:t>
-            </a:r>
-            <a:r>
-              <a:rPr lang="tr-TR" dirty="0" err="1">
-                <a:latin typeface="Arial" charset="0"/>
-                <a:ea typeface="Arial" charset="0"/>
-                <a:cs typeface="Arial" charset="0"/>
-              </a:rPr>
-              <a:t>new</a:t>
-            </a:r>
-            <a:r>
-              <a:rPr lang="tr-TR" dirty="0">
-                <a:latin typeface="Arial" charset="0"/>
-                <a:ea typeface="Arial" charset="0"/>
-                <a:cs typeface="Arial" charset="0"/>
-              </a:rPr>
-              <a:t> </a:t>
-            </a:r>
-            <a:r>
-              <a:rPr lang="tr-TR" dirty="0" err="1">
-                <a:latin typeface="Arial" charset="0"/>
-                <a:ea typeface="Arial" charset="0"/>
-                <a:cs typeface="Arial" charset="0"/>
-              </a:rPr>
-              <a:t>and</a:t>
-            </a:r>
-            <a:r>
-              <a:rPr lang="tr-TR" dirty="0">
-                <a:latin typeface="Arial" charset="0"/>
-                <a:ea typeface="Arial" charset="0"/>
-                <a:cs typeface="Arial" charset="0"/>
-              </a:rPr>
-              <a:t> </a:t>
-            </a:r>
-            <a:r>
-              <a:rPr lang="tr-TR" dirty="0" err="1">
-                <a:latin typeface="Arial" charset="0"/>
-                <a:ea typeface="Arial" charset="0"/>
-                <a:cs typeface="Arial" charset="0"/>
-              </a:rPr>
-              <a:t>rapidly</a:t>
-            </a:r>
-            <a:r>
-              <a:rPr lang="tr-TR" dirty="0">
-                <a:latin typeface="Arial" charset="0"/>
-                <a:ea typeface="Arial" charset="0"/>
-                <a:cs typeface="Arial" charset="0"/>
-              </a:rPr>
-              <a:t> </a:t>
-            </a:r>
-            <a:r>
-              <a:rPr lang="tr-TR" dirty="0" err="1">
-                <a:latin typeface="Arial" charset="0"/>
-                <a:ea typeface="Arial" charset="0"/>
-                <a:cs typeface="Arial" charset="0"/>
-              </a:rPr>
-              <a:t>rising</a:t>
-            </a:r>
-            <a:r>
-              <a:rPr lang="tr-TR" dirty="0">
-                <a:latin typeface="Arial" charset="0"/>
-                <a:ea typeface="Arial" charset="0"/>
-                <a:cs typeface="Arial" charset="0"/>
-              </a:rPr>
-              <a:t> </a:t>
-            </a:r>
-            <a:r>
-              <a:rPr lang="tr-TR" dirty="0" err="1">
-                <a:latin typeface="Arial" charset="0"/>
-                <a:ea typeface="Arial" charset="0"/>
-                <a:cs typeface="Arial" charset="0"/>
-              </a:rPr>
-              <a:t>brand</a:t>
-            </a:r>
-            <a:r>
-              <a:rPr lang="tr-TR" dirty="0">
-                <a:latin typeface="Arial" charset="0"/>
-                <a:ea typeface="Arial" charset="0"/>
-                <a:cs typeface="Arial" charset="0"/>
-              </a:rPr>
-              <a:t> in </a:t>
-            </a:r>
-            <a:r>
-              <a:rPr lang="tr-TR" dirty="0" err="1">
-                <a:latin typeface="Arial" charset="0"/>
-                <a:ea typeface="Arial" charset="0"/>
-                <a:cs typeface="Arial" charset="0"/>
-              </a:rPr>
-              <a:t>this</a:t>
-            </a:r>
-            <a:r>
-              <a:rPr lang="tr-TR" dirty="0">
-                <a:latin typeface="Arial" charset="0"/>
-                <a:ea typeface="Arial" charset="0"/>
-                <a:cs typeface="Arial" charset="0"/>
-              </a:rPr>
-              <a:t> market at </a:t>
-            </a:r>
-            <a:r>
-              <a:rPr lang="tr-TR" dirty="0" err="1">
-                <a:latin typeface="Arial" charset="0"/>
-                <a:ea typeface="Arial" charset="0"/>
-                <a:cs typeface="Arial" charset="0"/>
-              </a:rPr>
-              <a:t>the</a:t>
-            </a:r>
-            <a:r>
-              <a:rPr lang="tr-TR" dirty="0">
-                <a:latin typeface="Arial" charset="0"/>
-                <a:ea typeface="Arial" charset="0"/>
-                <a:cs typeface="Arial" charset="0"/>
-              </a:rPr>
-              <a:t> </a:t>
-            </a:r>
-            <a:r>
-              <a:rPr lang="tr-TR" dirty="0" err="1">
-                <a:latin typeface="Arial" charset="0"/>
-                <a:ea typeface="Arial" charset="0"/>
-                <a:cs typeface="Arial" charset="0"/>
-              </a:rPr>
-              <a:t>end</a:t>
-            </a:r>
-            <a:r>
-              <a:rPr lang="tr-TR" dirty="0">
-                <a:latin typeface="Arial" charset="0"/>
-                <a:ea typeface="Arial" charset="0"/>
-                <a:cs typeface="Arial" charset="0"/>
-              </a:rPr>
-              <a:t> of </a:t>
-            </a:r>
-            <a:r>
-              <a:rPr lang="tr-TR" dirty="0" err="1">
-                <a:latin typeface="Arial" charset="0"/>
-                <a:ea typeface="Arial" charset="0"/>
-                <a:cs typeface="Arial" charset="0"/>
-              </a:rPr>
-              <a:t>this</a:t>
-            </a:r>
-            <a:r>
-              <a:rPr lang="tr-TR" dirty="0">
-                <a:latin typeface="Arial" charset="0"/>
-                <a:ea typeface="Arial" charset="0"/>
-                <a:cs typeface="Arial" charset="0"/>
-              </a:rPr>
-              <a:t> </a:t>
-            </a:r>
-            <a:r>
-              <a:rPr lang="tr-TR" dirty="0" err="1">
-                <a:latin typeface="Arial" charset="0"/>
-                <a:ea typeface="Arial" charset="0"/>
-                <a:cs typeface="Arial" charset="0"/>
-              </a:rPr>
-              <a:t>project</a:t>
-            </a:r>
-            <a:r>
-              <a:rPr lang="tr-TR" dirty="0">
-                <a:latin typeface="Arial" charset="0"/>
-                <a:ea typeface="Arial" charset="0"/>
-                <a:cs typeface="Arial" charset="0"/>
-              </a:rPr>
               <a:t>. </a:t>
             </a:r>
-            <a:endParaRPr lang="tr-TR" dirty="0" smtClean="0">
-              <a:latin typeface="Arial" charset="0"/>
-              <a:ea typeface="Arial" charset="0"/>
-              <a:cs typeface="Arial" charset="0"/>
-            </a:endParaRPr>
           </a:p>
           <a:p>
             <a:pPr marL="0" marR="0" lvl="0" indent="0" defTabSz="914400" eaLnBrk="1" fontAlgn="auto" latinLnBrk="0" hangingPunct="1">
@@ -7897,13 +8120,6 @@
   <p:clrMapOvr>
     <a:masterClrMapping/>
   </p:clrMapOvr>
-  <p:timing>
-    <p:tnLst>
-      <p:par>
-        <p:cTn id="1" dur="indefinite" restart="never" nodeType="tmRoot"/>
-      </p:par>
-    </p:tnLst>
-  </p:timing>
 </p:sld>
 </file>
 
@@ -8054,13 +8270,6 @@
   <p:clrMapOvr>
     <a:masterClrMapping/>
   </p:clrMapOvr>
-  <p:timing>
-    <p:tnLst>
-      <p:par>
-        <p:cTn id="1" dur="indefinite" restart="never" nodeType="tmRoot"/>
-      </p:par>
-    </p:tnLst>
-  </p:timing>
 </p:sld>
 </file>
 
@@ -8125,13 +8334,13 @@
           <a:lstStyle/>
           <a:p>
             <a:r>
-              <a:rPr lang="tr-TR" dirty="0" smtClean="0"/>
+              <a:rPr lang="tr-TR" dirty="0"/>
               <a:t>U-Turn -&gt; Determine</a:t>
             </a:r>
           </a:p>
           <a:p>
             <a:r>
-              <a:rPr lang="tr-TR" dirty="0" smtClean="0"/>
+              <a:rPr lang="tr-TR" dirty="0"/>
               <a:t>Burayı düzenle</a:t>
             </a:r>
           </a:p>
@@ -8147,13 +8356,6 @@
   <p:clrMapOvr>
     <a:masterClrMapping/>
   </p:clrMapOvr>
-  <p:timing>
-    <p:tnLst>
-      <p:par>
-        <p:cTn id="1" dur="indefinite" restart="never" nodeType="tmRoot"/>
-      </p:par>
-    </p:tnLst>
-  </p:timing>
 </p:sld>
 </file>
 
@@ -8223,10 +8425,9 @@
           <a:lstStyle/>
           <a:p>
             <a:r>
-              <a:rPr lang="tr-TR" dirty="0" smtClean="0"/>
+              <a:rPr lang="tr-TR" dirty="0"/>
               <a:t>Burayı da</a:t>
             </a:r>
-            <a:endParaRPr lang="tr-TR" dirty="0"/>
           </a:p>
         </p:txBody>
       </p:sp>
@@ -8240,13 +8441,6 @@
   <p:clrMapOvr>
     <a:masterClrMapping/>
   </p:clrMapOvr>
-  <p:timing>
-    <p:tnLst>
-      <p:par>
-        <p:cTn id="1" dur="indefinite" restart="never" nodeType="tmRoot"/>
-      </p:par>
-    </p:tnLst>
-  </p:timing>
 </p:sld>
 </file>
 
@@ -8347,13 +8541,6 @@
   <p:clrMapOvr>
     <a:masterClrMapping/>
   </p:clrMapOvr>
-  <p:timing>
-    <p:tnLst>
-      <p:par>
-        <p:cTn id="1" dur="indefinite" restart="never" nodeType="tmRoot"/>
-      </p:par>
-    </p:tnLst>
-  </p:timing>
 </p:sld>
 </file>
 
@@ -8534,13 +8721,6 @@
   <p:clrMapOvr>
     <a:masterClrMapping/>
   </p:clrMapOvr>
-  <p:timing>
-    <p:tnLst>
-      <p:par>
-        <p:cTn id="1" dur="indefinite" restart="never" nodeType="tmRoot"/>
-      </p:par>
-    </p:tnLst>
-  </p:timing>
 </p:sld>
 </file>
 
@@ -8726,13 +8906,6 @@
   <p:clrMapOvr>
     <a:masterClrMapping/>
   </p:clrMapOvr>
-  <p:timing>
-    <p:tnLst>
-      <p:par>
-        <p:cTn id="1" dur="indefinite" restart="never" nodeType="tmRoot"/>
-      </p:par>
-    </p:tnLst>
-  </p:timing>
 </p:sld>
 </file>
 

--- a/sunum_/Birleştirilmiş.pptx
+++ b/sunum_/Birleştirilmiş.pptx
@@ -10,34 +10,35 @@
     <p:sldId id="258" r:id="rId4"/>
     <p:sldId id="259" r:id="rId5"/>
     <p:sldId id="260" r:id="rId6"/>
-    <p:sldId id="261" r:id="rId7"/>
+    <p:sldId id="290" r:id="rId7"/>
     <p:sldId id="262" r:id="rId8"/>
-    <p:sldId id="263" r:id="rId9"/>
-    <p:sldId id="264" r:id="rId10"/>
-    <p:sldId id="265" r:id="rId11"/>
-    <p:sldId id="266" r:id="rId12"/>
-    <p:sldId id="267" r:id="rId13"/>
-    <p:sldId id="268" r:id="rId14"/>
-    <p:sldId id="269" r:id="rId15"/>
-    <p:sldId id="270" r:id="rId16"/>
-    <p:sldId id="271" r:id="rId17"/>
-    <p:sldId id="272" r:id="rId18"/>
-    <p:sldId id="273" r:id="rId19"/>
-    <p:sldId id="274" r:id="rId20"/>
-    <p:sldId id="275" r:id="rId21"/>
-    <p:sldId id="277" r:id="rId22"/>
-    <p:sldId id="278" r:id="rId23"/>
-    <p:sldId id="279" r:id="rId24"/>
-    <p:sldId id="289" r:id="rId25"/>
-    <p:sldId id="280" r:id="rId26"/>
-    <p:sldId id="281" r:id="rId27"/>
-    <p:sldId id="282" r:id="rId28"/>
-    <p:sldId id="283" r:id="rId29"/>
-    <p:sldId id="284" r:id="rId30"/>
-    <p:sldId id="285" r:id="rId31"/>
-    <p:sldId id="286" r:id="rId32"/>
-    <p:sldId id="287" r:id="rId33"/>
-    <p:sldId id="288" r:id="rId34"/>
+    <p:sldId id="291" r:id="rId9"/>
+    <p:sldId id="263" r:id="rId10"/>
+    <p:sldId id="264" r:id="rId11"/>
+    <p:sldId id="265" r:id="rId12"/>
+    <p:sldId id="266" r:id="rId13"/>
+    <p:sldId id="267" r:id="rId14"/>
+    <p:sldId id="268" r:id="rId15"/>
+    <p:sldId id="269" r:id="rId16"/>
+    <p:sldId id="270" r:id="rId17"/>
+    <p:sldId id="271" r:id="rId18"/>
+    <p:sldId id="272" r:id="rId19"/>
+    <p:sldId id="273" r:id="rId20"/>
+    <p:sldId id="274" r:id="rId21"/>
+    <p:sldId id="275" r:id="rId22"/>
+    <p:sldId id="277" r:id="rId23"/>
+    <p:sldId id="278" r:id="rId24"/>
+    <p:sldId id="279" r:id="rId25"/>
+    <p:sldId id="289" r:id="rId26"/>
+    <p:sldId id="280" r:id="rId27"/>
+    <p:sldId id="281" r:id="rId28"/>
+    <p:sldId id="282" r:id="rId29"/>
+    <p:sldId id="283" r:id="rId30"/>
+    <p:sldId id="284" r:id="rId31"/>
+    <p:sldId id="285" r:id="rId32"/>
+    <p:sldId id="286" r:id="rId33"/>
+    <p:sldId id="287" r:id="rId34"/>
+    <p:sldId id="288" r:id="rId35"/>
   </p:sldIdLst>
   <p:sldSz cx="12192000" cy="6858000"/>
   <p:notesSz cx="6858000" cy="9144000"/>
@@ -3181,6 +3182,191 @@
         </p:nvGrpSpPr>
         <p:grpSpPr>
           <a:xfrm>
+            <a:off x="3559680" y="1737360"/>
+            <a:ext cx="5133600" cy="5133600"/>
+            <a:chOff x="2674620" y="0"/>
+            <a:chExt cx="2023745" cy="1653540"/>
+          </a:xfrm>
+        </p:grpSpPr>
+        <p:pic>
+          <p:nvPicPr>
+            <p:cNvPr id="6" name="Picture 5">
+              <a:extLst>
+                <a:ext uri="{FF2B5EF4-FFF2-40B4-BE49-F238E27FC236}">
+                  <a16:creationId xmlns:a16="http://schemas.microsoft.com/office/drawing/2014/main" id="{D4D3145C-69C2-46DF-AFEB-C2A4C2F7D655}"/>
+                </a:ext>
+              </a:extLst>
+            </p:cNvPr>
+            <p:cNvPicPr>
+              <a:picLocks noChangeAspect="1"/>
+            </p:cNvPicPr>
+            <p:nvPr/>
+          </p:nvPicPr>
+          <p:blipFill>
+            <a:blip r:embed="rId2" cstate="print">
+              <a:extLst>
+                <a:ext uri="{28A0092B-C50C-407E-A947-70E740481C1C}">
+                  <a14:useLocalDpi xmlns:a14="http://schemas.microsoft.com/office/drawing/2010/main" val="0"/>
+                </a:ext>
+              </a:extLst>
+            </a:blip>
+            <a:stretch>
+              <a:fillRect/>
+            </a:stretch>
+          </p:blipFill>
+          <p:spPr>
+            <a:xfrm>
+              <a:off x="2674620" y="0"/>
+              <a:ext cx="2023745" cy="1424305"/>
+            </a:xfrm>
+            <a:prstGeom prst="rect">
+              <a:avLst/>
+            </a:prstGeom>
+          </p:spPr>
+        </p:pic>
+        <p:sp>
+          <p:nvSpPr>
+            <p:cNvPr id="11" name="Metin Kutusu 2">
+              <a:extLst>
+                <a:ext uri="{FF2B5EF4-FFF2-40B4-BE49-F238E27FC236}">
+                  <a16:creationId xmlns:a16="http://schemas.microsoft.com/office/drawing/2014/main" id="{6D075ECC-2E32-4DE4-824B-21659A4648E3}"/>
+                </a:ext>
+              </a:extLst>
+            </p:cNvPr>
+            <p:cNvSpPr txBox="1">
+              <a:spLocks noChangeArrowheads="1"/>
+            </p:cNvSpPr>
+            <p:nvPr/>
+          </p:nvSpPr>
+          <p:spPr bwMode="auto">
+            <a:xfrm>
+              <a:off x="2964180" y="1341120"/>
+              <a:ext cx="1280160" cy="312420"/>
+            </a:xfrm>
+            <a:prstGeom prst="rect">
+              <a:avLst/>
+            </a:prstGeom>
+            <a:noFill/>
+            <a:ln w="9525">
+              <a:noFill/>
+              <a:miter lim="800000"/>
+              <a:headEnd/>
+              <a:tailEnd/>
+            </a:ln>
+          </p:spPr>
+          <p:txBody>
+            <a:bodyPr rot="0" vert="horz" wrap="square" lIns="91440" tIns="45720" rIns="91440" bIns="45720" anchor="t" anchorCtr="0">
+              <a:noAutofit/>
+            </a:bodyPr>
+            <a:lstStyle/>
+            <a:p>
+              <a:pPr algn="ctr">
+                <a:lnSpc>
+                  <a:spcPct val="150000"/>
+                </a:lnSpc>
+                <a:spcBef>
+                  <a:spcPts val="600"/>
+                </a:spcBef>
+                <a:spcAft>
+                  <a:spcPts val="800"/>
+                </a:spcAft>
+              </a:pPr>
+              <a:r>
+                <a:rPr lang="tr-TR" sz="1200">
+                  <a:effectLst/>
+                  <a:latin typeface="Times New Roman" panose="02020603050405020304" pitchFamily="18" charset="0"/>
+                  <a:ea typeface="Calibri" panose="020F0502020204030204" pitchFamily="34" charset="0"/>
+                  <a:cs typeface="Arial" panose="020B0604020202020204" pitchFamily="34" charset="0"/>
+                </a:rPr>
+                <a:t>(II)</a:t>
+              </a:r>
+              <a:endParaRPr lang="tr-TR" sz="1200">
+                <a:effectLst/>
+                <a:latin typeface="Cambria" panose="02040503050406030204" pitchFamily="18" charset="0"/>
+                <a:ea typeface="Calibri" panose="020F0502020204030204" pitchFamily="34" charset="0"/>
+                <a:cs typeface="Arial" panose="020B0604020202020204" pitchFamily="34" charset="0"/>
+              </a:endParaRPr>
+            </a:p>
+          </p:txBody>
+        </p:sp>
+      </p:grpSp>
+      <p:sp>
+        <p:nvSpPr>
+          <p:cNvPr id="15" name="Title 14">
+            <a:extLst>
+              <a:ext uri="{FF2B5EF4-FFF2-40B4-BE49-F238E27FC236}">
+                <a16:creationId xmlns:a16="http://schemas.microsoft.com/office/drawing/2014/main" id="{6BE5BDFB-827B-46CD-AA00-2637285343C3}"/>
+              </a:ext>
+            </a:extLst>
+          </p:cNvPr>
+          <p:cNvSpPr>
+            <a:spLocks noGrp="1"/>
+          </p:cNvSpPr>
+          <p:nvPr>
+            <p:ph type="title"/>
+          </p:nvPr>
+        </p:nvSpPr>
+        <p:spPr>
+          <a:xfrm>
+            <a:off x="1097280" y="286603"/>
+            <a:ext cx="10058400" cy="1450757"/>
+          </a:xfrm>
+        </p:spPr>
+        <p:txBody>
+          <a:bodyPr/>
+          <a:lstStyle/>
+          <a:p>
+            <a:r>
+              <a:rPr lang="tr-TR" dirty="0"/>
+              <a:t>U-Turn Example</a:t>
+            </a:r>
+          </a:p>
+        </p:txBody>
+      </p:sp>
+    </p:spTree>
+    <p:extLst>
+      <p:ext uri="{BB962C8B-B14F-4D97-AF65-F5344CB8AC3E}">
+        <p14:creationId xmlns:p14="http://schemas.microsoft.com/office/powerpoint/2010/main" val="4291739657"/>
+      </p:ext>
+    </p:extLst>
+  </p:cSld>
+  <p:clrMapOvr>
+    <a:masterClrMapping/>
+  </p:clrMapOvr>
+</p:sld>
+</file>
+
+<file path=ppt/slides/slide11.xml><?xml version="1.0" encoding="utf-8"?>
+<p:sld xmlns:a="http://schemas.openxmlformats.org/drawingml/2006/main" xmlns:r="http://schemas.openxmlformats.org/officeDocument/2006/relationships" xmlns:p="http://schemas.openxmlformats.org/presentationml/2006/main">
+  <p:cSld>
+    <p:spTree>
+      <p:nvGrpSpPr>
+        <p:cNvPr id="1" name=""/>
+        <p:cNvGrpSpPr/>
+        <p:nvPr/>
+      </p:nvGrpSpPr>
+      <p:grpSpPr>
+        <a:xfrm>
+          <a:off x="0" y="0"/>
+          <a:ext cx="0" cy="0"/>
+          <a:chOff x="0" y="0"/>
+          <a:chExt cx="0" cy="0"/>
+        </a:xfrm>
+      </p:grpSpPr>
+      <p:grpSp>
+        <p:nvGrpSpPr>
+          <p:cNvPr id="4" name="Grup 10">
+            <a:extLst>
+              <a:ext uri="{FF2B5EF4-FFF2-40B4-BE49-F238E27FC236}">
+                <a16:creationId xmlns:a16="http://schemas.microsoft.com/office/drawing/2014/main" id="{ECE4917F-C85A-4DE2-8A58-E6F2955E5948}"/>
+              </a:ext>
+            </a:extLst>
+          </p:cNvPr>
+          <p:cNvGrpSpPr/>
+          <p:nvPr/>
+        </p:nvGrpSpPr>
+        <p:grpSpPr>
+          <a:xfrm>
             <a:off x="3559680" y="1724400"/>
             <a:ext cx="5133600" cy="5133600"/>
             <a:chOff x="15240" y="1562100"/>
@@ -3335,7 +3521,7 @@
 </p:sld>
 </file>
 
-<file path=ppt/slides/slide11.xml><?xml version="1.0" encoding="utf-8"?>
+<file path=ppt/slides/slide12.xml><?xml version="1.0" encoding="utf-8"?>
 <p:sld xmlns:a="http://schemas.openxmlformats.org/drawingml/2006/main" xmlns:r="http://schemas.openxmlformats.org/officeDocument/2006/relationships" xmlns:p="http://schemas.openxmlformats.org/presentationml/2006/main">
   <p:cSld>
     <p:spTree>
@@ -3520,7 +3706,7 @@
 </p:sld>
 </file>
 
-<file path=ppt/slides/slide12.xml><?xml version="1.0" encoding="utf-8"?>
+<file path=ppt/slides/slide13.xml><?xml version="1.0" encoding="utf-8"?>
 <p:sld xmlns:a="http://schemas.openxmlformats.org/drawingml/2006/main" xmlns:r="http://schemas.openxmlformats.org/officeDocument/2006/relationships" xmlns:p="http://schemas.openxmlformats.org/presentationml/2006/main">
   <p:cSld>
     <p:spTree>
@@ -3705,99 +3891,6 @@
 </p:sld>
 </file>
 
-<file path=ppt/slides/slide13.xml><?xml version="1.0" encoding="utf-8"?>
-<p:sld xmlns:a="http://schemas.openxmlformats.org/drawingml/2006/main" xmlns:r="http://schemas.openxmlformats.org/officeDocument/2006/relationships" xmlns:p="http://schemas.openxmlformats.org/presentationml/2006/main">
-  <p:cSld>
-    <p:spTree>
-      <p:nvGrpSpPr>
-        <p:cNvPr id="1" name=""/>
-        <p:cNvGrpSpPr/>
-        <p:nvPr/>
-      </p:nvGrpSpPr>
-      <p:grpSpPr>
-        <a:xfrm>
-          <a:off x="0" y="0"/>
-          <a:ext cx="0" cy="0"/>
-          <a:chOff x="0" y="0"/>
-          <a:chExt cx="0" cy="0"/>
-        </a:xfrm>
-      </p:grpSpPr>
-      <p:sp>
-        <p:nvSpPr>
-          <p:cNvPr id="2" name="Title 1">
-            <a:extLst>
-              <a:ext uri="{FF2B5EF4-FFF2-40B4-BE49-F238E27FC236}">
-                <a16:creationId xmlns:a16="http://schemas.microsoft.com/office/drawing/2014/main" id="{D99C6CD6-B596-4490-B759-9781E5E0CE57}"/>
-              </a:ext>
-            </a:extLst>
-          </p:cNvPr>
-          <p:cNvSpPr>
-            <a:spLocks noGrp="1"/>
-          </p:cNvSpPr>
-          <p:nvPr>
-            <p:ph type="title"/>
-          </p:nvPr>
-        </p:nvSpPr>
-        <p:spPr/>
-        <p:txBody>
-          <a:bodyPr/>
-          <a:lstStyle/>
-          <a:p>
-            <a:r>
-              <a:rPr lang="tr-TR" dirty="0"/>
-              <a:t>No Communication!</a:t>
-            </a:r>
-          </a:p>
-        </p:txBody>
-      </p:sp>
-      <p:pic>
-        <p:nvPicPr>
-          <p:cNvPr id="10" name="Content Placeholder 9">
-            <a:extLst>
-              <a:ext uri="{FF2B5EF4-FFF2-40B4-BE49-F238E27FC236}">
-                <a16:creationId xmlns:a16="http://schemas.microsoft.com/office/drawing/2014/main" id="{70EA85D9-0958-4E36-9C56-BEF5DAC6A556}"/>
-              </a:ext>
-            </a:extLst>
-          </p:cNvPr>
-          <p:cNvPicPr>
-            <a:picLocks noGrp="1" noChangeAspect="1"/>
-          </p:cNvPicPr>
-          <p:nvPr>
-            <p:ph idx="1"/>
-          </p:nvPr>
-        </p:nvPicPr>
-        <p:blipFill>
-          <a:blip r:embed="rId2">
-            <a:extLst>
-              <a:ext uri="{28A0092B-C50C-407E-A947-70E740481C1C}">
-                <a14:useLocalDpi xmlns:a14="http://schemas.microsoft.com/office/drawing/2010/main" val="0"/>
-              </a:ext>
-            </a:extLst>
-          </a:blip>
-          <a:stretch>
-            <a:fillRect/>
-          </a:stretch>
-        </p:blipFill>
-        <p:spPr>
-          <a:xfrm>
-            <a:off x="4115117" y="2039016"/>
-            <a:ext cx="4022725" cy="4022725"/>
-          </a:xfrm>
-        </p:spPr>
-      </p:pic>
-    </p:spTree>
-    <p:extLst>
-      <p:ext uri="{BB962C8B-B14F-4D97-AF65-F5344CB8AC3E}">
-        <p14:creationId xmlns:p14="http://schemas.microsoft.com/office/powerpoint/2010/main" val="1225114971"/>
-      </p:ext>
-    </p:extLst>
-  </p:cSld>
-  <p:clrMapOvr>
-    <a:masterClrMapping/>
-  </p:clrMapOvr>
-</p:sld>
-</file>
-
 <file path=ppt/slides/slide14.xml><?xml version="1.0" encoding="utf-8"?>
 <p:sld xmlns:a="http://schemas.openxmlformats.org/drawingml/2006/main" xmlns:r="http://schemas.openxmlformats.org/officeDocument/2006/relationships" xmlns:p="http://schemas.openxmlformats.org/presentationml/2006/main">
   <p:cSld>
@@ -3817,6 +3910,86 @@
       </p:grpSpPr>
       <p:sp>
         <p:nvSpPr>
+          <p:cNvPr id="4" name="Title 3">
+            <a:extLst>
+              <a:ext uri="{FF2B5EF4-FFF2-40B4-BE49-F238E27FC236}">
+                <a16:creationId xmlns:a16="http://schemas.microsoft.com/office/drawing/2014/main" id="{9CEF16A9-51AB-45B4-90CE-75B10851F223}"/>
+              </a:ext>
+            </a:extLst>
+          </p:cNvPr>
+          <p:cNvSpPr>
+            <a:spLocks noGrp="1"/>
+          </p:cNvSpPr>
+          <p:nvPr>
+            <p:ph type="title"/>
+          </p:nvPr>
+        </p:nvSpPr>
+        <p:spPr/>
+        <p:txBody>
+          <a:bodyPr/>
+          <a:lstStyle/>
+          <a:p>
+            <a:endParaRPr lang="tr-TR" dirty="0"/>
+          </a:p>
+        </p:txBody>
+      </p:sp>
+      <p:sp>
+        <p:nvSpPr>
+          <p:cNvPr id="6" name="Content Placeholder 5">
+            <a:extLst>
+              <a:ext uri="{FF2B5EF4-FFF2-40B4-BE49-F238E27FC236}">
+                <a16:creationId xmlns:a16="http://schemas.microsoft.com/office/drawing/2014/main" id="{07D486C8-9A51-4227-8167-3E207811D8AD}"/>
+              </a:ext>
+            </a:extLst>
+          </p:cNvPr>
+          <p:cNvSpPr>
+            <a:spLocks noGrp="1"/>
+          </p:cNvSpPr>
+          <p:nvPr>
+            <p:ph idx="1"/>
+          </p:nvPr>
+        </p:nvSpPr>
+        <p:spPr/>
+        <p:txBody>
+          <a:bodyPr/>
+          <a:lstStyle/>
+          <a:p>
+            <a:endParaRPr lang="tr-TR"/>
+          </a:p>
+        </p:txBody>
+      </p:sp>
+    </p:spTree>
+    <p:extLst>
+      <p:ext uri="{BB962C8B-B14F-4D97-AF65-F5344CB8AC3E}">
+        <p14:creationId xmlns:p14="http://schemas.microsoft.com/office/powerpoint/2010/main" val="1225114971"/>
+      </p:ext>
+    </p:extLst>
+  </p:cSld>
+  <p:clrMapOvr>
+    <a:masterClrMapping/>
+  </p:clrMapOvr>
+</p:sld>
+</file>
+
+<file path=ppt/slides/slide15.xml><?xml version="1.0" encoding="utf-8"?>
+<p:sld xmlns:a="http://schemas.openxmlformats.org/drawingml/2006/main" xmlns:r="http://schemas.openxmlformats.org/officeDocument/2006/relationships" xmlns:p="http://schemas.openxmlformats.org/presentationml/2006/main">
+  <p:cSld>
+    <p:spTree>
+      <p:nvGrpSpPr>
+        <p:cNvPr id="1" name=""/>
+        <p:cNvGrpSpPr/>
+        <p:nvPr/>
+      </p:nvGrpSpPr>
+      <p:grpSpPr>
+        <a:xfrm>
+          <a:off x="0" y="0"/>
+          <a:ext cx="0" cy="0"/>
+          <a:chOff x="0" y="0"/>
+          <a:chExt cx="0" cy="0"/>
+        </a:xfrm>
+      </p:grpSpPr>
+      <p:sp>
+        <p:nvSpPr>
           <p:cNvPr id="2" name="Unvan 1"/>
           <p:cNvSpPr>
             <a:spLocks noGrp="1"/>
@@ -3954,7 +4127,7 @@
 </p:sld>
 </file>
 
-<file path=ppt/slides/slide15.xml><?xml version="1.0" encoding="utf-8"?>
+<file path=ppt/slides/slide16.xml><?xml version="1.0" encoding="utf-8"?>
 <p:sld xmlns:a="http://schemas.openxmlformats.org/drawingml/2006/main" xmlns:r="http://schemas.openxmlformats.org/officeDocument/2006/relationships" xmlns:p="http://schemas.openxmlformats.org/presentationml/2006/main">
   <p:cSld>
     <p:spTree>
@@ -4285,7 +4458,7 @@
 </p:sld>
 </file>
 
-<file path=ppt/slides/slide16.xml><?xml version="1.0" encoding="utf-8"?>
+<file path=ppt/slides/slide17.xml><?xml version="1.0" encoding="utf-8"?>
 <p:sld xmlns:a="http://schemas.openxmlformats.org/drawingml/2006/main" xmlns:r="http://schemas.openxmlformats.org/officeDocument/2006/relationships" xmlns:p="http://schemas.openxmlformats.org/presentationml/2006/main">
   <p:cSld>
     <p:spTree>
@@ -4464,7 +4637,7 @@
 </p:sld>
 </file>
 
-<file path=ppt/slides/slide17.xml><?xml version="1.0" encoding="utf-8"?>
+<file path=ppt/slides/slide18.xml><?xml version="1.0" encoding="utf-8"?>
 <p:sld xmlns:a="http://schemas.openxmlformats.org/drawingml/2006/main" xmlns:r="http://schemas.openxmlformats.org/officeDocument/2006/relationships" xmlns:p="http://schemas.openxmlformats.org/presentationml/2006/main">
   <p:cSld>
     <p:spTree>
@@ -4715,7 +4888,7 @@
 </p:sld>
 </file>
 
-<file path=ppt/slides/slide18.xml><?xml version="1.0" encoding="utf-8"?>
+<file path=ppt/slides/slide19.xml><?xml version="1.0" encoding="utf-8"?>
 <p:sld xmlns:a="http://schemas.openxmlformats.org/drawingml/2006/main" xmlns:r="http://schemas.openxmlformats.org/officeDocument/2006/relationships" xmlns:p="http://schemas.openxmlformats.org/presentationml/2006/main">
   <p:cSld>
     <p:spTree>
@@ -4809,116 +4982,6 @@
 </p:sld>
 </file>
 
-<file path=ppt/slides/slide19.xml><?xml version="1.0" encoding="utf-8"?>
-<p:sld xmlns:a="http://schemas.openxmlformats.org/drawingml/2006/main" xmlns:r="http://schemas.openxmlformats.org/officeDocument/2006/relationships" xmlns:p="http://schemas.openxmlformats.org/presentationml/2006/main">
-  <p:cSld>
-    <p:spTree>
-      <p:nvGrpSpPr>
-        <p:cNvPr id="1" name=""/>
-        <p:cNvGrpSpPr/>
-        <p:nvPr/>
-      </p:nvGrpSpPr>
-      <p:grpSpPr>
-        <a:xfrm>
-          <a:off x="0" y="0"/>
-          <a:ext cx="0" cy="0"/>
-          <a:chOff x="0" y="0"/>
-          <a:chExt cx="0" cy="0"/>
-        </a:xfrm>
-      </p:grpSpPr>
-      <p:sp>
-        <p:nvSpPr>
-          <p:cNvPr id="2" name="Unvan 1"/>
-          <p:cNvSpPr>
-            <a:spLocks noGrp="1"/>
-          </p:cNvSpPr>
-          <p:nvPr>
-            <p:ph type="title"/>
-          </p:nvPr>
-        </p:nvSpPr>
-        <p:spPr/>
-        <p:txBody>
-          <a:bodyPr/>
-          <a:lstStyle/>
-          <a:p>
-            <a:endParaRPr lang="en-US"/>
-          </a:p>
-        </p:txBody>
-      </p:sp>
-      <p:sp>
-        <p:nvSpPr>
-          <p:cNvPr id="3" name="İçerik Yer Tutucusu 2"/>
-          <p:cNvSpPr>
-            <a:spLocks noGrp="1"/>
-          </p:cNvSpPr>
-          <p:nvPr>
-            <p:ph idx="1"/>
-          </p:nvPr>
-        </p:nvSpPr>
-        <p:spPr/>
-        <p:txBody>
-          <a:bodyPr/>
-          <a:lstStyle/>
-          <a:p>
-            <a:r>
-              <a:rPr lang="tr-TR" strike="sngStrike" dirty="0" err="1"/>
-              <a:t>Plank</a:t>
-            </a:r>
-            <a:r>
-              <a:rPr lang="tr-TR" strike="sngStrike" dirty="0"/>
-              <a:t> </a:t>
-            </a:r>
-            <a:r>
-              <a:rPr lang="tr-TR" strike="sngStrike" dirty="0" err="1"/>
-              <a:t>Detection</a:t>
-            </a:r>
-            <a:endParaRPr lang="tr-TR" strike="sngStrike" dirty="0"/>
-          </a:p>
-          <a:p>
-            <a:r>
-              <a:rPr lang="tr-TR" strike="sngStrike" dirty="0" err="1"/>
-              <a:t>Binary</a:t>
-            </a:r>
-            <a:r>
-              <a:rPr lang="tr-TR" strike="sngStrike" dirty="0"/>
-              <a:t> </a:t>
-            </a:r>
-            <a:r>
-              <a:rPr lang="tr-TR" strike="sngStrike" dirty="0" err="1"/>
-              <a:t>Masking</a:t>
-            </a:r>
-            <a:endParaRPr lang="tr-TR" strike="sngStrike" dirty="0"/>
-          </a:p>
-          <a:p>
-            <a:r>
-              <a:rPr lang="tr-TR" strike="sngStrike" dirty="0" err="1"/>
-              <a:t>Angle</a:t>
-            </a:r>
-            <a:r>
-              <a:rPr lang="tr-TR" strike="sngStrike" dirty="0"/>
-              <a:t> </a:t>
-            </a:r>
-            <a:r>
-              <a:rPr lang="tr-TR" strike="sngStrike" dirty="0" err="1"/>
-              <a:t>Detection</a:t>
-            </a:r>
-            <a:endParaRPr lang="tr-TR" strike="sngStrike" dirty="0"/>
-          </a:p>
-        </p:txBody>
-      </p:sp>
-    </p:spTree>
-    <p:extLst>
-      <p:ext uri="{BB962C8B-B14F-4D97-AF65-F5344CB8AC3E}">
-        <p14:creationId xmlns:p14="http://schemas.microsoft.com/office/powerpoint/2010/main" val="2363609828"/>
-      </p:ext>
-    </p:extLst>
-  </p:cSld>
-  <p:clrMapOvr>
-    <a:masterClrMapping/>
-  </p:clrMapOvr>
-</p:sld>
-</file>
-
 <file path=ppt/slides/slide2.xml><?xml version="1.0" encoding="utf-8"?>
 <p:sld xmlns:a="http://schemas.openxmlformats.org/drawingml/2006/main" xmlns:r="http://schemas.openxmlformats.org/officeDocument/2006/relationships" xmlns:p="http://schemas.openxmlformats.org/presentationml/2006/main">
   <p:cSld>
@@ -4936,42 +4999,6 @@
           <a:chExt cx="0" cy="0"/>
         </a:xfrm>
       </p:grpSpPr>
-      <p:pic>
-        <p:nvPicPr>
-          <p:cNvPr id="7" name="Picture 6">
-            <a:extLst>
-              <a:ext uri="{FF2B5EF4-FFF2-40B4-BE49-F238E27FC236}">
-                <a16:creationId xmlns:a16="http://schemas.microsoft.com/office/drawing/2014/main" id="{BF06C2BC-F9C1-4F1E-A0AD-BB86DA7606BC}"/>
-              </a:ext>
-            </a:extLst>
-          </p:cNvPr>
-          <p:cNvPicPr>
-            <a:picLocks noChangeAspect="1"/>
-          </p:cNvPicPr>
-          <p:nvPr/>
-        </p:nvPicPr>
-        <p:blipFill>
-          <a:blip r:embed="rId2">
-            <a:extLst>
-              <a:ext uri="{28A0092B-C50C-407E-A947-70E740481C1C}">
-                <a14:useLocalDpi xmlns:a14="http://schemas.microsoft.com/office/drawing/2010/main" val="0"/>
-              </a:ext>
-            </a:extLst>
-          </a:blip>
-          <a:stretch>
-            <a:fillRect/>
-          </a:stretch>
-        </p:blipFill>
-        <p:spPr>
-          <a:xfrm>
-            <a:off x="3359022" y="1406590"/>
-            <a:ext cx="6883918" cy="3872204"/>
-          </a:xfrm>
-          <a:prstGeom prst="rect">
-            <a:avLst/>
-          </a:prstGeom>
-        </p:spPr>
-      </p:pic>
     </p:spTree>
     <p:extLst>
       <p:ext uri="{BB962C8B-B14F-4D97-AF65-F5344CB8AC3E}">
@@ -4986,6 +5013,116 @@
 </file>
 
 <file path=ppt/slides/slide20.xml><?xml version="1.0" encoding="utf-8"?>
+<p:sld xmlns:a="http://schemas.openxmlformats.org/drawingml/2006/main" xmlns:r="http://schemas.openxmlformats.org/officeDocument/2006/relationships" xmlns:p="http://schemas.openxmlformats.org/presentationml/2006/main">
+  <p:cSld>
+    <p:spTree>
+      <p:nvGrpSpPr>
+        <p:cNvPr id="1" name=""/>
+        <p:cNvGrpSpPr/>
+        <p:nvPr/>
+      </p:nvGrpSpPr>
+      <p:grpSpPr>
+        <a:xfrm>
+          <a:off x="0" y="0"/>
+          <a:ext cx="0" cy="0"/>
+          <a:chOff x="0" y="0"/>
+          <a:chExt cx="0" cy="0"/>
+        </a:xfrm>
+      </p:grpSpPr>
+      <p:sp>
+        <p:nvSpPr>
+          <p:cNvPr id="2" name="Unvan 1"/>
+          <p:cNvSpPr>
+            <a:spLocks noGrp="1"/>
+          </p:cNvSpPr>
+          <p:nvPr>
+            <p:ph type="title"/>
+          </p:nvPr>
+        </p:nvSpPr>
+        <p:spPr/>
+        <p:txBody>
+          <a:bodyPr/>
+          <a:lstStyle/>
+          <a:p>
+            <a:endParaRPr lang="en-US"/>
+          </a:p>
+        </p:txBody>
+      </p:sp>
+      <p:sp>
+        <p:nvSpPr>
+          <p:cNvPr id="3" name="İçerik Yer Tutucusu 2"/>
+          <p:cNvSpPr>
+            <a:spLocks noGrp="1"/>
+          </p:cNvSpPr>
+          <p:nvPr>
+            <p:ph idx="1"/>
+          </p:nvPr>
+        </p:nvSpPr>
+        <p:spPr/>
+        <p:txBody>
+          <a:bodyPr/>
+          <a:lstStyle/>
+          <a:p>
+            <a:r>
+              <a:rPr lang="tr-TR" strike="sngStrike" dirty="0" err="1"/>
+              <a:t>Plank</a:t>
+            </a:r>
+            <a:r>
+              <a:rPr lang="tr-TR" strike="sngStrike" dirty="0"/>
+              <a:t> </a:t>
+            </a:r>
+            <a:r>
+              <a:rPr lang="tr-TR" strike="sngStrike" dirty="0" err="1"/>
+              <a:t>Detection</a:t>
+            </a:r>
+            <a:endParaRPr lang="tr-TR" strike="sngStrike" dirty="0"/>
+          </a:p>
+          <a:p>
+            <a:r>
+              <a:rPr lang="tr-TR" strike="sngStrike" dirty="0" err="1"/>
+              <a:t>Binary</a:t>
+            </a:r>
+            <a:r>
+              <a:rPr lang="tr-TR" strike="sngStrike" dirty="0"/>
+              <a:t> </a:t>
+            </a:r>
+            <a:r>
+              <a:rPr lang="tr-TR" strike="sngStrike" dirty="0" err="1"/>
+              <a:t>Masking</a:t>
+            </a:r>
+            <a:endParaRPr lang="tr-TR" strike="sngStrike" dirty="0"/>
+          </a:p>
+          <a:p>
+            <a:r>
+              <a:rPr lang="tr-TR" strike="sngStrike" dirty="0" err="1"/>
+              <a:t>Angle</a:t>
+            </a:r>
+            <a:r>
+              <a:rPr lang="tr-TR" strike="sngStrike" dirty="0"/>
+              <a:t> </a:t>
+            </a:r>
+            <a:r>
+              <a:rPr lang="tr-TR" strike="sngStrike" dirty="0" err="1"/>
+              <a:t>Detection</a:t>
+            </a:r>
+            <a:endParaRPr lang="tr-TR" strike="sngStrike" dirty="0"/>
+          </a:p>
+        </p:txBody>
+      </p:sp>
+    </p:spTree>
+    <p:extLst>
+      <p:ext uri="{BB962C8B-B14F-4D97-AF65-F5344CB8AC3E}">
+        <p14:creationId xmlns:p14="http://schemas.microsoft.com/office/powerpoint/2010/main" val="2363609828"/>
+      </p:ext>
+    </p:extLst>
+  </p:cSld>
+  <p:clrMapOvr>
+    <a:masterClrMapping/>
+  </p:clrMapOvr>
+</p:sld>
+</file>
+
+<file path=ppt/slides/slide21.xml><?xml version="1.0" encoding="utf-8"?>
 <p:sld xmlns:a="http://schemas.openxmlformats.org/drawingml/2006/main" xmlns:r="http://schemas.openxmlformats.org/officeDocument/2006/relationships" xmlns:p="http://schemas.openxmlformats.org/presentationml/2006/main">
   <p:cSld>
     <p:spTree>
@@ -5100,7 +5237,7 @@
 </p:sld>
 </file>
 
-<file path=ppt/slides/slide21.xml><?xml version="1.0" encoding="utf-8"?>
+<file path=ppt/slides/slide22.xml><?xml version="1.0" encoding="utf-8"?>
 <p:sld xmlns:a="http://schemas.openxmlformats.org/drawingml/2006/main" xmlns:r="http://schemas.openxmlformats.org/officeDocument/2006/relationships" xmlns:p="http://schemas.openxmlformats.org/presentationml/2006/main">
   <p:cSld>
     <p:spTree>
@@ -5455,7 +5592,7 @@
 </p:sld>
 </file>
 
-<file path=ppt/slides/slide22.xml><?xml version="1.0" encoding="utf-8"?>
+<file path=ppt/slides/slide23.xml><?xml version="1.0" encoding="utf-8"?>
 <p:sld xmlns:a="http://schemas.openxmlformats.org/drawingml/2006/main" xmlns:r="http://schemas.openxmlformats.org/officeDocument/2006/relationships" xmlns:p="http://schemas.openxmlformats.org/presentationml/2006/main">
   <p:cSld>
     <p:spTree>
@@ -5583,7 +5720,7 @@
 </p:sld>
 </file>
 
-<file path=ppt/slides/slide23.xml><?xml version="1.0" encoding="utf-8"?>
+<file path=ppt/slides/slide24.xml><?xml version="1.0" encoding="utf-8"?>
 <p:sld xmlns:a="http://schemas.openxmlformats.org/drawingml/2006/main" xmlns:r="http://schemas.openxmlformats.org/officeDocument/2006/relationships" xmlns:p="http://schemas.openxmlformats.org/presentationml/2006/main">
   <p:cSld>
     <p:spTree>
@@ -5676,7 +5813,7 @@
 </p:sld>
 </file>
 
-<file path=ppt/slides/slide24.xml><?xml version="1.0" encoding="utf-8"?>
+<file path=ppt/slides/slide25.xml><?xml version="1.0" encoding="utf-8"?>
 <p:sld xmlns:a="http://schemas.openxmlformats.org/drawingml/2006/main" xmlns:r="http://schemas.openxmlformats.org/officeDocument/2006/relationships" xmlns:p="http://schemas.openxmlformats.org/presentationml/2006/main">
   <p:cSld>
     <p:spTree>
@@ -5971,7 +6108,7 @@
 </p:sld>
 </file>
 
-<file path=ppt/slides/slide25.xml><?xml version="1.0" encoding="utf-8"?>
+<file path=ppt/slides/slide26.xml><?xml version="1.0" encoding="utf-8"?>
 <p:sld xmlns:a="http://schemas.openxmlformats.org/drawingml/2006/main" xmlns:r="http://schemas.openxmlformats.org/officeDocument/2006/relationships" xmlns:p="http://schemas.openxmlformats.org/presentationml/2006/main">
   <p:cSld>
     <p:spTree>
@@ -6064,7 +6201,7 @@
 </p:sld>
 </file>
 
-<file path=ppt/slides/slide26.xml><?xml version="1.0" encoding="utf-8"?>
+<file path=ppt/slides/slide27.xml><?xml version="1.0" encoding="utf-8"?>
 <p:sld xmlns:a="http://schemas.openxmlformats.org/drawingml/2006/main" xmlns:r="http://schemas.openxmlformats.org/officeDocument/2006/relationships" xmlns:p="http://schemas.openxmlformats.org/presentationml/2006/main">
   <p:cSld>
     <p:spTree>
@@ -6268,305 +6405,6 @@
     <p:extLst>
       <p:ext uri="{BB962C8B-B14F-4D97-AF65-F5344CB8AC3E}">
         <p14:creationId xmlns:p14="http://schemas.microsoft.com/office/powerpoint/2010/main" val="3839070888"/>
-      </p:ext>
-    </p:extLst>
-  </p:cSld>
-  <p:clrMapOvr>
-    <a:masterClrMapping/>
-  </p:clrMapOvr>
-</p:sld>
-</file>
-
-<file path=ppt/slides/slide27.xml><?xml version="1.0" encoding="utf-8"?>
-<p:sld xmlns:a="http://schemas.openxmlformats.org/drawingml/2006/main" xmlns:r="http://schemas.openxmlformats.org/officeDocument/2006/relationships" xmlns:p="http://schemas.openxmlformats.org/presentationml/2006/main">
-  <p:cSld>
-    <p:spTree>
-      <p:nvGrpSpPr>
-        <p:cNvPr id="1" name=""/>
-        <p:cNvGrpSpPr/>
-        <p:nvPr/>
-      </p:nvGrpSpPr>
-      <p:grpSpPr>
-        <a:xfrm>
-          <a:off x="0" y="0"/>
-          <a:ext cx="0" cy="0"/>
-          <a:chOff x="0" y="0"/>
-          <a:chExt cx="0" cy="0"/>
-        </a:xfrm>
-      </p:grpSpPr>
-      <p:sp>
-        <p:nvSpPr>
-          <p:cNvPr id="2" name="Başlık 1"/>
-          <p:cNvSpPr>
-            <a:spLocks noGrp="1"/>
-          </p:cNvSpPr>
-          <p:nvPr>
-            <p:ph type="title"/>
-          </p:nvPr>
-        </p:nvSpPr>
-        <p:spPr/>
-        <p:txBody>
-          <a:bodyPr>
-            <a:normAutofit/>
-          </a:bodyPr>
-          <a:lstStyle/>
-          <a:p>
-            <a:r>
-              <a:rPr lang="tr-TR" sz="5400" dirty="0">
-                <a:latin typeface="Arial" charset="0"/>
-                <a:ea typeface="Arial" charset="0"/>
-                <a:cs typeface="Arial" charset="0"/>
-              </a:rPr>
-              <a:t>Test </a:t>
-            </a:r>
-            <a:r>
-              <a:rPr lang="tr-TR" sz="5400" dirty="0" err="1">
-                <a:latin typeface="Arial" charset="0"/>
-                <a:ea typeface="Arial" charset="0"/>
-                <a:cs typeface="Arial" charset="0"/>
-              </a:rPr>
-              <a:t>Plans</a:t>
-            </a:r>
-            <a:endParaRPr lang="tr-TR" sz="5400" dirty="0">
-              <a:latin typeface="Arial" charset="0"/>
-              <a:ea typeface="Arial" charset="0"/>
-              <a:cs typeface="Arial" charset="0"/>
-            </a:endParaRPr>
-          </a:p>
-        </p:txBody>
-      </p:sp>
-      <p:sp>
-        <p:nvSpPr>
-          <p:cNvPr id="4" name="Metin kutusu 3"/>
-          <p:cNvSpPr txBox="1"/>
-          <p:nvPr/>
-        </p:nvSpPr>
-        <p:spPr>
-          <a:xfrm>
-            <a:off x="838200" y="2079439"/>
-            <a:ext cx="7813432" cy="2954655"/>
-          </a:xfrm>
-          <a:prstGeom prst="rect">
-            <a:avLst/>
-          </a:prstGeom>
-          <a:noFill/>
-        </p:spPr>
-        <p:txBody>
-          <a:bodyPr wrap="square" rtlCol="0">
-            <a:spAutoFit/>
-          </a:bodyPr>
-          <a:lstStyle/>
-          <a:p>
-            <a:pPr marL="285750" indent="-285750">
-              <a:buFont typeface="Arial" charset="0"/>
-              <a:buChar char="•"/>
-            </a:pPr>
-            <a:r>
-              <a:rPr lang="tr-TR" sz="2400" dirty="0" err="1">
-                <a:latin typeface="Arial" charset="0"/>
-                <a:ea typeface="Arial" charset="0"/>
-                <a:cs typeface="Arial" charset="0"/>
-              </a:rPr>
-              <a:t>Proximity</a:t>
-            </a:r>
-            <a:r>
-              <a:rPr lang="tr-TR" sz="2400" dirty="0">
-                <a:latin typeface="Arial" charset="0"/>
-                <a:ea typeface="Arial" charset="0"/>
-                <a:cs typeface="Arial" charset="0"/>
-              </a:rPr>
-              <a:t> Sensor </a:t>
-            </a:r>
-            <a:r>
-              <a:rPr lang="tr-TR" sz="2400" dirty="0" err="1">
-                <a:latin typeface="Arial" charset="0"/>
-                <a:ea typeface="Arial" charset="0"/>
-                <a:cs typeface="Arial" charset="0"/>
-              </a:rPr>
-              <a:t>Measurements</a:t>
-            </a:r>
-            <a:r>
-              <a:rPr lang="tr-TR" sz="2400" dirty="0">
-                <a:latin typeface="Arial" charset="0"/>
-                <a:ea typeface="Arial" charset="0"/>
-                <a:cs typeface="Arial" charset="0"/>
-              </a:rPr>
-              <a:t> </a:t>
-            </a:r>
-          </a:p>
-          <a:p>
-            <a:pPr marL="285750" indent="-285750">
-              <a:buFont typeface="Arial" charset="0"/>
-              <a:buChar char="•"/>
-            </a:pPr>
-            <a:endParaRPr lang="tr-TR" sz="2400" dirty="0">
-              <a:latin typeface="Arial" charset="0"/>
-              <a:ea typeface="Arial" charset="0"/>
-              <a:cs typeface="Arial" charset="0"/>
-            </a:endParaRPr>
-          </a:p>
-          <a:p>
-            <a:pPr marL="285750" indent="-285750">
-              <a:buFont typeface="Arial" charset="0"/>
-              <a:buChar char="•"/>
-            </a:pPr>
-            <a:endParaRPr lang="tr-TR" sz="2400" dirty="0">
-              <a:latin typeface="Arial" charset="0"/>
-              <a:ea typeface="Arial" charset="0"/>
-              <a:cs typeface="Arial" charset="0"/>
-            </a:endParaRPr>
-          </a:p>
-          <a:p>
-            <a:pPr marL="285750" indent="-285750">
-              <a:buFont typeface="Arial" charset="0"/>
-              <a:buChar char="•"/>
-            </a:pPr>
-            <a:r>
-              <a:rPr lang="tr-TR" sz="2400" dirty="0">
-                <a:latin typeface="Arial" charset="0"/>
-                <a:ea typeface="Arial" charset="0"/>
-                <a:cs typeface="Arial" charset="0"/>
-              </a:rPr>
-              <a:t>DC Motor </a:t>
-            </a:r>
-            <a:r>
-              <a:rPr lang="tr-TR" sz="2400" dirty="0" err="1">
-                <a:latin typeface="Arial" charset="0"/>
-                <a:ea typeface="Arial" charset="0"/>
-                <a:cs typeface="Arial" charset="0"/>
-              </a:rPr>
-              <a:t>Starting</a:t>
-            </a:r>
-            <a:r>
-              <a:rPr lang="tr-TR" sz="2400" dirty="0">
-                <a:latin typeface="Arial" charset="0"/>
-                <a:ea typeface="Arial" charset="0"/>
-                <a:cs typeface="Arial" charset="0"/>
-              </a:rPr>
-              <a:t> </a:t>
-            </a:r>
-            <a:r>
-              <a:rPr lang="tr-TR" sz="2400" dirty="0" err="1">
-                <a:latin typeface="Arial" charset="0"/>
-                <a:ea typeface="Arial" charset="0"/>
-                <a:cs typeface="Arial" charset="0"/>
-              </a:rPr>
-              <a:t>Current</a:t>
-            </a:r>
-            <a:r>
-              <a:rPr lang="tr-TR" sz="2400" dirty="0">
-                <a:latin typeface="Arial" charset="0"/>
-                <a:ea typeface="Arial" charset="0"/>
-                <a:cs typeface="Arial" charset="0"/>
-              </a:rPr>
-              <a:t> Test </a:t>
-            </a:r>
-          </a:p>
-          <a:p>
-            <a:pPr marL="285750" indent="-285750">
-              <a:buFont typeface="Arial" charset="0"/>
-              <a:buChar char="•"/>
-            </a:pPr>
-            <a:endParaRPr lang="tr-TR" sz="2400" dirty="0">
-              <a:latin typeface="Arial" charset="0"/>
-              <a:ea typeface="Arial" charset="0"/>
-              <a:cs typeface="Arial" charset="0"/>
-            </a:endParaRPr>
-          </a:p>
-          <a:p>
-            <a:pPr marL="285750" indent="-285750">
-              <a:buFont typeface="Arial" charset="0"/>
-              <a:buChar char="•"/>
-            </a:pPr>
-            <a:endParaRPr lang="tr-TR" sz="2400" dirty="0">
-              <a:latin typeface="Arial" charset="0"/>
-              <a:ea typeface="Arial" charset="0"/>
-              <a:cs typeface="Arial" charset="0"/>
-            </a:endParaRPr>
-          </a:p>
-          <a:p>
-            <a:pPr marL="285750" indent="-285750">
-              <a:buFont typeface="Arial" charset="0"/>
-              <a:buChar char="•"/>
-            </a:pPr>
-            <a:r>
-              <a:rPr lang="tr-TR" sz="2400" dirty="0" err="1">
-                <a:latin typeface="Arial" charset="0"/>
-                <a:ea typeface="Arial" charset="0"/>
-                <a:cs typeface="Arial" charset="0"/>
-              </a:rPr>
-              <a:t>Response</a:t>
-            </a:r>
-            <a:r>
-              <a:rPr lang="tr-TR" sz="2400" dirty="0">
-                <a:latin typeface="Arial" charset="0"/>
-                <a:ea typeface="Arial" charset="0"/>
-                <a:cs typeface="Arial" charset="0"/>
-              </a:rPr>
-              <a:t> Time </a:t>
-            </a:r>
-            <a:r>
-              <a:rPr lang="tr-TR" sz="2400" dirty="0" err="1">
-                <a:latin typeface="Arial" charset="0"/>
-                <a:ea typeface="Arial" charset="0"/>
-                <a:cs typeface="Arial" charset="0"/>
-              </a:rPr>
-              <a:t>and</a:t>
-            </a:r>
-            <a:r>
-              <a:rPr lang="tr-TR" sz="2400" dirty="0">
-                <a:latin typeface="Arial" charset="0"/>
-                <a:ea typeface="Arial" charset="0"/>
-                <a:cs typeface="Arial" charset="0"/>
-              </a:rPr>
-              <a:t> </a:t>
-            </a:r>
-            <a:r>
-              <a:rPr lang="tr-TR" sz="2400" dirty="0" err="1">
-                <a:latin typeface="Arial" charset="0"/>
-                <a:ea typeface="Arial" charset="0"/>
-                <a:cs typeface="Arial" charset="0"/>
-              </a:rPr>
-              <a:t>Turning</a:t>
-            </a:r>
-            <a:r>
-              <a:rPr lang="tr-TR" sz="2400" dirty="0">
-                <a:latin typeface="Arial" charset="0"/>
-                <a:ea typeface="Arial" charset="0"/>
-                <a:cs typeface="Arial" charset="0"/>
-              </a:rPr>
-              <a:t> </a:t>
-            </a:r>
-            <a:r>
-              <a:rPr lang="tr-TR" sz="2400" dirty="0" err="1">
-                <a:latin typeface="Arial" charset="0"/>
-                <a:ea typeface="Arial" charset="0"/>
-                <a:cs typeface="Arial" charset="0"/>
-              </a:rPr>
-              <a:t>Angle</a:t>
-            </a:r>
-            <a:r>
-              <a:rPr lang="tr-TR" sz="2400" dirty="0">
-                <a:latin typeface="Arial" charset="0"/>
-                <a:ea typeface="Arial" charset="0"/>
-                <a:cs typeface="Arial" charset="0"/>
-              </a:rPr>
-              <a:t> Test </a:t>
-            </a:r>
-          </a:p>
-          <a:p>
-            <a:pPr marL="285750" indent="-285750">
-              <a:buFont typeface="Arial" charset="0"/>
-              <a:buChar char="•"/>
-            </a:pPr>
-            <a:endParaRPr lang="tr-TR" dirty="0"/>
-          </a:p>
-        </p:txBody>
-      </p:sp>
-    </p:spTree>
-    <p:extLst>
-      <p:ext uri="{BB962C8B-B14F-4D97-AF65-F5344CB8AC3E}">
-        <p14:creationId xmlns:p14="http://schemas.microsoft.com/office/powerpoint/2010/main" val="2018204332"/>
       </p:ext>
     </p:extLst>
   </p:cSld>
@@ -6605,26 +6443,28 @@
         </p:nvSpPr>
         <p:spPr/>
         <p:txBody>
-          <a:bodyPr/>
+          <a:bodyPr>
+            <a:normAutofit/>
+          </a:bodyPr>
           <a:lstStyle/>
           <a:p>
             <a:r>
-              <a:rPr lang="tr-TR" dirty="0">
+              <a:rPr lang="tr-TR" sz="5400" dirty="0">
                 <a:latin typeface="Arial" charset="0"/>
                 <a:ea typeface="Arial" charset="0"/>
                 <a:cs typeface="Arial" charset="0"/>
               </a:rPr>
-              <a:t>Integration </a:t>
-            </a:r>
-            <a:r>
-              <a:rPr lang="tr-TR" dirty="0" err="1">
+              <a:t>Test </a:t>
+            </a:r>
+            <a:r>
+              <a:rPr lang="tr-TR" sz="5400" dirty="0" err="1">
                 <a:latin typeface="Arial" charset="0"/>
                 <a:ea typeface="Arial" charset="0"/>
                 <a:cs typeface="Arial" charset="0"/>
               </a:rPr>
               <a:t>Plans</a:t>
             </a:r>
-            <a:endParaRPr lang="tr-TR" dirty="0">
+            <a:endParaRPr lang="tr-TR" sz="5400" dirty="0">
               <a:latin typeface="Arial" charset="0"/>
               <a:ea typeface="Arial" charset="0"/>
               <a:cs typeface="Arial" charset="0"/>
@@ -6634,104 +6474,14 @@
       </p:sp>
       <p:sp>
         <p:nvSpPr>
-          <p:cNvPr id="3" name="İçerik Yer Tutucusu 2"/>
-          <p:cNvSpPr>
-            <a:spLocks noGrp="1"/>
-          </p:cNvSpPr>
-          <p:nvPr>
-            <p:ph idx="1"/>
-          </p:nvPr>
+          <p:cNvPr id="4" name="Metin kutusu 3"/>
+          <p:cNvSpPr txBox="1"/>
+          <p:nvPr/>
         </p:nvSpPr>
         <p:spPr>
           <a:xfrm>
-            <a:off x="838201" y="1825625"/>
-            <a:ext cx="10603522" cy="4351338"/>
-          </a:xfrm>
-        </p:spPr>
-        <p:txBody>
-          <a:bodyPr/>
-          <a:lstStyle/>
-          <a:p>
-            <a:pPr>
-              <a:buFont typeface="Wingdings" charset="2"/>
-              <a:buChar char="Ø"/>
-            </a:pPr>
-            <a:r>
-              <a:rPr lang="tr-TR" dirty="0"/>
-              <a:t> Test </a:t>
-            </a:r>
-            <a:r>
-              <a:rPr lang="tr-TR" dirty="0" err="1"/>
-              <a:t>procedure</a:t>
-            </a:r>
-            <a:r>
-              <a:rPr lang="tr-TR" dirty="0"/>
-              <a:t> of </a:t>
-            </a:r>
-            <a:r>
-              <a:rPr lang="tr-TR" dirty="0" err="1"/>
-              <a:t>the</a:t>
-            </a:r>
-            <a:r>
-              <a:rPr lang="tr-TR" dirty="0"/>
-              <a:t> software </a:t>
-            </a:r>
-            <a:r>
-              <a:rPr lang="tr-TR" dirty="0" err="1"/>
-              <a:t>design</a:t>
-            </a:r>
-            <a:r>
-              <a:rPr lang="tr-TR" dirty="0"/>
-              <a:t> </a:t>
-            </a:r>
-            <a:r>
-              <a:rPr lang="tr-TR" dirty="0" err="1"/>
-              <a:t>will</a:t>
-            </a:r>
-            <a:r>
-              <a:rPr lang="tr-TR" dirty="0"/>
-              <a:t> be </a:t>
-            </a:r>
-            <a:r>
-              <a:rPr lang="tr-TR" dirty="0" err="1"/>
-              <a:t>composed</a:t>
-            </a:r>
-            <a:r>
-              <a:rPr lang="tr-TR" dirty="0"/>
-              <a:t> of </a:t>
-            </a:r>
-            <a:r>
-              <a:rPr lang="tr-TR" dirty="0" err="1"/>
-              <a:t>two</a:t>
-            </a:r>
-            <a:r>
-              <a:rPr lang="tr-TR" dirty="0"/>
-              <a:t> </a:t>
-            </a:r>
-            <a:r>
-              <a:rPr lang="tr-TR" dirty="0" err="1"/>
-              <a:t>parts</a:t>
-            </a:r>
-            <a:r>
-              <a:rPr lang="tr-TR" dirty="0"/>
-              <a:t>. </a:t>
-            </a:r>
-            <a:endParaRPr lang="tr-TR" dirty="0">
-              <a:effectLst/>
-            </a:endParaRPr>
-          </a:p>
-        </p:txBody>
-      </p:sp>
-      <p:sp>
-        <p:nvSpPr>
-          <p:cNvPr id="5" name="Metin kutusu 4"/>
-          <p:cNvSpPr txBox="1"/>
-          <p:nvPr/>
-        </p:nvSpPr>
-        <p:spPr>
-          <a:xfrm>
-            <a:off x="1465384" y="3216464"/>
-            <a:ext cx="9261231" cy="1569660"/>
+            <a:off x="838200" y="2079439"/>
+            <a:ext cx="7813432" cy="2954655"/>
           </a:xfrm>
           <a:prstGeom prst="rect">
             <a:avLst/>
@@ -6754,7 +6504,23 @@
                 <a:ea typeface="Arial" charset="0"/>
                 <a:cs typeface="Arial" charset="0"/>
               </a:rPr>
-              <a:t>Detailed</a:t>
+              <a:t>Proximity</a:t>
+            </a:r>
+            <a:r>
+              <a:rPr lang="tr-TR" sz="2400" dirty="0">
+                <a:latin typeface="Arial" charset="0"/>
+                <a:ea typeface="Arial" charset="0"/>
+                <a:cs typeface="Arial" charset="0"/>
+              </a:rPr>
+              <a:t> Sensor </a:t>
+            </a:r>
+            <a:r>
+              <a:rPr lang="tr-TR" sz="2400" dirty="0" err="1">
+                <a:latin typeface="Arial" charset="0"/>
+                <a:ea typeface="Arial" charset="0"/>
+                <a:cs typeface="Arial" charset="0"/>
+              </a:rPr>
+              <a:t>Measurements</a:t>
             </a:r>
             <a:r>
               <a:rPr lang="tr-TR" sz="2400" dirty="0">
@@ -6763,38 +6529,6 @@
                 <a:cs typeface="Arial" charset="0"/>
               </a:rPr>
               <a:t> </a:t>
-            </a:r>
-            <a:r>
-              <a:rPr lang="tr-TR" sz="2400" dirty="0" err="1">
-                <a:latin typeface="Arial" charset="0"/>
-                <a:ea typeface="Arial" charset="0"/>
-                <a:cs typeface="Arial" charset="0"/>
-              </a:rPr>
-              <a:t>Documentation</a:t>
-            </a:r>
-            <a:r>
-              <a:rPr lang="tr-TR" sz="2400" dirty="0">
-                <a:latin typeface="Arial" charset="0"/>
-                <a:ea typeface="Arial" charset="0"/>
-                <a:cs typeface="Arial" charset="0"/>
-              </a:rPr>
-              <a:t> of </a:t>
-            </a:r>
-            <a:r>
-              <a:rPr lang="tr-TR" sz="2400" dirty="0" err="1">
-                <a:latin typeface="Arial" charset="0"/>
-                <a:ea typeface="Arial" charset="0"/>
-                <a:cs typeface="Arial" charset="0"/>
-              </a:rPr>
-              <a:t>the</a:t>
-            </a:r>
-            <a:r>
-              <a:rPr lang="tr-TR" sz="2400" dirty="0">
-                <a:latin typeface="Arial" charset="0"/>
-                <a:ea typeface="Arial" charset="0"/>
-                <a:cs typeface="Arial" charset="0"/>
-              </a:rPr>
-              <a:t> Software</a:t>
             </a:r>
           </a:p>
           <a:p>
@@ -6830,7 +6564,7 @@
                 <a:ea typeface="Arial" charset="0"/>
                 <a:cs typeface="Arial" charset="0"/>
               </a:rPr>
-              <a:t>Debugging </a:t>
+              <a:t>DC Motor </a:t>
             </a:r>
             <a:r>
               <a:rPr lang="tr-TR" sz="2400" dirty="0" err="1">
@@ -6838,20 +6572,138 @@
                 <a:ea typeface="Arial" charset="0"/>
                 <a:cs typeface="Arial" charset="0"/>
               </a:rPr>
-              <a:t>Reports</a:t>
-            </a:r>
+              <a:t>Starting</a:t>
+            </a:r>
+            <a:r>
+              <a:rPr lang="tr-TR" sz="2400" dirty="0">
+                <a:latin typeface="Arial" charset="0"/>
+                <a:ea typeface="Arial" charset="0"/>
+                <a:cs typeface="Arial" charset="0"/>
+              </a:rPr>
+              <a:t> </a:t>
+            </a:r>
+            <a:r>
+              <a:rPr lang="tr-TR" sz="2400" dirty="0" err="1">
+                <a:latin typeface="Arial" charset="0"/>
+                <a:ea typeface="Arial" charset="0"/>
+                <a:cs typeface="Arial" charset="0"/>
+              </a:rPr>
+              <a:t>Current</a:t>
+            </a:r>
+            <a:r>
+              <a:rPr lang="tr-TR" sz="2400" dirty="0">
+                <a:latin typeface="Arial" charset="0"/>
+                <a:ea typeface="Arial" charset="0"/>
+                <a:cs typeface="Arial" charset="0"/>
+              </a:rPr>
+              <a:t> Test </a:t>
+            </a:r>
+          </a:p>
+          <a:p>
+            <a:pPr marL="285750" indent="-285750">
+              <a:buFont typeface="Arial" charset="0"/>
+              <a:buChar char="•"/>
+            </a:pPr>
             <a:endParaRPr lang="tr-TR" sz="2400" dirty="0">
               <a:latin typeface="Arial" charset="0"/>
               <a:ea typeface="Arial" charset="0"/>
               <a:cs typeface="Arial" charset="0"/>
             </a:endParaRPr>
           </a:p>
+          <a:p>
+            <a:pPr marL="285750" indent="-285750">
+              <a:buFont typeface="Arial" charset="0"/>
+              <a:buChar char="•"/>
+            </a:pPr>
+            <a:endParaRPr lang="tr-TR" sz="2400" dirty="0">
+              <a:latin typeface="Arial" charset="0"/>
+              <a:ea typeface="Arial" charset="0"/>
+              <a:cs typeface="Arial" charset="0"/>
+            </a:endParaRPr>
+          </a:p>
+          <a:p>
+            <a:pPr marL="285750" indent="-285750">
+              <a:buFont typeface="Arial" charset="0"/>
+              <a:buChar char="•"/>
+            </a:pPr>
+            <a:r>
+              <a:rPr lang="tr-TR" sz="2400" dirty="0" err="1">
+                <a:latin typeface="Arial" charset="0"/>
+                <a:ea typeface="Arial" charset="0"/>
+                <a:cs typeface="Arial" charset="0"/>
+              </a:rPr>
+              <a:t>Response</a:t>
+            </a:r>
+            <a:r>
+              <a:rPr lang="tr-TR" sz="2400" dirty="0">
+                <a:latin typeface="Arial" charset="0"/>
+                <a:ea typeface="Arial" charset="0"/>
+                <a:cs typeface="Arial" charset="0"/>
+              </a:rPr>
+              <a:t> Time </a:t>
+            </a:r>
+            <a:r>
+              <a:rPr lang="tr-TR" sz="2400" dirty="0" err="1">
+                <a:latin typeface="Arial" charset="0"/>
+                <a:ea typeface="Arial" charset="0"/>
+                <a:cs typeface="Arial" charset="0"/>
+              </a:rPr>
+              <a:t>and</a:t>
+            </a:r>
+            <a:r>
+              <a:rPr lang="tr-TR" sz="2400" dirty="0">
+                <a:latin typeface="Arial" charset="0"/>
+                <a:ea typeface="Arial" charset="0"/>
+                <a:cs typeface="Arial" charset="0"/>
+              </a:rPr>
+              <a:t> </a:t>
+            </a:r>
+            <a:r>
+              <a:rPr lang="tr-TR" sz="2400" dirty="0" err="1">
+                <a:latin typeface="Arial" charset="0"/>
+                <a:ea typeface="Arial" charset="0"/>
+                <a:cs typeface="Arial" charset="0"/>
+              </a:rPr>
+              <a:t>Turning</a:t>
+            </a:r>
+            <a:r>
+              <a:rPr lang="tr-TR" sz="2400" dirty="0">
+                <a:latin typeface="Arial" charset="0"/>
+                <a:ea typeface="Arial" charset="0"/>
+                <a:cs typeface="Arial" charset="0"/>
+              </a:rPr>
+              <a:t> </a:t>
+            </a:r>
+            <a:r>
+              <a:rPr lang="tr-TR" sz="2400" dirty="0" err="1">
+                <a:latin typeface="Arial" charset="0"/>
+                <a:ea typeface="Arial" charset="0"/>
+                <a:cs typeface="Arial" charset="0"/>
+              </a:rPr>
+              <a:t>Angle</a:t>
+            </a:r>
+            <a:r>
+              <a:rPr lang="tr-TR" sz="2400" dirty="0">
+                <a:latin typeface="Arial" charset="0"/>
+                <a:ea typeface="Arial" charset="0"/>
+                <a:cs typeface="Arial" charset="0"/>
+              </a:rPr>
+              <a:t> Test </a:t>
+            </a:r>
+          </a:p>
+          <a:p>
+            <a:pPr marL="285750" indent="-285750">
+              <a:buFont typeface="Arial" charset="0"/>
+              <a:buChar char="•"/>
+            </a:pPr>
+            <a:endParaRPr lang="tr-TR" dirty="0"/>
+          </a:p>
         </p:txBody>
       </p:sp>
     </p:spTree>
     <p:extLst>
       <p:ext uri="{BB962C8B-B14F-4D97-AF65-F5344CB8AC3E}">
-        <p14:creationId xmlns:p14="http://schemas.microsoft.com/office/powerpoint/2010/main" val="4250367672"/>
+        <p14:creationId xmlns:p14="http://schemas.microsoft.com/office/powerpoint/2010/main" val="2018204332"/>
       </p:ext>
     </p:extLst>
   </p:cSld>
@@ -6888,27 +6740,28 @@
             <p:ph type="title"/>
           </p:nvPr>
         </p:nvSpPr>
-        <p:spPr>
-          <a:xfrm>
-            <a:off x="744415" y="412018"/>
-            <a:ext cx="10515600" cy="1325563"/>
-          </a:xfrm>
-        </p:spPr>
-        <p:txBody>
-          <a:bodyPr>
-            <a:normAutofit/>
-          </a:bodyPr>
+        <p:spPr/>
+        <p:txBody>
+          <a:bodyPr/>
           <a:lstStyle/>
           <a:p>
             <a:r>
-              <a:rPr lang="tr-TR" sz="5400" dirty="0" err="1">
+              <a:rPr lang="tr-TR" dirty="0">
                 <a:latin typeface="Arial" charset="0"/>
                 <a:ea typeface="Arial" charset="0"/>
                 <a:cs typeface="Arial" charset="0"/>
               </a:rPr>
-              <a:t>Conclusion</a:t>
-            </a:r>
-            <a:endParaRPr lang="tr-TR" sz="5400" dirty="0">
+              <a:t>Integration </a:t>
+            </a:r>
+            <a:r>
+              <a:rPr lang="tr-TR" dirty="0" err="1">
+                <a:latin typeface="Arial" charset="0"/>
+                <a:ea typeface="Arial" charset="0"/>
+                <a:cs typeface="Arial" charset="0"/>
+              </a:rPr>
+              <a:t>Plans</a:t>
+            </a:r>
+            <a:endParaRPr lang="tr-TR" dirty="0">
               <a:latin typeface="Arial" charset="0"/>
               <a:ea typeface="Arial" charset="0"/>
               <a:cs typeface="Arial" charset="0"/>
@@ -6928,88 +6781,214 @@
         </p:nvSpPr>
         <p:spPr>
           <a:xfrm>
-            <a:off x="1271954" y="1849071"/>
-            <a:ext cx="10515600" cy="3285637"/>
+            <a:off x="838201" y="1825625"/>
+            <a:ext cx="10603522" cy="4351338"/>
           </a:xfrm>
         </p:spPr>
         <p:txBody>
-          <a:bodyPr>
-            <a:normAutofit/>
+          <a:bodyPr/>
+          <a:lstStyle/>
+          <a:p>
+            <a:pPr>
+              <a:buFont typeface="Wingdings" charset="2"/>
+              <a:buChar char="Ø"/>
+            </a:pPr>
+            <a:r>
+              <a:rPr lang="tr-TR" dirty="0"/>
+              <a:t> Test </a:t>
+            </a:r>
+            <a:r>
+              <a:rPr lang="tr-TR" dirty="0" err="1"/>
+              <a:t>procedure</a:t>
+            </a:r>
+            <a:r>
+              <a:rPr lang="tr-TR" dirty="0"/>
+              <a:t> of </a:t>
+            </a:r>
+            <a:r>
+              <a:rPr lang="tr-TR" dirty="0" err="1"/>
+              <a:t>the</a:t>
+            </a:r>
+            <a:r>
+              <a:rPr lang="tr-TR" dirty="0"/>
+              <a:t> software </a:t>
+            </a:r>
+            <a:r>
+              <a:rPr lang="tr-TR" dirty="0" err="1"/>
+              <a:t>design</a:t>
+            </a:r>
+            <a:r>
+              <a:rPr lang="tr-TR" dirty="0"/>
+              <a:t> </a:t>
+            </a:r>
+            <a:r>
+              <a:rPr lang="tr-TR" dirty="0" err="1"/>
+              <a:t>will</a:t>
+            </a:r>
+            <a:r>
+              <a:rPr lang="tr-TR" dirty="0"/>
+              <a:t> be </a:t>
+            </a:r>
+            <a:r>
+              <a:rPr lang="tr-TR" dirty="0" err="1"/>
+              <a:t>composed</a:t>
+            </a:r>
+            <a:r>
+              <a:rPr lang="tr-TR" dirty="0"/>
+              <a:t> of </a:t>
+            </a:r>
+            <a:r>
+              <a:rPr lang="tr-TR" dirty="0" err="1"/>
+              <a:t>two</a:t>
+            </a:r>
+            <a:r>
+              <a:rPr lang="tr-TR" dirty="0"/>
+              <a:t> </a:t>
+            </a:r>
+            <a:r>
+              <a:rPr lang="tr-TR" dirty="0" err="1"/>
+              <a:t>parts</a:t>
+            </a:r>
+            <a:r>
+              <a:rPr lang="tr-TR" dirty="0"/>
+              <a:t>. </a:t>
+            </a:r>
+            <a:endParaRPr lang="tr-TR" dirty="0">
+              <a:effectLst/>
+            </a:endParaRPr>
+          </a:p>
+        </p:txBody>
+      </p:sp>
+      <p:sp>
+        <p:nvSpPr>
+          <p:cNvPr id="5" name="Metin kutusu 4"/>
+          <p:cNvSpPr txBox="1"/>
+          <p:nvPr/>
+        </p:nvSpPr>
+        <p:spPr>
+          <a:xfrm>
+            <a:off x="1465384" y="3216464"/>
+            <a:ext cx="9261231" cy="1569660"/>
+          </a:xfrm>
+          <a:prstGeom prst="rect">
+            <a:avLst/>
+          </a:prstGeom>
+          <a:noFill/>
+        </p:spPr>
+        <p:txBody>
+          <a:bodyPr wrap="square" rtlCol="0">
+            <a:spAutoFit/>
           </a:bodyPr>
           <a:lstStyle/>
           <a:p>
-            <a:r>
-              <a:rPr lang="tr-TR" sz="3200" dirty="0" err="1">
+            <a:pPr marL="285750" indent="-285750">
+              <a:buFont typeface="Arial" charset="0"/>
+              <a:buChar char="•"/>
+            </a:pPr>
+            <a:r>
+              <a:rPr lang="tr-TR" sz="2400" dirty="0" err="1">
                 <a:latin typeface="Arial" charset="0"/>
                 <a:ea typeface="Arial" charset="0"/>
                 <a:cs typeface="Arial" charset="0"/>
               </a:rPr>
-              <a:t>Movement</a:t>
-            </a:r>
-            <a:endParaRPr lang="tr-TR" sz="3200" dirty="0">
+              <a:t>Detailed</a:t>
+            </a:r>
+            <a:r>
+              <a:rPr lang="tr-TR" sz="2400" dirty="0">
+                <a:latin typeface="Arial" charset="0"/>
+                <a:ea typeface="Arial" charset="0"/>
+                <a:cs typeface="Arial" charset="0"/>
+              </a:rPr>
+              <a:t> </a:t>
+            </a:r>
+            <a:r>
+              <a:rPr lang="tr-TR" sz="2400" dirty="0" err="1">
+                <a:latin typeface="Arial" charset="0"/>
+                <a:ea typeface="Arial" charset="0"/>
+                <a:cs typeface="Arial" charset="0"/>
+              </a:rPr>
+              <a:t>Documentation</a:t>
+            </a:r>
+            <a:r>
+              <a:rPr lang="tr-TR" sz="2400" dirty="0">
+                <a:latin typeface="Arial" charset="0"/>
+                <a:ea typeface="Arial" charset="0"/>
+                <a:cs typeface="Arial" charset="0"/>
+              </a:rPr>
+              <a:t> of </a:t>
+            </a:r>
+            <a:r>
+              <a:rPr lang="tr-TR" sz="2400" dirty="0" err="1">
+                <a:latin typeface="Arial" charset="0"/>
+                <a:ea typeface="Arial" charset="0"/>
+                <a:cs typeface="Arial" charset="0"/>
+              </a:rPr>
+              <a:t>the</a:t>
+            </a:r>
+            <a:r>
+              <a:rPr lang="tr-TR" sz="2400" dirty="0">
+                <a:latin typeface="Arial" charset="0"/>
+                <a:ea typeface="Arial" charset="0"/>
+                <a:cs typeface="Arial" charset="0"/>
+              </a:rPr>
+              <a:t> Software</a:t>
+            </a:r>
+          </a:p>
+          <a:p>
+            <a:pPr marL="285750" indent="-285750">
+              <a:buFont typeface="Arial" charset="0"/>
+              <a:buChar char="•"/>
+            </a:pPr>
+            <a:endParaRPr lang="tr-TR" sz="2400" dirty="0">
               <a:latin typeface="Arial" charset="0"/>
               <a:ea typeface="Arial" charset="0"/>
               <a:cs typeface="Arial" charset="0"/>
             </a:endParaRPr>
           </a:p>
           <a:p>
-            <a:endParaRPr lang="tr-TR" sz="3200" dirty="0">
+            <a:pPr marL="285750" indent="-285750">
+              <a:buFont typeface="Arial" charset="0"/>
+              <a:buChar char="•"/>
+            </a:pPr>
+            <a:endParaRPr lang="tr-TR" sz="2400" dirty="0">
               <a:latin typeface="Arial" charset="0"/>
               <a:ea typeface="Arial" charset="0"/>
               <a:cs typeface="Arial" charset="0"/>
             </a:endParaRPr>
           </a:p>
           <a:p>
-            <a:r>
-              <a:rPr lang="tr-TR" sz="3200" dirty="0" err="1">
+            <a:pPr marL="285750" indent="-285750">
+              <a:buFont typeface="Arial" charset="0"/>
+              <a:buChar char="•"/>
+            </a:pPr>
+            <a:r>
+              <a:rPr lang="tr-TR" sz="2400" dirty="0">
                 <a:latin typeface="Arial" charset="0"/>
                 <a:ea typeface="Arial" charset="0"/>
                 <a:cs typeface="Arial" charset="0"/>
               </a:rPr>
-              <a:t>Sensors</a:t>
-            </a:r>
-            <a:endParaRPr lang="tr-TR" sz="3200" dirty="0">
+              <a:t>Debugging </a:t>
+            </a:r>
+            <a:r>
+              <a:rPr lang="tr-TR" sz="2400" dirty="0" err="1">
+                <a:latin typeface="Arial" charset="0"/>
+                <a:ea typeface="Arial" charset="0"/>
+                <a:cs typeface="Arial" charset="0"/>
+              </a:rPr>
+              <a:t>Reports</a:t>
+            </a:r>
+            <a:endParaRPr lang="tr-TR" sz="2400" dirty="0">
               <a:latin typeface="Arial" charset="0"/>
               <a:ea typeface="Arial" charset="0"/>
               <a:cs typeface="Arial" charset="0"/>
             </a:endParaRPr>
           </a:p>
-          <a:p>
-            <a:endParaRPr lang="tr-TR" sz="3200" dirty="0">
-              <a:latin typeface="Arial" charset="0"/>
-              <a:ea typeface="Arial" charset="0"/>
-              <a:cs typeface="Arial" charset="0"/>
-            </a:endParaRPr>
-          </a:p>
-          <a:p>
-            <a:r>
-              <a:rPr lang="tr-TR" sz="3200" dirty="0">
-                <a:latin typeface="Arial" charset="0"/>
-                <a:ea typeface="Arial" charset="0"/>
-                <a:cs typeface="Arial" charset="0"/>
-              </a:rPr>
-              <a:t>Control &amp; </a:t>
-            </a:r>
-            <a:r>
-              <a:rPr lang="tr-TR" sz="3200" dirty="0" err="1">
-                <a:latin typeface="Arial" charset="0"/>
-                <a:ea typeface="Arial" charset="0"/>
-                <a:cs typeface="Arial" charset="0"/>
-              </a:rPr>
-              <a:t>Decision</a:t>
-            </a:r>
-            <a:endParaRPr lang="tr-TR" sz="3200" dirty="0">
-              <a:latin typeface="Arial" charset="0"/>
-              <a:ea typeface="Arial" charset="0"/>
-              <a:cs typeface="Arial" charset="0"/>
-            </a:endParaRPr>
-          </a:p>
         </p:txBody>
       </p:sp>
     </p:spTree>
     <p:extLst>
       <p:ext uri="{BB962C8B-B14F-4D97-AF65-F5344CB8AC3E}">
-        <p14:creationId xmlns:p14="http://schemas.microsoft.com/office/powerpoint/2010/main" val="3040773155"/>
+        <p14:creationId xmlns:p14="http://schemas.microsoft.com/office/powerpoint/2010/main" val="4250367672"/>
       </p:ext>
     </p:extLst>
   </p:cSld>
@@ -7063,8 +7042,16 @@
           <a:lstStyle/>
           <a:p>
             <a:r>
+              <a:rPr lang="tr-TR" b="1" dirty="0"/>
+              <a:t>«</a:t>
+            </a:r>
+            <a:r>
               <a:rPr lang="en-US" b="1" dirty="0"/>
               <a:t>Robots collaboratively carrying a long object through an open-top maze</a:t>
+            </a:r>
+            <a:r>
+              <a:rPr lang="tr-TR" b="1" dirty="0"/>
+              <a:t>»</a:t>
             </a:r>
             <a:endParaRPr lang="tr-TR" dirty="0"/>
           </a:p>
@@ -7084,6 +7071,164 @@
 </file>
 
 <file path=ppt/slides/slide30.xml><?xml version="1.0" encoding="utf-8"?>
+<p:sld xmlns:a="http://schemas.openxmlformats.org/drawingml/2006/main" xmlns:r="http://schemas.openxmlformats.org/officeDocument/2006/relationships" xmlns:p="http://schemas.openxmlformats.org/presentationml/2006/main">
+  <p:cSld>
+    <p:spTree>
+      <p:nvGrpSpPr>
+        <p:cNvPr id="1" name=""/>
+        <p:cNvGrpSpPr/>
+        <p:nvPr/>
+      </p:nvGrpSpPr>
+      <p:grpSpPr>
+        <a:xfrm>
+          <a:off x="0" y="0"/>
+          <a:ext cx="0" cy="0"/>
+          <a:chOff x="0" y="0"/>
+          <a:chExt cx="0" cy="0"/>
+        </a:xfrm>
+      </p:grpSpPr>
+      <p:sp>
+        <p:nvSpPr>
+          <p:cNvPr id="2" name="Başlık 1"/>
+          <p:cNvSpPr>
+            <a:spLocks noGrp="1"/>
+          </p:cNvSpPr>
+          <p:nvPr>
+            <p:ph type="title"/>
+          </p:nvPr>
+        </p:nvSpPr>
+        <p:spPr>
+          <a:xfrm>
+            <a:off x="744415" y="412018"/>
+            <a:ext cx="10515600" cy="1325563"/>
+          </a:xfrm>
+        </p:spPr>
+        <p:txBody>
+          <a:bodyPr>
+            <a:normAutofit/>
+          </a:bodyPr>
+          <a:lstStyle/>
+          <a:p>
+            <a:r>
+              <a:rPr lang="tr-TR" sz="5400" dirty="0" err="1">
+                <a:latin typeface="Arial" charset="0"/>
+                <a:ea typeface="Arial" charset="0"/>
+                <a:cs typeface="Arial" charset="0"/>
+              </a:rPr>
+              <a:t>Conclusion</a:t>
+            </a:r>
+            <a:endParaRPr lang="tr-TR" sz="5400" dirty="0">
+              <a:latin typeface="Arial" charset="0"/>
+              <a:ea typeface="Arial" charset="0"/>
+              <a:cs typeface="Arial" charset="0"/>
+            </a:endParaRPr>
+          </a:p>
+        </p:txBody>
+      </p:sp>
+      <p:sp>
+        <p:nvSpPr>
+          <p:cNvPr id="3" name="İçerik Yer Tutucusu 2"/>
+          <p:cNvSpPr>
+            <a:spLocks noGrp="1"/>
+          </p:cNvSpPr>
+          <p:nvPr>
+            <p:ph idx="1"/>
+          </p:nvPr>
+        </p:nvSpPr>
+        <p:spPr>
+          <a:xfrm>
+            <a:off x="1271954" y="1849071"/>
+            <a:ext cx="10515600" cy="3285637"/>
+          </a:xfrm>
+        </p:spPr>
+        <p:txBody>
+          <a:bodyPr>
+            <a:normAutofit/>
+          </a:bodyPr>
+          <a:lstStyle/>
+          <a:p>
+            <a:r>
+              <a:rPr lang="tr-TR" sz="3200" dirty="0" err="1">
+                <a:latin typeface="Arial" charset="0"/>
+                <a:ea typeface="Arial" charset="0"/>
+                <a:cs typeface="Arial" charset="0"/>
+              </a:rPr>
+              <a:t>Movement</a:t>
+            </a:r>
+            <a:endParaRPr lang="tr-TR" sz="3200" dirty="0">
+              <a:latin typeface="Arial" charset="0"/>
+              <a:ea typeface="Arial" charset="0"/>
+              <a:cs typeface="Arial" charset="0"/>
+            </a:endParaRPr>
+          </a:p>
+          <a:p>
+            <a:endParaRPr lang="tr-TR" sz="3200" dirty="0">
+              <a:latin typeface="Arial" charset="0"/>
+              <a:ea typeface="Arial" charset="0"/>
+              <a:cs typeface="Arial" charset="0"/>
+            </a:endParaRPr>
+          </a:p>
+          <a:p>
+            <a:r>
+              <a:rPr lang="tr-TR" sz="3200" dirty="0" err="1">
+                <a:latin typeface="Arial" charset="0"/>
+                <a:ea typeface="Arial" charset="0"/>
+                <a:cs typeface="Arial" charset="0"/>
+              </a:rPr>
+              <a:t>Sensors</a:t>
+            </a:r>
+            <a:endParaRPr lang="tr-TR" sz="3200" dirty="0">
+              <a:latin typeface="Arial" charset="0"/>
+              <a:ea typeface="Arial" charset="0"/>
+              <a:cs typeface="Arial" charset="0"/>
+            </a:endParaRPr>
+          </a:p>
+          <a:p>
+            <a:endParaRPr lang="tr-TR" sz="3200" dirty="0">
+              <a:latin typeface="Arial" charset="0"/>
+              <a:ea typeface="Arial" charset="0"/>
+              <a:cs typeface="Arial" charset="0"/>
+            </a:endParaRPr>
+          </a:p>
+          <a:p>
+            <a:r>
+              <a:rPr lang="tr-TR" sz="3200" dirty="0">
+                <a:latin typeface="Arial" charset="0"/>
+                <a:ea typeface="Arial" charset="0"/>
+                <a:cs typeface="Arial" charset="0"/>
+              </a:rPr>
+              <a:t>Control &amp; </a:t>
+            </a:r>
+            <a:r>
+              <a:rPr lang="tr-TR" sz="3200" dirty="0" err="1">
+                <a:latin typeface="Arial" charset="0"/>
+                <a:ea typeface="Arial" charset="0"/>
+                <a:cs typeface="Arial" charset="0"/>
+              </a:rPr>
+              <a:t>Decision</a:t>
+            </a:r>
+            <a:endParaRPr lang="tr-TR" sz="3200" dirty="0">
+              <a:latin typeface="Arial" charset="0"/>
+              <a:ea typeface="Arial" charset="0"/>
+              <a:cs typeface="Arial" charset="0"/>
+            </a:endParaRPr>
+          </a:p>
+        </p:txBody>
+      </p:sp>
+    </p:spTree>
+    <p:extLst>
+      <p:ext uri="{BB962C8B-B14F-4D97-AF65-F5344CB8AC3E}">
+        <p14:creationId xmlns:p14="http://schemas.microsoft.com/office/powerpoint/2010/main" val="3040773155"/>
+      </p:ext>
+    </p:extLst>
+  </p:cSld>
+  <p:clrMapOvr>
+    <a:masterClrMapping/>
+  </p:clrMapOvr>
+</p:sld>
+</file>
+
+<file path=ppt/slides/slide31.xml><?xml version="1.0" encoding="utf-8"?>
 <p:sld xmlns:a="http://schemas.openxmlformats.org/drawingml/2006/main" xmlns:r="http://schemas.openxmlformats.org/officeDocument/2006/relationships" xmlns:p="http://schemas.openxmlformats.org/presentationml/2006/main">
   <p:cSld>
     <p:spTree>
@@ -7404,158 +7549,6 @@
 </p:sld>
 </file>
 
-<file path=ppt/slides/slide31.xml><?xml version="1.0" encoding="utf-8"?>
-<p:sld xmlns:a="http://schemas.openxmlformats.org/drawingml/2006/main" xmlns:r="http://schemas.openxmlformats.org/officeDocument/2006/relationships" xmlns:p="http://schemas.openxmlformats.org/presentationml/2006/main">
-  <p:cSld>
-    <p:spTree>
-      <p:nvGrpSpPr>
-        <p:cNvPr id="1" name=""/>
-        <p:cNvGrpSpPr/>
-        <p:nvPr/>
-      </p:nvGrpSpPr>
-      <p:grpSpPr>
-        <a:xfrm>
-          <a:off x="0" y="0"/>
-          <a:ext cx="0" cy="0"/>
-          <a:chOff x="0" y="0"/>
-          <a:chExt cx="0" cy="0"/>
-        </a:xfrm>
-      </p:grpSpPr>
-      <p:sp>
-        <p:nvSpPr>
-          <p:cNvPr id="2" name="Başlık 1"/>
-          <p:cNvSpPr>
-            <a:spLocks noGrp="1"/>
-          </p:cNvSpPr>
-          <p:nvPr>
-            <p:ph type="title"/>
-          </p:nvPr>
-        </p:nvSpPr>
-        <p:spPr/>
-        <p:txBody>
-          <a:bodyPr>
-            <a:normAutofit/>
-          </a:bodyPr>
-          <a:lstStyle/>
-          <a:p>
-            <a:r>
-              <a:rPr lang="tr-TR" sz="5400" dirty="0" err="1">
-                <a:latin typeface="Arial" charset="0"/>
-                <a:ea typeface="Arial" charset="0"/>
-                <a:cs typeface="Arial" charset="0"/>
-              </a:rPr>
-              <a:t>Sensors</a:t>
-            </a:r>
-            <a:r>
-              <a:rPr lang="tr-TR" sz="5400" dirty="0">
-                <a:latin typeface="Arial" charset="0"/>
-                <a:ea typeface="Arial" charset="0"/>
-                <a:cs typeface="Arial" charset="0"/>
-              </a:rPr>
-              <a:t> </a:t>
-            </a:r>
-          </a:p>
-        </p:txBody>
-      </p:sp>
-      <p:sp>
-        <p:nvSpPr>
-          <p:cNvPr id="3" name="İçerik Yer Tutucusu 2"/>
-          <p:cNvSpPr>
-            <a:spLocks noGrp="1"/>
-          </p:cNvSpPr>
-          <p:nvPr>
-            <p:ph idx="1"/>
-          </p:nvPr>
-        </p:nvSpPr>
-        <p:spPr>
-          <a:xfrm>
-            <a:off x="1330569" y="1825625"/>
-            <a:ext cx="10515600" cy="4351338"/>
-          </a:xfrm>
-        </p:spPr>
-        <p:txBody>
-          <a:bodyPr/>
-          <a:lstStyle/>
-          <a:p>
-            <a:r>
-              <a:rPr lang="tr-TR" dirty="0" err="1">
-                <a:latin typeface="Arial" charset="0"/>
-                <a:ea typeface="Arial" charset="0"/>
-                <a:cs typeface="Arial" charset="0"/>
-              </a:rPr>
-              <a:t>Ultrasonic</a:t>
-            </a:r>
-            <a:r>
-              <a:rPr lang="tr-TR" dirty="0">
-                <a:latin typeface="Arial" charset="0"/>
-                <a:ea typeface="Arial" charset="0"/>
-                <a:cs typeface="Arial" charset="0"/>
-              </a:rPr>
-              <a:t> Sensor</a:t>
-            </a:r>
-          </a:p>
-          <a:p>
-            <a:endParaRPr lang="tr-TR" dirty="0">
-              <a:latin typeface="Arial" charset="0"/>
-              <a:ea typeface="Arial" charset="0"/>
-              <a:cs typeface="Arial" charset="0"/>
-            </a:endParaRPr>
-          </a:p>
-          <a:p>
-            <a:r>
-              <a:rPr lang="tr-TR" dirty="0" err="1">
-                <a:latin typeface="Arial" charset="0"/>
-                <a:ea typeface="Arial" charset="0"/>
-                <a:cs typeface="Arial" charset="0"/>
-              </a:rPr>
-              <a:t>Infrared</a:t>
-            </a:r>
-            <a:r>
-              <a:rPr lang="tr-TR" dirty="0">
-                <a:latin typeface="Arial" charset="0"/>
-                <a:ea typeface="Arial" charset="0"/>
-                <a:cs typeface="Arial" charset="0"/>
-              </a:rPr>
-              <a:t> Sensor</a:t>
-            </a:r>
-          </a:p>
-          <a:p>
-            <a:endParaRPr lang="tr-TR" dirty="0">
-              <a:latin typeface="Arial" charset="0"/>
-              <a:ea typeface="Arial" charset="0"/>
-              <a:cs typeface="Arial" charset="0"/>
-            </a:endParaRPr>
-          </a:p>
-          <a:p>
-            <a:r>
-              <a:rPr lang="tr-TR" dirty="0" err="1">
-                <a:latin typeface="Arial" charset="0"/>
-                <a:ea typeface="Arial" charset="0"/>
-                <a:cs typeface="Arial" charset="0"/>
-              </a:rPr>
-              <a:t>Camera</a:t>
-            </a:r>
-            <a:endParaRPr lang="tr-TR" dirty="0">
-              <a:latin typeface="Arial" charset="0"/>
-              <a:ea typeface="Arial" charset="0"/>
-              <a:cs typeface="Arial" charset="0"/>
-            </a:endParaRPr>
-          </a:p>
-        </p:txBody>
-      </p:sp>
-    </p:spTree>
-    <p:extLst>
-      <p:ext uri="{BB962C8B-B14F-4D97-AF65-F5344CB8AC3E}">
-        <p14:creationId xmlns:p14="http://schemas.microsoft.com/office/powerpoint/2010/main" val="1035918310"/>
-      </p:ext>
-    </p:extLst>
-  </p:cSld>
-  <p:clrMapOvr>
-    <a:masterClrMapping/>
-  </p:clrMapOvr>
-</p:sld>
-</file>
-
 <file path=ppt/slides/slide32.xml><?xml version="1.0" encoding="utf-8"?>
 <p:sld xmlns:a="http://schemas.openxmlformats.org/drawingml/2006/main" xmlns:r="http://schemas.openxmlformats.org/officeDocument/2006/relationships" xmlns:p="http://schemas.openxmlformats.org/presentationml/2006/main">
   <p:cSld>
@@ -7596,6 +7589,158 @@
                 <a:ea typeface="Arial" charset="0"/>
                 <a:cs typeface="Arial" charset="0"/>
               </a:rPr>
+              <a:t>Sensors</a:t>
+            </a:r>
+            <a:r>
+              <a:rPr lang="tr-TR" sz="5400" dirty="0">
+                <a:latin typeface="Arial" charset="0"/>
+                <a:ea typeface="Arial" charset="0"/>
+                <a:cs typeface="Arial" charset="0"/>
+              </a:rPr>
+              <a:t> </a:t>
+            </a:r>
+          </a:p>
+        </p:txBody>
+      </p:sp>
+      <p:sp>
+        <p:nvSpPr>
+          <p:cNvPr id="3" name="İçerik Yer Tutucusu 2"/>
+          <p:cNvSpPr>
+            <a:spLocks noGrp="1"/>
+          </p:cNvSpPr>
+          <p:nvPr>
+            <p:ph idx="1"/>
+          </p:nvPr>
+        </p:nvSpPr>
+        <p:spPr>
+          <a:xfrm>
+            <a:off x="1330569" y="1825625"/>
+            <a:ext cx="10515600" cy="4351338"/>
+          </a:xfrm>
+        </p:spPr>
+        <p:txBody>
+          <a:bodyPr/>
+          <a:lstStyle/>
+          <a:p>
+            <a:r>
+              <a:rPr lang="tr-TR" dirty="0" err="1">
+                <a:latin typeface="Arial" charset="0"/>
+                <a:ea typeface="Arial" charset="0"/>
+                <a:cs typeface="Arial" charset="0"/>
+              </a:rPr>
+              <a:t>Ultrasonic</a:t>
+            </a:r>
+            <a:r>
+              <a:rPr lang="tr-TR" dirty="0">
+                <a:latin typeface="Arial" charset="0"/>
+                <a:ea typeface="Arial" charset="0"/>
+                <a:cs typeface="Arial" charset="0"/>
+              </a:rPr>
+              <a:t> Sensor</a:t>
+            </a:r>
+          </a:p>
+          <a:p>
+            <a:endParaRPr lang="tr-TR" dirty="0">
+              <a:latin typeface="Arial" charset="0"/>
+              <a:ea typeface="Arial" charset="0"/>
+              <a:cs typeface="Arial" charset="0"/>
+            </a:endParaRPr>
+          </a:p>
+          <a:p>
+            <a:r>
+              <a:rPr lang="tr-TR" dirty="0" err="1">
+                <a:latin typeface="Arial" charset="0"/>
+                <a:ea typeface="Arial" charset="0"/>
+                <a:cs typeface="Arial" charset="0"/>
+              </a:rPr>
+              <a:t>Infrared</a:t>
+            </a:r>
+            <a:r>
+              <a:rPr lang="tr-TR" dirty="0">
+                <a:latin typeface="Arial" charset="0"/>
+                <a:ea typeface="Arial" charset="0"/>
+                <a:cs typeface="Arial" charset="0"/>
+              </a:rPr>
+              <a:t> Sensor</a:t>
+            </a:r>
+          </a:p>
+          <a:p>
+            <a:endParaRPr lang="tr-TR" dirty="0">
+              <a:latin typeface="Arial" charset="0"/>
+              <a:ea typeface="Arial" charset="0"/>
+              <a:cs typeface="Arial" charset="0"/>
+            </a:endParaRPr>
+          </a:p>
+          <a:p>
+            <a:r>
+              <a:rPr lang="tr-TR" dirty="0" err="1">
+                <a:latin typeface="Arial" charset="0"/>
+                <a:ea typeface="Arial" charset="0"/>
+                <a:cs typeface="Arial" charset="0"/>
+              </a:rPr>
+              <a:t>Camera</a:t>
+            </a:r>
+            <a:endParaRPr lang="tr-TR" dirty="0">
+              <a:latin typeface="Arial" charset="0"/>
+              <a:ea typeface="Arial" charset="0"/>
+              <a:cs typeface="Arial" charset="0"/>
+            </a:endParaRPr>
+          </a:p>
+        </p:txBody>
+      </p:sp>
+    </p:spTree>
+    <p:extLst>
+      <p:ext uri="{BB962C8B-B14F-4D97-AF65-F5344CB8AC3E}">
+        <p14:creationId xmlns:p14="http://schemas.microsoft.com/office/powerpoint/2010/main" val="1035918310"/>
+      </p:ext>
+    </p:extLst>
+  </p:cSld>
+  <p:clrMapOvr>
+    <a:masterClrMapping/>
+  </p:clrMapOvr>
+</p:sld>
+</file>
+
+<file path=ppt/slides/slide33.xml><?xml version="1.0" encoding="utf-8"?>
+<p:sld xmlns:a="http://schemas.openxmlformats.org/drawingml/2006/main" xmlns:r="http://schemas.openxmlformats.org/officeDocument/2006/relationships" xmlns:p="http://schemas.openxmlformats.org/presentationml/2006/main">
+  <p:cSld>
+    <p:spTree>
+      <p:nvGrpSpPr>
+        <p:cNvPr id="1" name=""/>
+        <p:cNvGrpSpPr/>
+        <p:nvPr/>
+      </p:nvGrpSpPr>
+      <p:grpSpPr>
+        <a:xfrm>
+          <a:off x="0" y="0"/>
+          <a:ext cx="0" cy="0"/>
+          <a:chOff x="0" y="0"/>
+          <a:chExt cx="0" cy="0"/>
+        </a:xfrm>
+      </p:grpSpPr>
+      <p:sp>
+        <p:nvSpPr>
+          <p:cNvPr id="2" name="Başlık 1"/>
+          <p:cNvSpPr>
+            <a:spLocks noGrp="1"/>
+          </p:cNvSpPr>
+          <p:nvPr>
+            <p:ph type="title"/>
+          </p:nvPr>
+        </p:nvSpPr>
+        <p:spPr/>
+        <p:txBody>
+          <a:bodyPr>
+            <a:normAutofit/>
+          </a:bodyPr>
+          <a:lstStyle/>
+          <a:p>
+            <a:r>
+              <a:rPr lang="tr-TR" sz="5400" dirty="0" err="1">
+                <a:latin typeface="Arial" charset="0"/>
+                <a:ea typeface="Arial" charset="0"/>
+                <a:cs typeface="Arial" charset="0"/>
+              </a:rPr>
               <a:t>Decision</a:t>
             </a:r>
             <a:r>
@@ -7710,7 +7855,7 @@
 </p:sld>
 </file>
 
-<file path=ppt/slides/slide33.xml><?xml version="1.0" encoding="utf-8"?>
+<file path=ppt/slides/slide34.xml><?xml version="1.0" encoding="utf-8"?>
 <p:sld xmlns:a="http://schemas.openxmlformats.org/drawingml/2006/main" xmlns:r="http://schemas.openxmlformats.org/officeDocument/2006/relationships" xmlns:p="http://schemas.openxmlformats.org/presentationml/2006/main">
   <p:cSld>
     <p:spTree>
@@ -8270,6 +8415,430 @@
   <p:clrMapOvr>
     <a:masterClrMapping/>
   </p:clrMapOvr>
+  <p:timing>
+    <p:tnLst>
+      <p:par>
+        <p:cTn id="1" dur="indefinite" restart="never" nodeType="tmRoot">
+          <p:childTnLst>
+            <p:seq concurrent="1" nextAc="seek">
+              <p:cTn id="2" dur="indefinite" nodeType="mainSeq">
+                <p:childTnLst>
+                  <p:par>
+                    <p:cTn id="3" fill="hold">
+                      <p:stCondLst>
+                        <p:cond delay="indefinite"/>
+                      </p:stCondLst>
+                      <p:childTnLst>
+                        <p:par>
+                          <p:cTn id="4" fill="hold">
+                            <p:stCondLst>
+                              <p:cond delay="0"/>
+                            </p:stCondLst>
+                            <p:childTnLst>
+                              <p:par>
+                                <p:cTn id="5" presetID="10" presetClass="entr" presetSubtype="0" fill="hold" grpId="0" nodeType="clickEffect">
+                                  <p:stCondLst>
+                                    <p:cond delay="0"/>
+                                  </p:stCondLst>
+                                  <p:childTnLst>
+                                    <p:set>
+                                      <p:cBhvr>
+                                        <p:cTn id="6" dur="1" fill="hold">
+                                          <p:stCondLst>
+                                            <p:cond delay="0"/>
+                                          </p:stCondLst>
+                                        </p:cTn>
+                                        <p:tgtEl>
+                                          <p:spTgt spid="3">
+                                            <p:txEl>
+                                              <p:pRg st="0" end="0"/>
+                                            </p:txEl>
+                                          </p:spTgt>
+                                        </p:tgtEl>
+                                        <p:attrNameLst>
+                                          <p:attrName>style.visibility</p:attrName>
+                                        </p:attrNameLst>
+                                      </p:cBhvr>
+                                      <p:to>
+                                        <p:strVal val="visible"/>
+                                      </p:to>
+                                    </p:set>
+                                    <p:animEffect transition="in" filter="fade">
+                                      <p:cBhvr>
+                                        <p:cTn id="7" dur="500"/>
+                                        <p:tgtEl>
+                                          <p:spTgt spid="3">
+                                            <p:txEl>
+                                              <p:pRg st="0" end="0"/>
+                                            </p:txEl>
+                                          </p:spTgt>
+                                        </p:tgtEl>
+                                      </p:cBhvr>
+                                    </p:animEffect>
+                                  </p:childTnLst>
+                                </p:cTn>
+                              </p:par>
+                            </p:childTnLst>
+                          </p:cTn>
+                        </p:par>
+                      </p:childTnLst>
+                    </p:cTn>
+                  </p:par>
+                  <p:par>
+                    <p:cTn id="8" fill="hold">
+                      <p:stCondLst>
+                        <p:cond delay="indefinite"/>
+                      </p:stCondLst>
+                      <p:childTnLst>
+                        <p:par>
+                          <p:cTn id="9" fill="hold">
+                            <p:stCondLst>
+                              <p:cond delay="0"/>
+                            </p:stCondLst>
+                            <p:childTnLst>
+                              <p:par>
+                                <p:cTn id="10" presetID="10" presetClass="entr" presetSubtype="0" fill="hold" grpId="0" nodeType="clickEffect">
+                                  <p:stCondLst>
+                                    <p:cond delay="0"/>
+                                  </p:stCondLst>
+                                  <p:childTnLst>
+                                    <p:set>
+                                      <p:cBhvr>
+                                        <p:cTn id="11" dur="1" fill="hold">
+                                          <p:stCondLst>
+                                            <p:cond delay="0"/>
+                                          </p:stCondLst>
+                                        </p:cTn>
+                                        <p:tgtEl>
+                                          <p:spTgt spid="3">
+                                            <p:txEl>
+                                              <p:pRg st="1" end="1"/>
+                                            </p:txEl>
+                                          </p:spTgt>
+                                        </p:tgtEl>
+                                        <p:attrNameLst>
+                                          <p:attrName>style.visibility</p:attrName>
+                                        </p:attrNameLst>
+                                      </p:cBhvr>
+                                      <p:to>
+                                        <p:strVal val="visible"/>
+                                      </p:to>
+                                    </p:set>
+                                    <p:animEffect transition="in" filter="fade">
+                                      <p:cBhvr>
+                                        <p:cTn id="12" dur="500"/>
+                                        <p:tgtEl>
+                                          <p:spTgt spid="3">
+                                            <p:txEl>
+                                              <p:pRg st="1" end="1"/>
+                                            </p:txEl>
+                                          </p:spTgt>
+                                        </p:tgtEl>
+                                      </p:cBhvr>
+                                    </p:animEffect>
+                                  </p:childTnLst>
+                                </p:cTn>
+                              </p:par>
+                            </p:childTnLst>
+                          </p:cTn>
+                        </p:par>
+                      </p:childTnLst>
+                    </p:cTn>
+                  </p:par>
+                  <p:par>
+                    <p:cTn id="13" fill="hold">
+                      <p:stCondLst>
+                        <p:cond delay="indefinite"/>
+                      </p:stCondLst>
+                      <p:childTnLst>
+                        <p:par>
+                          <p:cTn id="14" fill="hold">
+                            <p:stCondLst>
+                              <p:cond delay="0"/>
+                            </p:stCondLst>
+                            <p:childTnLst>
+                              <p:par>
+                                <p:cTn id="15" presetID="10" presetClass="entr" presetSubtype="0" fill="hold" grpId="0" nodeType="clickEffect">
+                                  <p:stCondLst>
+                                    <p:cond delay="0"/>
+                                  </p:stCondLst>
+                                  <p:childTnLst>
+                                    <p:set>
+                                      <p:cBhvr>
+                                        <p:cTn id="16" dur="1" fill="hold">
+                                          <p:stCondLst>
+                                            <p:cond delay="0"/>
+                                          </p:stCondLst>
+                                        </p:cTn>
+                                        <p:tgtEl>
+                                          <p:spTgt spid="3">
+                                            <p:txEl>
+                                              <p:pRg st="2" end="2"/>
+                                            </p:txEl>
+                                          </p:spTgt>
+                                        </p:tgtEl>
+                                        <p:attrNameLst>
+                                          <p:attrName>style.visibility</p:attrName>
+                                        </p:attrNameLst>
+                                      </p:cBhvr>
+                                      <p:to>
+                                        <p:strVal val="visible"/>
+                                      </p:to>
+                                    </p:set>
+                                    <p:animEffect transition="in" filter="fade">
+                                      <p:cBhvr>
+                                        <p:cTn id="17" dur="500"/>
+                                        <p:tgtEl>
+                                          <p:spTgt spid="3">
+                                            <p:txEl>
+                                              <p:pRg st="2" end="2"/>
+                                            </p:txEl>
+                                          </p:spTgt>
+                                        </p:tgtEl>
+                                      </p:cBhvr>
+                                    </p:animEffect>
+                                  </p:childTnLst>
+                                </p:cTn>
+                              </p:par>
+                              <p:par>
+                                <p:cTn id="18" presetID="10" presetClass="entr" presetSubtype="0" fill="hold" grpId="0" nodeType="withEffect">
+                                  <p:stCondLst>
+                                    <p:cond delay="0"/>
+                                  </p:stCondLst>
+                                  <p:childTnLst>
+                                    <p:set>
+                                      <p:cBhvr>
+                                        <p:cTn id="19" dur="1" fill="hold">
+                                          <p:stCondLst>
+                                            <p:cond delay="0"/>
+                                          </p:stCondLst>
+                                        </p:cTn>
+                                        <p:tgtEl>
+                                          <p:spTgt spid="3">
+                                            <p:txEl>
+                                              <p:pRg st="3" end="3"/>
+                                            </p:txEl>
+                                          </p:spTgt>
+                                        </p:tgtEl>
+                                        <p:attrNameLst>
+                                          <p:attrName>style.visibility</p:attrName>
+                                        </p:attrNameLst>
+                                      </p:cBhvr>
+                                      <p:to>
+                                        <p:strVal val="visible"/>
+                                      </p:to>
+                                    </p:set>
+                                    <p:animEffect transition="in" filter="fade">
+                                      <p:cBhvr>
+                                        <p:cTn id="20" dur="500"/>
+                                        <p:tgtEl>
+                                          <p:spTgt spid="3">
+                                            <p:txEl>
+                                              <p:pRg st="3" end="3"/>
+                                            </p:txEl>
+                                          </p:spTgt>
+                                        </p:tgtEl>
+                                      </p:cBhvr>
+                                    </p:animEffect>
+                                  </p:childTnLst>
+                                </p:cTn>
+                              </p:par>
+                              <p:par>
+                                <p:cTn id="21" presetID="10" presetClass="entr" presetSubtype="0" fill="hold" grpId="0" nodeType="withEffect">
+                                  <p:stCondLst>
+                                    <p:cond delay="0"/>
+                                  </p:stCondLst>
+                                  <p:childTnLst>
+                                    <p:set>
+                                      <p:cBhvr>
+                                        <p:cTn id="22" dur="1" fill="hold">
+                                          <p:stCondLst>
+                                            <p:cond delay="0"/>
+                                          </p:stCondLst>
+                                        </p:cTn>
+                                        <p:tgtEl>
+                                          <p:spTgt spid="3">
+                                            <p:txEl>
+                                              <p:pRg st="4" end="4"/>
+                                            </p:txEl>
+                                          </p:spTgt>
+                                        </p:tgtEl>
+                                        <p:attrNameLst>
+                                          <p:attrName>style.visibility</p:attrName>
+                                        </p:attrNameLst>
+                                      </p:cBhvr>
+                                      <p:to>
+                                        <p:strVal val="visible"/>
+                                      </p:to>
+                                    </p:set>
+                                    <p:animEffect transition="in" filter="fade">
+                                      <p:cBhvr>
+                                        <p:cTn id="23" dur="500"/>
+                                        <p:tgtEl>
+                                          <p:spTgt spid="3">
+                                            <p:txEl>
+                                              <p:pRg st="4" end="4"/>
+                                            </p:txEl>
+                                          </p:spTgt>
+                                        </p:tgtEl>
+                                      </p:cBhvr>
+                                    </p:animEffect>
+                                  </p:childTnLst>
+                                </p:cTn>
+                              </p:par>
+                            </p:childTnLst>
+                          </p:cTn>
+                        </p:par>
+                      </p:childTnLst>
+                    </p:cTn>
+                  </p:par>
+                  <p:par>
+                    <p:cTn id="24" fill="hold">
+                      <p:stCondLst>
+                        <p:cond delay="indefinite"/>
+                      </p:stCondLst>
+                      <p:childTnLst>
+                        <p:par>
+                          <p:cTn id="25" fill="hold">
+                            <p:stCondLst>
+                              <p:cond delay="0"/>
+                            </p:stCondLst>
+                            <p:childTnLst>
+                              <p:par>
+                                <p:cTn id="26" presetID="10" presetClass="entr" presetSubtype="0" fill="hold" grpId="0" nodeType="clickEffect">
+                                  <p:stCondLst>
+                                    <p:cond delay="0"/>
+                                  </p:stCondLst>
+                                  <p:childTnLst>
+                                    <p:set>
+                                      <p:cBhvr>
+                                        <p:cTn id="27" dur="1" fill="hold">
+                                          <p:stCondLst>
+                                            <p:cond delay="0"/>
+                                          </p:stCondLst>
+                                        </p:cTn>
+                                        <p:tgtEl>
+                                          <p:spTgt spid="3">
+                                            <p:txEl>
+                                              <p:pRg st="5" end="5"/>
+                                            </p:txEl>
+                                          </p:spTgt>
+                                        </p:tgtEl>
+                                        <p:attrNameLst>
+                                          <p:attrName>style.visibility</p:attrName>
+                                        </p:attrNameLst>
+                                      </p:cBhvr>
+                                      <p:to>
+                                        <p:strVal val="visible"/>
+                                      </p:to>
+                                    </p:set>
+                                    <p:animEffect transition="in" filter="fade">
+                                      <p:cBhvr>
+                                        <p:cTn id="28" dur="500"/>
+                                        <p:tgtEl>
+                                          <p:spTgt spid="3">
+                                            <p:txEl>
+                                              <p:pRg st="5" end="5"/>
+                                            </p:txEl>
+                                          </p:spTgt>
+                                        </p:tgtEl>
+                                      </p:cBhvr>
+                                    </p:animEffect>
+                                  </p:childTnLst>
+                                </p:cTn>
+                              </p:par>
+                            </p:childTnLst>
+                          </p:cTn>
+                        </p:par>
+                      </p:childTnLst>
+                    </p:cTn>
+                  </p:par>
+                  <p:par>
+                    <p:cTn id="29" fill="hold">
+                      <p:stCondLst>
+                        <p:cond delay="indefinite"/>
+                      </p:stCondLst>
+                      <p:childTnLst>
+                        <p:par>
+                          <p:cTn id="30" fill="hold">
+                            <p:stCondLst>
+                              <p:cond delay="0"/>
+                            </p:stCondLst>
+                            <p:childTnLst>
+                              <p:par>
+                                <p:cTn id="31" presetID="10" presetClass="entr" presetSubtype="0" fill="hold" grpId="0" nodeType="clickEffect">
+                                  <p:stCondLst>
+                                    <p:cond delay="0"/>
+                                  </p:stCondLst>
+                                  <p:childTnLst>
+                                    <p:set>
+                                      <p:cBhvr>
+                                        <p:cTn id="32" dur="1" fill="hold">
+                                          <p:stCondLst>
+                                            <p:cond delay="0"/>
+                                          </p:stCondLst>
+                                        </p:cTn>
+                                        <p:tgtEl>
+                                          <p:spTgt spid="3">
+                                            <p:txEl>
+                                              <p:pRg st="6" end="6"/>
+                                            </p:txEl>
+                                          </p:spTgt>
+                                        </p:tgtEl>
+                                        <p:attrNameLst>
+                                          <p:attrName>style.visibility</p:attrName>
+                                        </p:attrNameLst>
+                                      </p:cBhvr>
+                                      <p:to>
+                                        <p:strVal val="visible"/>
+                                      </p:to>
+                                    </p:set>
+                                    <p:animEffect transition="in" filter="fade">
+                                      <p:cBhvr>
+                                        <p:cTn id="33" dur="500"/>
+                                        <p:tgtEl>
+                                          <p:spTgt spid="3">
+                                            <p:txEl>
+                                              <p:pRg st="6" end="6"/>
+                                            </p:txEl>
+                                          </p:spTgt>
+                                        </p:tgtEl>
+                                      </p:cBhvr>
+                                    </p:animEffect>
+                                  </p:childTnLst>
+                                </p:cTn>
+                              </p:par>
+                            </p:childTnLst>
+                          </p:cTn>
+                        </p:par>
+                      </p:childTnLst>
+                    </p:cTn>
+                  </p:par>
+                </p:childTnLst>
+              </p:cTn>
+              <p:prevCondLst>
+                <p:cond evt="onPrev" delay="0">
+                  <p:tgtEl>
+                    <p:sldTgt/>
+                  </p:tgtEl>
+                </p:cond>
+              </p:prevCondLst>
+              <p:nextCondLst>
+                <p:cond evt="onNext" delay="0">
+                  <p:tgtEl>
+                    <p:sldTgt/>
+                  </p:tgtEl>
+                </p:cond>
+              </p:nextCondLst>
+            </p:seq>
+          </p:childTnLst>
+        </p:cTn>
+      </p:par>
+    </p:tnLst>
+    <p:bldLst>
+      <p:bldP spid="3" grpId="0" build="p"/>
+    </p:bldLst>
+  </p:timing>
 </p:sld>
 </file>
 
@@ -8313,39 +8882,83 @@
           <a:p>
             <a:r>
               <a:rPr lang="tr-TR" dirty="0"/>
-              <a:t>Problem Statement</a:t>
-            </a:r>
-          </a:p>
-        </p:txBody>
-      </p:sp>
-      <p:sp>
-        <p:nvSpPr>
-          <p:cNvPr id="3" name="Content Placeholder 2"/>
-          <p:cNvSpPr>
-            <a:spLocks noGrp="1"/>
-          </p:cNvSpPr>
-          <p:nvPr>
-            <p:ph idx="1"/>
-          </p:nvPr>
-        </p:nvSpPr>
-        <p:spPr/>
-        <p:txBody>
-          <a:bodyPr/>
-          <a:lstStyle/>
-          <a:p>
-            <a:r>
-              <a:rPr lang="tr-TR" dirty="0"/>
-              <a:t>U-Turn -&gt; Determine</a:t>
-            </a:r>
-          </a:p>
-          <a:p>
-            <a:r>
-              <a:rPr lang="tr-TR" dirty="0"/>
-              <a:t>Burayı düzenle</a:t>
-            </a:r>
-          </a:p>
-        </p:txBody>
-      </p:sp>
+              <a:t>Related Specifications</a:t>
+            </a:r>
+          </a:p>
+        </p:txBody>
+      </p:sp>
+      <p:pic>
+        <p:nvPicPr>
+          <p:cNvPr id="10" name="Picture 9">
+            <a:extLst>
+              <a:ext uri="{FF2B5EF4-FFF2-40B4-BE49-F238E27FC236}">
+                <a16:creationId xmlns:a16="http://schemas.microsoft.com/office/drawing/2014/main" id="{BA22C056-3A09-43F7-BC2A-2382C1A86E87}"/>
+              </a:ext>
+            </a:extLst>
+          </p:cNvPr>
+          <p:cNvPicPr>
+            <a:picLocks noChangeAspect="1"/>
+          </p:cNvPicPr>
+          <p:nvPr/>
+        </p:nvPicPr>
+        <p:blipFill>
+          <a:blip r:embed="rId2">
+            <a:extLst>
+              <a:ext uri="{28A0092B-C50C-407E-A947-70E740481C1C}">
+                <a14:useLocalDpi xmlns:a14="http://schemas.microsoft.com/office/drawing/2010/main" val="0"/>
+              </a:ext>
+            </a:extLst>
+          </a:blip>
+          <a:stretch>
+            <a:fillRect/>
+          </a:stretch>
+        </p:blipFill>
+        <p:spPr>
+          <a:xfrm>
+            <a:off x="476732" y="1690689"/>
+            <a:ext cx="4338336" cy="3249808"/>
+          </a:xfrm>
+          <a:prstGeom prst="rect">
+            <a:avLst/>
+          </a:prstGeom>
+        </p:spPr>
+      </p:pic>
+      <p:pic>
+        <p:nvPicPr>
+          <p:cNvPr id="12" name="Picture 11">
+            <a:extLst>
+              <a:ext uri="{FF2B5EF4-FFF2-40B4-BE49-F238E27FC236}">
+                <a16:creationId xmlns:a16="http://schemas.microsoft.com/office/drawing/2014/main" id="{81733479-8A36-49F5-8448-F78E322F0605}"/>
+              </a:ext>
+            </a:extLst>
+          </p:cNvPr>
+          <p:cNvPicPr>
+            <a:picLocks noChangeAspect="1"/>
+          </p:cNvPicPr>
+          <p:nvPr/>
+        </p:nvPicPr>
+        <p:blipFill>
+          <a:blip r:embed="rId3">
+            <a:extLst>
+              <a:ext uri="{28A0092B-C50C-407E-A947-70E740481C1C}">
+                <a14:useLocalDpi xmlns:a14="http://schemas.microsoft.com/office/drawing/2010/main" val="0"/>
+              </a:ext>
+            </a:extLst>
+          </a:blip>
+          <a:stretch>
+            <a:fillRect/>
+          </a:stretch>
+        </p:blipFill>
+        <p:spPr>
+          <a:xfrm>
+            <a:off x="6984357" y="2018295"/>
+            <a:ext cx="4474580" cy="4474580"/>
+          </a:xfrm>
+          <a:prstGeom prst="rect">
+            <a:avLst/>
+          </a:prstGeom>
+        </p:spPr>
+      </p:pic>
     </p:spTree>
     <p:extLst>
       <p:ext uri="{BB962C8B-B14F-4D97-AF65-F5344CB8AC3E}">
@@ -8356,6 +8969,142 @@
   <p:clrMapOvr>
     <a:masterClrMapping/>
   </p:clrMapOvr>
+  <p:timing>
+    <p:tnLst>
+      <p:par>
+        <p:cTn id="1" dur="indefinite" restart="never" nodeType="tmRoot">
+          <p:childTnLst>
+            <p:seq concurrent="1" nextAc="seek">
+              <p:cTn id="2" dur="indefinite" nodeType="mainSeq">
+                <p:childTnLst>
+                  <p:par>
+                    <p:cTn id="3" fill="hold">
+                      <p:stCondLst>
+                        <p:cond delay="indefinite"/>
+                      </p:stCondLst>
+                      <p:childTnLst>
+                        <p:par>
+                          <p:cTn id="4" fill="hold">
+                            <p:stCondLst>
+                              <p:cond delay="0"/>
+                            </p:stCondLst>
+                            <p:childTnLst>
+                              <p:par>
+                                <p:cTn id="5" presetID="10" presetClass="entr" presetSubtype="0" fill="hold" nodeType="clickEffect">
+                                  <p:stCondLst>
+                                    <p:cond delay="0"/>
+                                  </p:stCondLst>
+                                  <p:childTnLst>
+                                    <p:set>
+                                      <p:cBhvr>
+                                        <p:cTn id="6" dur="1" fill="hold">
+                                          <p:stCondLst>
+                                            <p:cond delay="0"/>
+                                          </p:stCondLst>
+                                        </p:cTn>
+                                        <p:tgtEl>
+                                          <p:spTgt spid="10"/>
+                                        </p:tgtEl>
+                                        <p:attrNameLst>
+                                          <p:attrName>style.visibility</p:attrName>
+                                        </p:attrNameLst>
+                                      </p:cBhvr>
+                                      <p:to>
+                                        <p:strVal val="visible"/>
+                                      </p:to>
+                                    </p:set>
+                                    <p:animEffect transition="in" filter="fade">
+                                      <p:cBhvr>
+                                        <p:cTn id="7" dur="500"/>
+                                        <p:tgtEl>
+                                          <p:spTgt spid="10"/>
+                                        </p:tgtEl>
+                                      </p:cBhvr>
+                                    </p:animEffect>
+                                  </p:childTnLst>
+                                </p:cTn>
+                              </p:par>
+                            </p:childTnLst>
+                          </p:cTn>
+                        </p:par>
+                      </p:childTnLst>
+                    </p:cTn>
+                  </p:par>
+                  <p:par>
+                    <p:cTn id="8" fill="hold">
+                      <p:stCondLst>
+                        <p:cond delay="indefinite"/>
+                      </p:stCondLst>
+                      <p:childTnLst>
+                        <p:par>
+                          <p:cTn id="9" fill="hold">
+                            <p:stCondLst>
+                              <p:cond delay="0"/>
+                            </p:stCondLst>
+                            <p:childTnLst>
+                              <p:par>
+                                <p:cTn id="10" presetID="10" presetClass="entr" presetSubtype="0" fill="hold" nodeType="clickEffect">
+                                  <p:stCondLst>
+                                    <p:cond delay="0"/>
+                                  </p:stCondLst>
+                                  <p:childTnLst>
+                                    <p:set>
+                                      <p:cBhvr>
+                                        <p:cTn id="11" dur="1" fill="hold">
+                                          <p:stCondLst>
+                                            <p:cond delay="0"/>
+                                          </p:stCondLst>
+                                        </p:cTn>
+                                        <p:tgtEl>
+                                          <p:spTgt spid="12"/>
+                                        </p:tgtEl>
+                                        <p:attrNameLst>
+                                          <p:attrName>style.visibility</p:attrName>
+                                        </p:attrNameLst>
+                                      </p:cBhvr>
+                                      <p:to>
+                                        <p:strVal val="visible"/>
+                                      </p:to>
+                                    </p:set>
+                                    <p:animEffect transition="in" filter="fade">
+                                      <p:cBhvr>
+                                        <p:cTn id="12" dur="500"/>
+                                        <p:tgtEl>
+                                          <p:spTgt spid="12"/>
+                                        </p:tgtEl>
+                                      </p:cBhvr>
+                                    </p:animEffect>
+                                  </p:childTnLst>
+                                </p:cTn>
+                              </p:par>
+                            </p:childTnLst>
+                          </p:cTn>
+                        </p:par>
+                      </p:childTnLst>
+                    </p:cTn>
+                  </p:par>
+                </p:childTnLst>
+              </p:cTn>
+              <p:prevCondLst>
+                <p:cond evt="onPrev" delay="0">
+                  <p:tgtEl>
+                    <p:sldTgt/>
+                  </p:tgtEl>
+                </p:cond>
+              </p:prevCondLst>
+              <p:nextCondLst>
+                <p:cond evt="onNext" delay="0">
+                  <p:tgtEl>
+                    <p:sldTgt/>
+                  </p:tgtEl>
+                </p:cond>
+              </p:nextCondLst>
+            </p:seq>
+          </p:childTnLst>
+        </p:cTn>
+      </p:par>
+    </p:tnLst>
+  </p:timing>
 </p:sld>
 </file>
 
@@ -8376,26 +9125,62 @@
           <a:chExt cx="0" cy="0"/>
         </a:xfrm>
       </p:grpSpPr>
-      <p:sp>
-        <p:nvSpPr>
-          <p:cNvPr id="5" name="Title 1">
+      <p:pic>
+        <p:nvPicPr>
+          <p:cNvPr id="5" name="Picture 4">
             <a:extLst>
               <a:ext uri="{FF2B5EF4-FFF2-40B4-BE49-F238E27FC236}">
-                <a16:creationId xmlns:a16="http://schemas.microsoft.com/office/drawing/2014/main" id="{0A93B90C-5A24-4584-8EB7-F24DF504C083}"/>
+                <a16:creationId xmlns:a16="http://schemas.microsoft.com/office/drawing/2014/main" id="{3590337F-3EB5-4AD9-822E-1F6E2C808EAB}"/>
               </a:ext>
             </a:extLst>
           </p:cNvPr>
-          <p:cNvSpPr>
-            <a:spLocks noGrp="1"/>
-          </p:cNvSpPr>
-          <p:nvPr>
-            <p:ph type="title"/>
-          </p:nvPr>
-        </p:nvSpPr>
+          <p:cNvPicPr>
+            <a:picLocks noChangeAspect="1"/>
+          </p:cNvPicPr>
+          <p:nvPr/>
+        </p:nvPicPr>
+        <p:blipFill>
+          <a:blip r:embed="rId2">
+            <a:extLst>
+              <a:ext uri="{28A0092B-C50C-407E-A947-70E740481C1C}">
+                <a14:useLocalDpi xmlns:a14="http://schemas.microsoft.com/office/drawing/2010/main" val="0"/>
+              </a:ext>
+            </a:extLst>
+          </a:blip>
+          <a:stretch>
+            <a:fillRect/>
+          </a:stretch>
+        </p:blipFill>
         <p:spPr>
           <a:xfrm>
-            <a:off x="1097280" y="286603"/>
-            <a:ext cx="10058400" cy="1450757"/>
+            <a:off x="7117139" y="1825625"/>
+            <a:ext cx="3576095" cy="3558215"/>
+          </a:xfrm>
+          <a:prstGeom prst="rect">
+            <a:avLst/>
+          </a:prstGeom>
+        </p:spPr>
+      </p:pic>
+      <p:sp>
+        <p:nvSpPr>
+          <p:cNvPr id="6" name="Title 1">
+            <a:extLst>
+              <a:ext uri="{FF2B5EF4-FFF2-40B4-BE49-F238E27FC236}">
+                <a16:creationId xmlns:a16="http://schemas.microsoft.com/office/drawing/2014/main" id="{8804C40A-1EF8-48A2-A25F-1DBBC2623FEF}"/>
+              </a:ext>
+            </a:extLst>
+          </p:cNvPr>
+          <p:cNvSpPr>
+            <a:spLocks noGrp="1"/>
+          </p:cNvSpPr>
+          <p:nvPr>
+            <p:ph type="title"/>
+          </p:nvPr>
+        </p:nvSpPr>
+        <p:spPr>
+          <a:xfrm>
+            <a:off x="838200" y="365125"/>
+            <a:ext cx="10515600" cy="1325563"/>
           </a:xfrm>
         </p:spPr>
         <p:txBody>
@@ -8411,7 +9196,13 @@
       </p:sp>
       <p:sp>
         <p:nvSpPr>
-          <p:cNvPr id="2" name="Content Placeholder 1"/>
+          <p:cNvPr id="7" name="Content Placeholder 2">
+            <a:extLst>
+              <a:ext uri="{FF2B5EF4-FFF2-40B4-BE49-F238E27FC236}">
+                <a16:creationId xmlns:a16="http://schemas.microsoft.com/office/drawing/2014/main" id="{2B40235B-9563-462A-8D37-C4D5EBD0F60C}"/>
+              </a:ext>
+            </a:extLst>
+          </p:cNvPr>
           <p:cNvSpPr>
             <a:spLocks noGrp="1"/>
           </p:cNvSpPr>
@@ -8419,14 +9210,23 @@
             <p:ph idx="1"/>
           </p:nvPr>
         </p:nvSpPr>
-        <p:spPr/>
+        <p:spPr>
+          <a:xfrm>
+            <a:off x="838200" y="1825625"/>
+            <a:ext cx="10515600" cy="4351338"/>
+          </a:xfrm>
+        </p:spPr>
         <p:txBody>
           <a:bodyPr/>
           <a:lstStyle/>
           <a:p>
+            <a:pPr>
+              <a:buFont typeface="Wingdings" panose="05000000000000000000" pitchFamily="2" charset="2"/>
+              <a:buChar char="§"/>
+            </a:pPr>
             <a:r>
               <a:rPr lang="tr-TR" dirty="0"/>
-              <a:t>Burayı da</a:t>
+              <a:t>Cannot make U-Turn at once</a:t>
             </a:r>
           </a:p>
         </p:txBody>
@@ -8434,13 +9234,160 @@
     </p:spTree>
     <p:extLst>
       <p:ext uri="{BB962C8B-B14F-4D97-AF65-F5344CB8AC3E}">
-        <p14:creationId xmlns:p14="http://schemas.microsoft.com/office/powerpoint/2010/main" val="2511439437"/>
+        <p14:creationId xmlns:p14="http://schemas.microsoft.com/office/powerpoint/2010/main" val="3162538467"/>
       </p:ext>
     </p:extLst>
   </p:cSld>
   <p:clrMapOvr>
     <a:masterClrMapping/>
   </p:clrMapOvr>
+  <p:timing>
+    <p:tnLst>
+      <p:par>
+        <p:cTn id="1" dur="indefinite" restart="never" nodeType="tmRoot">
+          <p:childTnLst>
+            <p:seq concurrent="1" nextAc="seek">
+              <p:cTn id="2" dur="indefinite" nodeType="mainSeq">
+                <p:childTnLst>
+                  <p:par>
+                    <p:cTn id="3" fill="hold">
+                      <p:stCondLst>
+                        <p:cond delay="indefinite"/>
+                      </p:stCondLst>
+                      <p:childTnLst>
+                        <p:par>
+                          <p:cTn id="4" fill="hold">
+                            <p:stCondLst>
+                              <p:cond delay="0"/>
+                            </p:stCondLst>
+                            <p:childTnLst>
+                              <p:par>
+                                <p:cTn id="5" presetID="10" presetClass="entr" presetSubtype="0" fill="hold" grpId="0" nodeType="clickEffect">
+                                  <p:stCondLst>
+                                    <p:cond delay="0"/>
+                                  </p:stCondLst>
+                                  <p:childTnLst>
+                                    <p:set>
+                                      <p:cBhvr>
+                                        <p:cTn id="6" dur="1" fill="hold">
+                                          <p:stCondLst>
+                                            <p:cond delay="0"/>
+                                          </p:stCondLst>
+                                        </p:cTn>
+                                        <p:tgtEl>
+                                          <p:spTgt spid="7">
+                                            <p:txEl>
+                                              <p:pRg st="0" end="0"/>
+                                            </p:txEl>
+                                          </p:spTgt>
+                                        </p:tgtEl>
+                                        <p:attrNameLst>
+                                          <p:attrName>style.visibility</p:attrName>
+                                        </p:attrNameLst>
+                                      </p:cBhvr>
+                                      <p:to>
+                                        <p:strVal val="visible"/>
+                                      </p:to>
+                                    </p:set>
+                                    <p:animEffect transition="in" filter="fade">
+                                      <p:cBhvr>
+                                        <p:cTn id="7" dur="500"/>
+                                        <p:tgtEl>
+                                          <p:spTgt spid="7">
+                                            <p:txEl>
+                                              <p:pRg st="0" end="0"/>
+                                            </p:txEl>
+                                          </p:spTgt>
+                                        </p:tgtEl>
+                                      </p:cBhvr>
+                                    </p:animEffect>
+                                  </p:childTnLst>
+                                </p:cTn>
+                              </p:par>
+                            </p:childTnLst>
+                          </p:cTn>
+                        </p:par>
+                      </p:childTnLst>
+                    </p:cTn>
+                  </p:par>
+                  <p:par>
+                    <p:cTn id="8" fill="hold">
+                      <p:stCondLst>
+                        <p:cond delay="indefinite"/>
+                      </p:stCondLst>
+                      <p:childTnLst>
+                        <p:par>
+                          <p:cTn id="9" fill="hold">
+                            <p:stCondLst>
+                              <p:cond delay="0"/>
+                            </p:stCondLst>
+                            <p:childTnLst>
+                              <p:par>
+                                <p:cTn id="10" presetID="10" presetClass="entr" presetSubtype="0" fill="hold" nodeType="clickEffect">
+                                  <p:stCondLst>
+                                    <p:cond delay="0"/>
+                                  </p:stCondLst>
+                                  <p:childTnLst>
+                                    <p:set>
+                                      <p:cBhvr>
+                                        <p:cTn id="11" dur="1" fill="hold">
+                                          <p:stCondLst>
+                                            <p:cond delay="0"/>
+                                          </p:stCondLst>
+                                        </p:cTn>
+                                        <p:tgtEl>
+                                          <p:spTgt spid="5"/>
+                                        </p:tgtEl>
+                                        <p:attrNameLst>
+                                          <p:attrName>style.visibility</p:attrName>
+                                        </p:attrNameLst>
+                                      </p:cBhvr>
+                                      <p:to>
+                                        <p:strVal val="visible"/>
+                                      </p:to>
+                                    </p:set>
+                                    <p:animEffect transition="in" filter="fade">
+                                      <p:cBhvr>
+                                        <p:cTn id="12" dur="500"/>
+                                        <p:tgtEl>
+                                          <p:spTgt spid="5"/>
+                                        </p:tgtEl>
+                                      </p:cBhvr>
+                                    </p:animEffect>
+                                  </p:childTnLst>
+                                </p:cTn>
+                              </p:par>
+                            </p:childTnLst>
+                          </p:cTn>
+                        </p:par>
+                      </p:childTnLst>
+                    </p:cTn>
+                  </p:par>
+                </p:childTnLst>
+              </p:cTn>
+              <p:prevCondLst>
+                <p:cond evt="onPrev" delay="0">
+                  <p:tgtEl>
+                    <p:sldTgt/>
+                  </p:tgtEl>
+                </p:cond>
+              </p:prevCondLst>
+              <p:nextCondLst>
+                <p:cond evt="onNext" delay="0">
+                  <p:tgtEl>
+                    <p:sldTgt/>
+                  </p:tgtEl>
+                </p:cond>
+              </p:nextCondLst>
+            </p:seq>
+          </p:childTnLst>
+        </p:cTn>
+      </p:par>
+    </p:tnLst>
+    <p:bldLst>
+      <p:bldP spid="7" grpId="0" build="p"/>
+    </p:bldLst>
+  </p:timing>
 </p:sld>
 </file>
 
@@ -8541,10 +9488,412 @@
   <p:clrMapOvr>
     <a:masterClrMapping/>
   </p:clrMapOvr>
+  <p:timing>
+    <p:tnLst>
+      <p:par>
+        <p:cTn id="1" dur="indefinite" restart="never" nodeType="tmRoot">
+          <p:childTnLst>
+            <p:seq concurrent="1" nextAc="seek">
+              <p:cTn id="2" dur="indefinite" nodeType="mainSeq">
+                <p:childTnLst>
+                  <p:par>
+                    <p:cTn id="3" fill="hold">
+                      <p:stCondLst>
+                        <p:cond delay="indefinite"/>
+                      </p:stCondLst>
+                      <p:childTnLst>
+                        <p:par>
+                          <p:cTn id="4" fill="hold">
+                            <p:stCondLst>
+                              <p:cond delay="0"/>
+                            </p:stCondLst>
+                            <p:childTnLst>
+                              <p:par>
+                                <p:cTn id="5" presetID="10" presetClass="entr" presetSubtype="0" fill="hold" grpId="0" nodeType="clickEffect">
+                                  <p:stCondLst>
+                                    <p:cond delay="0"/>
+                                  </p:stCondLst>
+                                  <p:childTnLst>
+                                    <p:set>
+                                      <p:cBhvr>
+                                        <p:cTn id="6" dur="1" fill="hold">
+                                          <p:stCondLst>
+                                            <p:cond delay="0"/>
+                                          </p:stCondLst>
+                                        </p:cTn>
+                                        <p:tgtEl>
+                                          <p:spTgt spid="3">
+                                            <p:txEl>
+                                              <p:pRg st="0" end="0"/>
+                                            </p:txEl>
+                                          </p:spTgt>
+                                        </p:tgtEl>
+                                        <p:attrNameLst>
+                                          <p:attrName>style.visibility</p:attrName>
+                                        </p:attrNameLst>
+                                      </p:cBhvr>
+                                      <p:to>
+                                        <p:strVal val="visible"/>
+                                      </p:to>
+                                    </p:set>
+                                    <p:animEffect transition="in" filter="fade">
+                                      <p:cBhvr>
+                                        <p:cTn id="7" dur="500"/>
+                                        <p:tgtEl>
+                                          <p:spTgt spid="3">
+                                            <p:txEl>
+                                              <p:pRg st="0" end="0"/>
+                                            </p:txEl>
+                                          </p:spTgt>
+                                        </p:tgtEl>
+                                      </p:cBhvr>
+                                    </p:animEffect>
+                                  </p:childTnLst>
+                                </p:cTn>
+                              </p:par>
+                            </p:childTnLst>
+                          </p:cTn>
+                        </p:par>
+                      </p:childTnLst>
+                    </p:cTn>
+                  </p:par>
+                  <p:par>
+                    <p:cTn id="8" fill="hold">
+                      <p:stCondLst>
+                        <p:cond delay="indefinite"/>
+                      </p:stCondLst>
+                      <p:childTnLst>
+                        <p:par>
+                          <p:cTn id="9" fill="hold">
+                            <p:stCondLst>
+                              <p:cond delay="0"/>
+                            </p:stCondLst>
+                            <p:childTnLst>
+                              <p:par>
+                                <p:cTn id="10" presetID="10" presetClass="entr" presetSubtype="0" fill="hold" grpId="0" nodeType="clickEffect">
+                                  <p:stCondLst>
+                                    <p:cond delay="0"/>
+                                  </p:stCondLst>
+                                  <p:childTnLst>
+                                    <p:set>
+                                      <p:cBhvr>
+                                        <p:cTn id="11" dur="1" fill="hold">
+                                          <p:stCondLst>
+                                            <p:cond delay="0"/>
+                                          </p:stCondLst>
+                                        </p:cTn>
+                                        <p:tgtEl>
+                                          <p:spTgt spid="3">
+                                            <p:txEl>
+                                              <p:pRg st="1" end="1"/>
+                                            </p:txEl>
+                                          </p:spTgt>
+                                        </p:tgtEl>
+                                        <p:attrNameLst>
+                                          <p:attrName>style.visibility</p:attrName>
+                                        </p:attrNameLst>
+                                      </p:cBhvr>
+                                      <p:to>
+                                        <p:strVal val="visible"/>
+                                      </p:to>
+                                    </p:set>
+                                    <p:animEffect transition="in" filter="fade">
+                                      <p:cBhvr>
+                                        <p:cTn id="12" dur="500"/>
+                                        <p:tgtEl>
+                                          <p:spTgt spid="3">
+                                            <p:txEl>
+                                              <p:pRg st="1" end="1"/>
+                                            </p:txEl>
+                                          </p:spTgt>
+                                        </p:tgtEl>
+                                      </p:cBhvr>
+                                    </p:animEffect>
+                                  </p:childTnLst>
+                                </p:cTn>
+                              </p:par>
+                            </p:childTnLst>
+                          </p:cTn>
+                        </p:par>
+                      </p:childTnLst>
+                    </p:cTn>
+                  </p:par>
+                </p:childTnLst>
+              </p:cTn>
+              <p:prevCondLst>
+                <p:cond evt="onPrev" delay="0">
+                  <p:tgtEl>
+                    <p:sldTgt/>
+                  </p:tgtEl>
+                </p:cond>
+              </p:prevCondLst>
+              <p:nextCondLst>
+                <p:cond evt="onNext" delay="0">
+                  <p:tgtEl>
+                    <p:sldTgt/>
+                  </p:tgtEl>
+                </p:cond>
+              </p:nextCondLst>
+            </p:seq>
+          </p:childTnLst>
+        </p:cTn>
+      </p:par>
+    </p:tnLst>
+    <p:bldLst>
+      <p:bldP spid="3" grpId="0" build="p"/>
+    </p:bldLst>
+  </p:timing>
 </p:sld>
 </file>
 
 <file path=ppt/slides/slide8.xml><?xml version="1.0" encoding="utf-8"?>
+<p:sld xmlns:a="http://schemas.openxmlformats.org/drawingml/2006/main" xmlns:r="http://schemas.openxmlformats.org/officeDocument/2006/relationships" xmlns:p="http://schemas.openxmlformats.org/presentationml/2006/main">
+  <p:cSld>
+    <p:spTree>
+      <p:nvGrpSpPr>
+        <p:cNvPr id="1" name=""/>
+        <p:cNvGrpSpPr/>
+        <p:nvPr/>
+      </p:nvGrpSpPr>
+      <p:grpSpPr>
+        <a:xfrm>
+          <a:off x="0" y="0"/>
+          <a:ext cx="0" cy="0"/>
+          <a:chOff x="0" y="0"/>
+          <a:chExt cx="0" cy="0"/>
+        </a:xfrm>
+      </p:grpSpPr>
+      <p:sp>
+        <p:nvSpPr>
+          <p:cNvPr id="2" name="Title 1">
+            <a:extLst>
+              <a:ext uri="{FF2B5EF4-FFF2-40B4-BE49-F238E27FC236}">
+                <a16:creationId xmlns:a16="http://schemas.microsoft.com/office/drawing/2014/main" id="{F85E37E0-80EE-4978-9966-E6FC6174BD0E}"/>
+              </a:ext>
+            </a:extLst>
+          </p:cNvPr>
+          <p:cNvSpPr>
+            <a:spLocks noGrp="1"/>
+          </p:cNvSpPr>
+          <p:nvPr>
+            <p:ph type="title"/>
+          </p:nvPr>
+        </p:nvSpPr>
+        <p:spPr/>
+        <p:txBody>
+          <a:bodyPr/>
+          <a:lstStyle/>
+          <a:p>
+            <a:r>
+              <a:rPr lang="tr-TR" dirty="0"/>
+              <a:t>Modes of Operation	</a:t>
+            </a:r>
+          </a:p>
+        </p:txBody>
+      </p:sp>
+      <p:sp>
+        <p:nvSpPr>
+          <p:cNvPr id="3" name="Content Placeholder 2">
+            <a:extLst>
+              <a:ext uri="{FF2B5EF4-FFF2-40B4-BE49-F238E27FC236}">
+                <a16:creationId xmlns:a16="http://schemas.microsoft.com/office/drawing/2014/main" id="{BC01CEA8-E841-424D-A811-A4F43B9A2CB4}"/>
+              </a:ext>
+            </a:extLst>
+          </p:cNvPr>
+          <p:cNvSpPr>
+            <a:spLocks noGrp="1"/>
+          </p:cNvSpPr>
+          <p:nvPr>
+            <p:ph idx="1"/>
+          </p:nvPr>
+        </p:nvSpPr>
+        <p:spPr/>
+        <p:txBody>
+          <a:bodyPr/>
+          <a:lstStyle/>
+          <a:p>
+            <a:r>
+              <a:rPr lang="tr-TR" dirty="0"/>
+              <a:t>Master</a:t>
+            </a:r>
+          </a:p>
+          <a:p>
+            <a:r>
+              <a:rPr lang="tr-TR" dirty="0"/>
+              <a:t>Slave</a:t>
+            </a:r>
+          </a:p>
+        </p:txBody>
+      </p:sp>
+    </p:spTree>
+    <p:extLst>
+      <p:ext uri="{BB962C8B-B14F-4D97-AF65-F5344CB8AC3E}">
+        <p14:creationId xmlns:p14="http://schemas.microsoft.com/office/powerpoint/2010/main" val="1432885428"/>
+      </p:ext>
+    </p:extLst>
+  </p:cSld>
+  <p:clrMapOvr>
+    <a:masterClrMapping/>
+  </p:clrMapOvr>
+  <p:timing>
+    <p:tnLst>
+      <p:par>
+        <p:cTn id="1" dur="indefinite" restart="never" nodeType="tmRoot">
+          <p:childTnLst>
+            <p:seq concurrent="1" nextAc="seek">
+              <p:cTn id="2" dur="indefinite" nodeType="mainSeq">
+                <p:childTnLst>
+                  <p:par>
+                    <p:cTn id="3" fill="hold">
+                      <p:stCondLst>
+                        <p:cond delay="indefinite"/>
+                      </p:stCondLst>
+                      <p:childTnLst>
+                        <p:par>
+                          <p:cTn id="4" fill="hold">
+                            <p:stCondLst>
+                              <p:cond delay="0"/>
+                            </p:stCondLst>
+                            <p:childTnLst>
+                              <p:par>
+                                <p:cTn id="5" presetID="10" presetClass="entr" presetSubtype="0" fill="hold" grpId="0" nodeType="clickEffect">
+                                  <p:stCondLst>
+                                    <p:cond delay="0"/>
+                                  </p:stCondLst>
+                                  <p:childTnLst>
+                                    <p:set>
+                                      <p:cBhvr>
+                                        <p:cTn id="6" dur="1" fill="hold">
+                                          <p:stCondLst>
+                                            <p:cond delay="0"/>
+                                          </p:stCondLst>
+                                        </p:cTn>
+                                        <p:tgtEl>
+                                          <p:spTgt spid="3">
+                                            <p:txEl>
+                                              <p:pRg st="0" end="0"/>
+                                            </p:txEl>
+                                          </p:spTgt>
+                                        </p:tgtEl>
+                                        <p:attrNameLst>
+                                          <p:attrName>style.visibility</p:attrName>
+                                        </p:attrNameLst>
+                                      </p:cBhvr>
+                                      <p:to>
+                                        <p:strVal val="visible"/>
+                                      </p:to>
+                                    </p:set>
+                                    <p:animEffect transition="in" filter="fade">
+                                      <p:cBhvr>
+                                        <p:cTn id="7" dur="500"/>
+                                        <p:tgtEl>
+                                          <p:spTgt spid="3">
+                                            <p:txEl>
+                                              <p:pRg st="0" end="0"/>
+                                            </p:txEl>
+                                          </p:spTgt>
+                                        </p:tgtEl>
+                                      </p:cBhvr>
+                                    </p:animEffect>
+                                  </p:childTnLst>
+                                </p:cTn>
+                              </p:par>
+                            </p:childTnLst>
+                          </p:cTn>
+                        </p:par>
+                      </p:childTnLst>
+                    </p:cTn>
+                  </p:par>
+                  <p:par>
+                    <p:cTn id="8" fill="hold">
+                      <p:stCondLst>
+                        <p:cond delay="indefinite"/>
+                      </p:stCondLst>
+                      <p:childTnLst>
+                        <p:par>
+                          <p:cTn id="9" fill="hold">
+                            <p:stCondLst>
+                              <p:cond delay="0"/>
+                            </p:stCondLst>
+                            <p:childTnLst>
+                              <p:par>
+                                <p:cTn id="10" presetID="10" presetClass="entr" presetSubtype="0" fill="hold" grpId="0" nodeType="clickEffect">
+                                  <p:stCondLst>
+                                    <p:cond delay="0"/>
+                                  </p:stCondLst>
+                                  <p:childTnLst>
+                                    <p:set>
+                                      <p:cBhvr>
+                                        <p:cTn id="11" dur="1" fill="hold">
+                                          <p:stCondLst>
+                                            <p:cond delay="0"/>
+                                          </p:stCondLst>
+                                        </p:cTn>
+                                        <p:tgtEl>
+                                          <p:spTgt spid="3">
+                                            <p:txEl>
+                                              <p:pRg st="1" end="1"/>
+                                            </p:txEl>
+                                          </p:spTgt>
+                                        </p:tgtEl>
+                                        <p:attrNameLst>
+                                          <p:attrName>style.visibility</p:attrName>
+                                        </p:attrNameLst>
+                                      </p:cBhvr>
+                                      <p:to>
+                                        <p:strVal val="visible"/>
+                                      </p:to>
+                                    </p:set>
+                                    <p:animEffect transition="in" filter="fade">
+                                      <p:cBhvr>
+                                        <p:cTn id="12" dur="500"/>
+                                        <p:tgtEl>
+                                          <p:spTgt spid="3">
+                                            <p:txEl>
+                                              <p:pRg st="1" end="1"/>
+                                            </p:txEl>
+                                          </p:spTgt>
+                                        </p:tgtEl>
+                                      </p:cBhvr>
+                                    </p:animEffect>
+                                  </p:childTnLst>
+                                </p:cTn>
+                              </p:par>
+                            </p:childTnLst>
+                          </p:cTn>
+                        </p:par>
+                      </p:childTnLst>
+                    </p:cTn>
+                  </p:par>
+                </p:childTnLst>
+              </p:cTn>
+              <p:prevCondLst>
+                <p:cond evt="onPrev" delay="0">
+                  <p:tgtEl>
+                    <p:sldTgt/>
+                  </p:tgtEl>
+                </p:cond>
+              </p:prevCondLst>
+              <p:nextCondLst>
+                <p:cond evt="onNext" delay="0">
+                  <p:tgtEl>
+                    <p:sldTgt/>
+                  </p:tgtEl>
+                </p:cond>
+              </p:nextCondLst>
+            </p:seq>
+          </p:childTnLst>
+        </p:cTn>
+      </p:par>
+    </p:tnLst>
+    <p:bldLst>
+      <p:bldP spid="3" grpId="0" build="p"/>
+    </p:bldLst>
+  </p:timing>
+</p:sld>
+</file>
+
+<file path=ppt/slides/slide9.xml><?xml version="1.0" encoding="utf-8"?>
 <p:sld xmlns:a="http://schemas.openxmlformats.org/drawingml/2006/main" xmlns:r="http://schemas.openxmlformats.org/officeDocument/2006/relationships" xmlns:p="http://schemas.openxmlformats.org/presentationml/2006/main">
   <p:cSld>
     <p:spTree>
@@ -8685,221 +10034,63 @@
       </p:grpSp>
       <p:sp>
         <p:nvSpPr>
-          <p:cNvPr id="15" name="Title 14">
+          <p:cNvPr id="8" name="Title 14">
             <a:extLst>
               <a:ext uri="{FF2B5EF4-FFF2-40B4-BE49-F238E27FC236}">
-                <a16:creationId xmlns:a16="http://schemas.microsoft.com/office/drawing/2014/main" id="{67B90371-224B-43AD-825F-4DEECF183270}"/>
+                <a16:creationId xmlns:a16="http://schemas.microsoft.com/office/drawing/2014/main" id="{E7D9918F-9BE6-44D4-B1D4-D4FE7092F942}"/>
               </a:ext>
             </a:extLst>
           </p:cNvPr>
-          <p:cNvSpPr>
-            <a:spLocks noGrp="1"/>
-          </p:cNvSpPr>
-          <p:nvPr>
-            <p:ph type="title"/>
-          </p:nvPr>
-        </p:nvSpPr>
-        <p:spPr/>
-        <p:txBody>
-          <a:bodyPr/>
-          <a:lstStyle/>
-          <a:p>
-            <a:r>
-              <a:rPr lang="tr-TR" dirty="0"/>
-              <a:t>U-Turn Example</a:t>
-            </a:r>
-          </a:p>
-        </p:txBody>
-      </p:sp>
-    </p:spTree>
-    <p:extLst>
-      <p:ext uri="{BB962C8B-B14F-4D97-AF65-F5344CB8AC3E}">
-        <p14:creationId xmlns:p14="http://schemas.microsoft.com/office/powerpoint/2010/main" val="2192572407"/>
-      </p:ext>
-    </p:extLst>
-  </p:cSld>
-  <p:clrMapOvr>
-    <a:masterClrMapping/>
-  </p:clrMapOvr>
-</p:sld>
-</file>
-
-<file path=ppt/slides/slide9.xml><?xml version="1.0" encoding="utf-8"?>
-<p:sld xmlns:a="http://schemas.openxmlformats.org/drawingml/2006/main" xmlns:r="http://schemas.openxmlformats.org/officeDocument/2006/relationships" xmlns:p="http://schemas.openxmlformats.org/presentationml/2006/main">
-  <p:cSld>
-    <p:spTree>
-      <p:nvGrpSpPr>
-        <p:cNvPr id="1" name=""/>
-        <p:cNvGrpSpPr/>
-        <p:nvPr/>
-      </p:nvGrpSpPr>
-      <p:grpSpPr>
-        <a:xfrm>
-          <a:off x="0" y="0"/>
-          <a:ext cx="0" cy="0"/>
-          <a:chOff x="0" y="0"/>
-          <a:chExt cx="0" cy="0"/>
-        </a:xfrm>
-      </p:grpSpPr>
-      <p:grpSp>
-        <p:nvGrpSpPr>
-          <p:cNvPr id="4" name="Grup 10">
-            <a:extLst>
-              <a:ext uri="{FF2B5EF4-FFF2-40B4-BE49-F238E27FC236}">
-                <a16:creationId xmlns:a16="http://schemas.microsoft.com/office/drawing/2014/main" id="{ECE4917F-C85A-4DE2-8A58-E6F2955E5948}"/>
-              </a:ext>
-            </a:extLst>
-          </p:cNvPr>
-          <p:cNvGrpSpPr/>
+          <p:cNvSpPr txBox="1">
+            <a:spLocks/>
+          </p:cNvSpPr>
           <p:nvPr/>
-        </p:nvGrpSpPr>
-        <p:grpSpPr>
-          <a:xfrm>
-            <a:off x="3559680" y="1737360"/>
-            <a:ext cx="5133600" cy="5133600"/>
-            <a:chOff x="2674620" y="0"/>
-            <a:chExt cx="2023745" cy="1653540"/>
-          </a:xfrm>
-        </p:grpSpPr>
-        <p:pic>
-          <p:nvPicPr>
-            <p:cNvPr id="6" name="Picture 5">
-              <a:extLst>
-                <a:ext uri="{FF2B5EF4-FFF2-40B4-BE49-F238E27FC236}">
-                  <a16:creationId xmlns:a16="http://schemas.microsoft.com/office/drawing/2014/main" id="{D4D3145C-69C2-46DF-AFEB-C2A4C2F7D655}"/>
-                </a:ext>
-              </a:extLst>
-            </p:cNvPr>
-            <p:cNvPicPr>
-              <a:picLocks noChangeAspect="1"/>
-            </p:cNvPicPr>
-            <p:nvPr/>
-          </p:nvPicPr>
-          <p:blipFill>
-            <a:blip r:embed="rId2" cstate="print">
-              <a:extLst>
-                <a:ext uri="{28A0092B-C50C-407E-A947-70E740481C1C}">
-                  <a14:useLocalDpi xmlns:a14="http://schemas.microsoft.com/office/drawing/2010/main" val="0"/>
-                </a:ext>
-              </a:extLst>
-            </a:blip>
-            <a:stretch>
-              <a:fillRect/>
-            </a:stretch>
-          </p:blipFill>
-          <p:spPr>
-            <a:xfrm>
-              <a:off x="2674620" y="0"/>
-              <a:ext cx="2023745" cy="1424305"/>
-            </a:xfrm>
-            <a:prstGeom prst="rect">
-              <a:avLst/>
-            </a:prstGeom>
-          </p:spPr>
-        </p:pic>
-        <p:sp>
-          <p:nvSpPr>
-            <p:cNvPr id="11" name="Metin Kutusu 2">
-              <a:extLst>
-                <a:ext uri="{FF2B5EF4-FFF2-40B4-BE49-F238E27FC236}">
-                  <a16:creationId xmlns:a16="http://schemas.microsoft.com/office/drawing/2014/main" id="{6D075ECC-2E32-4DE4-824B-21659A4648E3}"/>
-                </a:ext>
-              </a:extLst>
-            </p:cNvPr>
-            <p:cNvSpPr txBox="1">
-              <a:spLocks noChangeArrowheads="1"/>
-            </p:cNvSpPr>
-            <p:nvPr/>
-          </p:nvSpPr>
-          <p:spPr bwMode="auto">
-            <a:xfrm>
-              <a:off x="2964180" y="1341120"/>
-              <a:ext cx="1280160" cy="312420"/>
-            </a:xfrm>
-            <a:prstGeom prst="rect">
-              <a:avLst/>
-            </a:prstGeom>
-            <a:noFill/>
-            <a:ln w="9525">
-              <a:noFill/>
-              <a:miter lim="800000"/>
-              <a:headEnd/>
-              <a:tailEnd/>
-            </a:ln>
-          </p:spPr>
-          <p:txBody>
-            <a:bodyPr rot="0" vert="horz" wrap="square" lIns="91440" tIns="45720" rIns="91440" bIns="45720" anchor="t" anchorCtr="0">
-              <a:noAutofit/>
-            </a:bodyPr>
-            <a:lstStyle/>
-            <a:p>
-              <a:pPr algn="ctr">
-                <a:lnSpc>
-                  <a:spcPct val="150000"/>
-                </a:lnSpc>
-                <a:spcBef>
-                  <a:spcPts val="600"/>
-                </a:spcBef>
-                <a:spcAft>
-                  <a:spcPts val="800"/>
-                </a:spcAft>
-              </a:pPr>
-              <a:r>
-                <a:rPr lang="tr-TR" sz="1200">
-                  <a:effectLst/>
-                  <a:latin typeface="Times New Roman" panose="02020603050405020304" pitchFamily="18" charset="0"/>
-                  <a:ea typeface="Calibri" panose="020F0502020204030204" pitchFamily="34" charset="0"/>
-                  <a:cs typeface="Arial" panose="020B0604020202020204" pitchFamily="34" charset="0"/>
-                </a:rPr>
-                <a:t>(II)</a:t>
-              </a:r>
-              <a:endParaRPr lang="tr-TR" sz="1200">
-                <a:effectLst/>
-                <a:latin typeface="Cambria" panose="02040503050406030204" pitchFamily="18" charset="0"/>
-                <a:ea typeface="Calibri" panose="020F0502020204030204" pitchFamily="34" charset="0"/>
-                <a:cs typeface="Arial" panose="020B0604020202020204" pitchFamily="34" charset="0"/>
-              </a:endParaRPr>
-            </a:p>
-          </p:txBody>
-        </p:sp>
-      </p:grpSp>
-      <p:sp>
-        <p:nvSpPr>
-          <p:cNvPr id="15" name="Title 14">
-            <a:extLst>
-              <a:ext uri="{FF2B5EF4-FFF2-40B4-BE49-F238E27FC236}">
-                <a16:creationId xmlns:a16="http://schemas.microsoft.com/office/drawing/2014/main" id="{6BE5BDFB-827B-46CD-AA00-2637285343C3}"/>
-              </a:ext>
-            </a:extLst>
-          </p:cNvPr>
-          <p:cNvSpPr>
-            <a:spLocks noGrp="1"/>
-          </p:cNvSpPr>
-          <p:nvPr>
-            <p:ph type="title"/>
-          </p:nvPr>
         </p:nvSpPr>
         <p:spPr>
           <a:xfrm>
             <a:off x="1097280" y="286603"/>
             <a:ext cx="10058400" cy="1450757"/>
           </a:xfrm>
+          <a:prstGeom prst="rect">
+            <a:avLst/>
+          </a:prstGeom>
         </p:spPr>
         <p:txBody>
-          <a:bodyPr/>
-          <a:lstStyle/>
-          <a:p>
-            <a:r>
-              <a:rPr lang="tr-TR" dirty="0"/>
+          <a:bodyPr vert="horz" lIns="91440" tIns="45720" rIns="91440" bIns="45720" rtlCol="0" anchor="ctr">
+            <a:normAutofit/>
+          </a:bodyPr>
+          <a:lstStyle>
+            <a:lvl1pPr algn="l" defTabSz="914400" rtl="0" eaLnBrk="1" latinLnBrk="0" hangingPunct="1">
+              <a:lnSpc>
+                <a:spcPct val="90000"/>
+              </a:lnSpc>
+              <a:spcBef>
+                <a:spcPct val="0"/>
+              </a:spcBef>
+              <a:buNone/>
+              <a:defRPr sz="4400" kern="1200">
+                <a:solidFill>
+                  <a:schemeClr val="tx1"/>
+                </a:solidFill>
+                <a:latin typeface="+mj-lt"/>
+                <a:ea typeface="+mj-ea"/>
+                <a:cs typeface="+mj-cs"/>
+              </a:defRPr>
+            </a:lvl1pPr>
+          </a:lstStyle>
+          <a:p>
+            <a:r>
+              <a:rPr lang="tr-TR"/>
               <a:t>U-Turn Example</a:t>
             </a:r>
+            <a:endParaRPr lang="tr-TR" dirty="0"/>
           </a:p>
         </p:txBody>
       </p:sp>
     </p:spTree>
     <p:extLst>
       <p:ext uri="{BB962C8B-B14F-4D97-AF65-F5344CB8AC3E}">
-        <p14:creationId xmlns:p14="http://schemas.microsoft.com/office/powerpoint/2010/main" val="4291739657"/>
+        <p14:creationId xmlns:p14="http://schemas.microsoft.com/office/powerpoint/2010/main" val="2192572407"/>
       </p:ext>
     </p:extLst>
   </p:cSld>
